--- a/W6/1. W6S1 final/W6S1.pptx
+++ b/W6/1. W6S1 final/W6S1.pptx
@@ -5,7 +5,7 @@
     <p:sldMasterId id="2147483648" r:id="rId1"/>
   </p:sldMasterIdLst>
   <p:notesMasterIdLst>
-    <p:notesMasterId r:id="rId52"/>
+    <p:notesMasterId r:id="rId56"/>
   </p:notesMasterIdLst>
   <p:sldIdLst>
     <p:sldId id="377" r:id="rId2"/>
@@ -20,44 +20,48 @@
     <p:sldId id="384" r:id="rId11"/>
     <p:sldId id="381" r:id="rId12"/>
     <p:sldId id="386" r:id="rId13"/>
-    <p:sldId id="390" r:id="rId14"/>
-    <p:sldId id="393" r:id="rId15"/>
-    <p:sldId id="394" r:id="rId16"/>
-    <p:sldId id="395" r:id="rId17"/>
-    <p:sldId id="392" r:id="rId18"/>
-    <p:sldId id="391" r:id="rId19"/>
-    <p:sldId id="396" r:id="rId20"/>
-    <p:sldId id="397" r:id="rId21"/>
-    <p:sldId id="400" r:id="rId22"/>
-    <p:sldId id="398" r:id="rId23"/>
-    <p:sldId id="399" r:id="rId24"/>
-    <p:sldId id="402" r:id="rId25"/>
-    <p:sldId id="403" r:id="rId26"/>
-    <p:sldId id="575" r:id="rId27"/>
-    <p:sldId id="405" r:id="rId28"/>
-    <p:sldId id="577" r:id="rId29"/>
-    <p:sldId id="576" r:id="rId30"/>
-    <p:sldId id="580" r:id="rId31"/>
-    <p:sldId id="578" r:id="rId32"/>
-    <p:sldId id="581" r:id="rId33"/>
-    <p:sldId id="406" r:id="rId34"/>
-    <p:sldId id="582" r:id="rId35"/>
-    <p:sldId id="596" r:id="rId36"/>
-    <p:sldId id="583" r:id="rId37"/>
-    <p:sldId id="585" r:id="rId38"/>
-    <p:sldId id="584" r:id="rId39"/>
-    <p:sldId id="586" r:id="rId40"/>
-    <p:sldId id="588" r:id="rId41"/>
-    <p:sldId id="404" r:id="rId42"/>
-    <p:sldId id="589" r:id="rId43"/>
-    <p:sldId id="574" r:id="rId44"/>
-    <p:sldId id="664" r:id="rId45"/>
-    <p:sldId id="592" r:id="rId46"/>
-    <p:sldId id="593" r:id="rId47"/>
-    <p:sldId id="590" r:id="rId48"/>
-    <p:sldId id="598" r:id="rId49"/>
-    <p:sldId id="407" r:id="rId50"/>
-    <p:sldId id="599" r:id="rId51"/>
+    <p:sldId id="665" r:id="rId14"/>
+    <p:sldId id="666" r:id="rId15"/>
+    <p:sldId id="393" r:id="rId16"/>
+    <p:sldId id="394" r:id="rId17"/>
+    <p:sldId id="395" r:id="rId18"/>
+    <p:sldId id="392" r:id="rId19"/>
+    <p:sldId id="391" r:id="rId20"/>
+    <p:sldId id="396" r:id="rId21"/>
+    <p:sldId id="397" r:id="rId22"/>
+    <p:sldId id="400" r:id="rId23"/>
+    <p:sldId id="398" r:id="rId24"/>
+    <p:sldId id="399" r:id="rId25"/>
+    <p:sldId id="402" r:id="rId26"/>
+    <p:sldId id="403" r:id="rId27"/>
+    <p:sldId id="575" r:id="rId28"/>
+    <p:sldId id="405" r:id="rId29"/>
+    <p:sldId id="577" r:id="rId30"/>
+    <p:sldId id="576" r:id="rId31"/>
+    <p:sldId id="580" r:id="rId32"/>
+    <p:sldId id="578" r:id="rId33"/>
+    <p:sldId id="581" r:id="rId34"/>
+    <p:sldId id="406" r:id="rId35"/>
+    <p:sldId id="582" r:id="rId36"/>
+    <p:sldId id="596" r:id="rId37"/>
+    <p:sldId id="583" r:id="rId38"/>
+    <p:sldId id="585" r:id="rId39"/>
+    <p:sldId id="584" r:id="rId40"/>
+    <p:sldId id="586" r:id="rId41"/>
+    <p:sldId id="588" r:id="rId42"/>
+    <p:sldId id="404" r:id="rId43"/>
+    <p:sldId id="589" r:id="rId44"/>
+    <p:sldId id="574" r:id="rId45"/>
+    <p:sldId id="664" r:id="rId46"/>
+    <p:sldId id="592" r:id="rId47"/>
+    <p:sldId id="593" r:id="rId48"/>
+    <p:sldId id="590" r:id="rId49"/>
+    <p:sldId id="598" r:id="rId50"/>
+    <p:sldId id="407" r:id="rId51"/>
+    <p:sldId id="670" r:id="rId52"/>
+    <p:sldId id="669" r:id="rId53"/>
+    <p:sldId id="668" r:id="rId54"/>
+    <p:sldId id="599" r:id="rId55"/>
   </p:sldIdLst>
   <p:sldSz cx="12192000" cy="6858000"/>
   <p:notesSz cx="6858000" cy="9144000"/>
@@ -189,7 +193,8 @@
         </p14:section>
         <p14:section name="II.3. A first simple predictor" id="{8870CF46-705E-4FFF-A4E3-4C9C1D8C2E67}">
           <p14:sldIdLst>
-            <p14:sldId id="390"/>
+            <p14:sldId id="665"/>
+            <p14:sldId id="666"/>
             <p14:sldId id="393"/>
             <p14:sldId id="394"/>
             <p14:sldId id="395"/>
@@ -254,6 +259,9 @@
             <p14:sldId id="590"/>
             <p14:sldId id="598"/>
             <p14:sldId id="407"/>
+            <p14:sldId id="670"/>
+            <p14:sldId id="669"/>
+            <p14:sldId id="668"/>
             <p14:sldId id="599"/>
           </p14:sldIdLst>
         </p14:section>
@@ -269,13 +277,240 @@
 <file path=ppt/revisionInfo.xml><?xml version="1.0" encoding="utf-8"?>
 <p1510:revInfo xmlns:a="http://schemas.openxmlformats.org/drawingml/2006/main" xmlns:r="http://schemas.openxmlformats.org/officeDocument/2006/relationships" xmlns:p1510="http://schemas.microsoft.com/office/powerpoint/2015/10/main">
   <p1510:revLst>
-    <p1510:client id="{95DC2182-BA54-4583-9E8E-B21E5C8D4D55}" v="5342" dt="2023-02-26T09:04:13.578"/>
+    <p1510:client id="{4C614438-19C8-44A6-815D-3A155B62A757}" v="12" dt="2023-07-06T07:37:01.621"/>
   </p1510:revLst>
 </p1510:revInfo>
 </file>
 
 <file path=ppt/changesInfos/changesInfo1.xml><?xml version="1.0" encoding="utf-8"?>
 <pc:chgInfo xmlns:a="http://schemas.openxmlformats.org/drawingml/2006/main" xmlns:r="http://schemas.openxmlformats.org/officeDocument/2006/relationships" xmlns:ac="http://schemas.microsoft.com/office/drawing/2013/main/command" xmlns:pc="http://schemas.microsoft.com/office/powerpoint/2013/main/command">
+  <pc:docChgLst>
+    <pc:chgData name="Matthieu De Mari" userId="dfb708c9-d8dc-439f-9a3b-c772bf4a311c" providerId="ADAL" clId="{4C614438-19C8-44A6-815D-3A155B62A757}"/>
+    <pc:docChg chg="undo custSel addSld delSld modSld modSection">
+      <pc:chgData name="Matthieu De Mari" userId="dfb708c9-d8dc-439f-9a3b-c772bf4a311c" providerId="ADAL" clId="{4C614438-19C8-44A6-815D-3A155B62A757}" dt="2023-07-06T07:37:14.470" v="410" actId="1440"/>
+      <pc:docMkLst>
+        <pc:docMk/>
+      </pc:docMkLst>
+      <pc:sldChg chg="modSp del mod">
+        <pc:chgData name="Matthieu De Mari" userId="dfb708c9-d8dc-439f-9a3b-c772bf4a311c" providerId="ADAL" clId="{4C614438-19C8-44A6-815D-3A155B62A757}" dt="2023-07-06T07:25:15.381" v="13" actId="47"/>
+        <pc:sldMkLst>
+          <pc:docMk/>
+          <pc:sldMk cId="699795487" sldId="390"/>
+        </pc:sldMkLst>
+        <pc:spChg chg="mod">
+          <ac:chgData name="Matthieu De Mari" userId="dfb708c9-d8dc-439f-9a3b-c772bf4a311c" providerId="ADAL" clId="{4C614438-19C8-44A6-815D-3A155B62A757}" dt="2023-07-06T07:25:02.088" v="9"/>
+          <ac:spMkLst>
+            <pc:docMk/>
+            <pc:sldMk cId="699795487" sldId="390"/>
+            <ac:spMk id="3" creationId="{BCEF9F32-C83F-B6A9-E126-668F25B9100E}"/>
+          </ac:spMkLst>
+        </pc:spChg>
+        <pc:spChg chg="mod">
+          <ac:chgData name="Matthieu De Mari" userId="dfb708c9-d8dc-439f-9a3b-c772bf4a311c" providerId="ADAL" clId="{4C614438-19C8-44A6-815D-3A155B62A757}" dt="2023-07-06T07:25:02.088" v="9"/>
+          <ac:spMkLst>
+            <pc:docMk/>
+            <pc:sldMk cId="699795487" sldId="390"/>
+            <ac:spMk id="5" creationId="{6C7F4F35-B552-E12F-D00F-A5EC521F9B44}"/>
+          </ac:spMkLst>
+        </pc:spChg>
+      </pc:sldChg>
+      <pc:sldChg chg="modSp mod">
+        <pc:chgData name="Matthieu De Mari" userId="dfb708c9-d8dc-439f-9a3b-c772bf4a311c" providerId="ADAL" clId="{4C614438-19C8-44A6-815D-3A155B62A757}" dt="2023-07-06T07:25:42.048" v="28" actId="20577"/>
+        <pc:sldMkLst>
+          <pc:docMk/>
+          <pc:sldMk cId="3842187934" sldId="393"/>
+        </pc:sldMkLst>
+        <pc:spChg chg="mod">
+          <ac:chgData name="Matthieu De Mari" userId="dfb708c9-d8dc-439f-9a3b-c772bf4a311c" providerId="ADAL" clId="{4C614438-19C8-44A6-815D-3A155B62A757}" dt="2023-07-06T07:25:42.048" v="28" actId="20577"/>
+          <ac:spMkLst>
+            <pc:docMk/>
+            <pc:sldMk cId="3842187934" sldId="393"/>
+            <ac:spMk id="8" creationId="{2F23B49A-721B-DD95-6D4E-073A6A6E4974}"/>
+          </ac:spMkLst>
+        </pc:spChg>
+      </pc:sldChg>
+      <pc:sldChg chg="modSp mod">
+        <pc:chgData name="Matthieu De Mari" userId="dfb708c9-d8dc-439f-9a3b-c772bf4a311c" providerId="ADAL" clId="{4C614438-19C8-44A6-815D-3A155B62A757}" dt="2023-07-06T07:25:49.545" v="37" actId="20577"/>
+        <pc:sldMkLst>
+          <pc:docMk/>
+          <pc:sldMk cId="781649533" sldId="394"/>
+        </pc:sldMkLst>
+        <pc:spChg chg="mod">
+          <ac:chgData name="Matthieu De Mari" userId="dfb708c9-d8dc-439f-9a3b-c772bf4a311c" providerId="ADAL" clId="{4C614438-19C8-44A6-815D-3A155B62A757}" dt="2023-07-06T07:25:49.545" v="37" actId="20577"/>
+          <ac:spMkLst>
+            <pc:docMk/>
+            <pc:sldMk cId="781649533" sldId="394"/>
+            <ac:spMk id="8" creationId="{2F23B49A-721B-DD95-6D4E-073A6A6E4974}"/>
+          </ac:spMkLst>
+        </pc:spChg>
+      </pc:sldChg>
+      <pc:sldChg chg="modSp mod">
+        <pc:chgData name="Matthieu De Mari" userId="dfb708c9-d8dc-439f-9a3b-c772bf4a311c" providerId="ADAL" clId="{4C614438-19C8-44A6-815D-3A155B62A757}" dt="2023-07-06T07:26:16.900" v="38" actId="20577"/>
+        <pc:sldMkLst>
+          <pc:docMk/>
+          <pc:sldMk cId="1870305378" sldId="396"/>
+        </pc:sldMkLst>
+        <pc:spChg chg="mod">
+          <ac:chgData name="Matthieu De Mari" userId="dfb708c9-d8dc-439f-9a3b-c772bf4a311c" providerId="ADAL" clId="{4C614438-19C8-44A6-815D-3A155B62A757}" dt="2023-07-06T07:26:16.900" v="38" actId="20577"/>
+          <ac:spMkLst>
+            <pc:docMk/>
+            <pc:sldMk cId="1870305378" sldId="396"/>
+            <ac:spMk id="3" creationId="{4E2EC6DC-296C-84BC-FE39-DB6DC6B7379B}"/>
+          </ac:spMkLst>
+        </pc:spChg>
+      </pc:sldChg>
+      <pc:sldChg chg="modSp mod">
+        <pc:chgData name="Matthieu De Mari" userId="dfb708c9-d8dc-439f-9a3b-c772bf4a311c" providerId="ADAL" clId="{4C614438-19C8-44A6-815D-3A155B62A757}" dt="2023-07-06T07:26:47.899" v="42" actId="20577"/>
+        <pc:sldMkLst>
+          <pc:docMk/>
+          <pc:sldMk cId="105113267" sldId="403"/>
+        </pc:sldMkLst>
+        <pc:spChg chg="mod">
+          <ac:chgData name="Matthieu De Mari" userId="dfb708c9-d8dc-439f-9a3b-c772bf4a311c" providerId="ADAL" clId="{4C614438-19C8-44A6-815D-3A155B62A757}" dt="2023-07-06T07:26:47.899" v="42" actId="20577"/>
+          <ac:spMkLst>
+            <pc:docMk/>
+            <pc:sldMk cId="105113267" sldId="403"/>
+            <ac:spMk id="8" creationId="{2F23B49A-721B-DD95-6D4E-073A6A6E4974}"/>
+          </ac:spMkLst>
+        </pc:spChg>
+      </pc:sldChg>
+      <pc:sldChg chg="delSp modSp mod modClrScheme chgLayout">
+        <pc:chgData name="Matthieu De Mari" userId="dfb708c9-d8dc-439f-9a3b-c772bf4a311c" providerId="ADAL" clId="{4C614438-19C8-44A6-815D-3A155B62A757}" dt="2023-07-06T07:36:41.373" v="399" actId="20577"/>
+        <pc:sldMkLst>
+          <pc:docMk/>
+          <pc:sldMk cId="3425780644" sldId="407"/>
+        </pc:sldMkLst>
+        <pc:spChg chg="mod ord">
+          <ac:chgData name="Matthieu De Mari" userId="dfb708c9-d8dc-439f-9a3b-c772bf4a311c" providerId="ADAL" clId="{4C614438-19C8-44A6-815D-3A155B62A757}" dt="2023-07-06T07:34:28.915" v="85" actId="700"/>
+          <ac:spMkLst>
+            <pc:docMk/>
+            <pc:sldMk cId="3425780644" sldId="407"/>
+            <ac:spMk id="2" creationId="{837744AD-8C96-9D7F-5FF3-DFA6E36E9AD6}"/>
+          </ac:spMkLst>
+        </pc:spChg>
+        <pc:spChg chg="mod ord">
+          <ac:chgData name="Matthieu De Mari" userId="dfb708c9-d8dc-439f-9a3b-c772bf4a311c" providerId="ADAL" clId="{4C614438-19C8-44A6-815D-3A155B62A757}" dt="2023-07-06T07:36:41.373" v="399" actId="20577"/>
+          <ac:spMkLst>
+            <pc:docMk/>
+            <pc:sldMk cId="3425780644" sldId="407"/>
+            <ac:spMk id="3" creationId="{C27E85C4-C37D-BCBC-37B4-67BAAE68237E}"/>
+          </ac:spMkLst>
+        </pc:spChg>
+        <pc:spChg chg="del mod ord">
+          <ac:chgData name="Matthieu De Mari" userId="dfb708c9-d8dc-439f-9a3b-c772bf4a311c" providerId="ADAL" clId="{4C614438-19C8-44A6-815D-3A155B62A757}" dt="2023-07-06T07:34:17.847" v="83" actId="478"/>
+          <ac:spMkLst>
+            <pc:docMk/>
+            <pc:sldMk cId="3425780644" sldId="407"/>
+            <ac:spMk id="4" creationId="{442E30AE-BB50-8C37-93E8-C2BA482A10BD}"/>
+          </ac:spMkLst>
+        </pc:spChg>
+      </pc:sldChg>
+      <pc:sldChg chg="modSp mod">
+        <pc:chgData name="Matthieu De Mari" userId="dfb708c9-d8dc-439f-9a3b-c772bf4a311c" providerId="ADAL" clId="{4C614438-19C8-44A6-815D-3A155B62A757}" dt="2023-07-06T07:27:49.477" v="80" actId="20577"/>
+        <pc:sldMkLst>
+          <pc:docMk/>
+          <pc:sldMk cId="3867797258" sldId="578"/>
+        </pc:sldMkLst>
+        <pc:spChg chg="mod">
+          <ac:chgData name="Matthieu De Mari" userId="dfb708c9-d8dc-439f-9a3b-c772bf4a311c" providerId="ADAL" clId="{4C614438-19C8-44A6-815D-3A155B62A757}" dt="2023-07-06T07:27:49.477" v="80" actId="20577"/>
+          <ac:spMkLst>
+            <pc:docMk/>
+            <pc:sldMk cId="3867797258" sldId="578"/>
+            <ac:spMk id="3" creationId="{5FC283DD-E7C8-4C04-5B22-F87EDBDE8055}"/>
+          </ac:spMkLst>
+        </pc:spChg>
+      </pc:sldChg>
+      <pc:sldChg chg="add">
+        <pc:chgData name="Matthieu De Mari" userId="dfb708c9-d8dc-439f-9a3b-c772bf4a311c" providerId="ADAL" clId="{4C614438-19C8-44A6-815D-3A155B62A757}" dt="2023-07-06T07:24:36.057" v="0"/>
+        <pc:sldMkLst>
+          <pc:docMk/>
+          <pc:sldMk cId="191481927" sldId="665"/>
+        </pc:sldMkLst>
+      </pc:sldChg>
+      <pc:sldChg chg="addSp delSp modSp add mod">
+        <pc:chgData name="Matthieu De Mari" userId="dfb708c9-d8dc-439f-9a3b-c772bf4a311c" providerId="ADAL" clId="{4C614438-19C8-44A6-815D-3A155B62A757}" dt="2023-07-06T07:25:35.029" v="19" actId="14100"/>
+        <pc:sldMkLst>
+          <pc:docMk/>
+          <pc:sldMk cId="2244926614" sldId="666"/>
+        </pc:sldMkLst>
+        <pc:spChg chg="add mod">
+          <ac:chgData name="Matthieu De Mari" userId="dfb708c9-d8dc-439f-9a3b-c772bf4a311c" providerId="ADAL" clId="{4C614438-19C8-44A6-815D-3A155B62A757}" dt="2023-07-06T07:25:35.029" v="19" actId="14100"/>
+          <ac:spMkLst>
+            <pc:docMk/>
+            <pc:sldMk cId="2244926614" sldId="666"/>
+            <ac:spMk id="5" creationId="{3DD29B3E-98BB-E63E-145F-42C967469B1E}"/>
+          </ac:spMkLst>
+        </pc:spChg>
+        <pc:picChg chg="del">
+          <ac:chgData name="Matthieu De Mari" userId="dfb708c9-d8dc-439f-9a3b-c772bf4a311c" providerId="ADAL" clId="{4C614438-19C8-44A6-815D-3A155B62A757}" dt="2023-07-06T07:25:12.605" v="11" actId="478"/>
+          <ac:picMkLst>
+            <pc:docMk/>
+            <pc:sldMk cId="2244926614" sldId="666"/>
+            <ac:picMk id="4" creationId="{E369E838-8787-6F41-A352-CC63B582FAC3}"/>
+          </ac:picMkLst>
+        </pc:picChg>
+      </pc:sldChg>
+      <pc:sldChg chg="add del">
+        <pc:chgData name="Matthieu De Mari" userId="dfb708c9-d8dc-439f-9a3b-c772bf4a311c" providerId="ADAL" clId="{4C614438-19C8-44A6-815D-3A155B62A757}" dt="2023-07-06T07:25:01.777" v="7"/>
+        <pc:sldMkLst>
+          <pc:docMk/>
+          <pc:sldMk cId="2260648763" sldId="666"/>
+        </pc:sldMkLst>
+      </pc:sldChg>
+      <pc:sldChg chg="add del">
+        <pc:chgData name="Matthieu De Mari" userId="dfb708c9-d8dc-439f-9a3b-c772bf4a311c" providerId="ADAL" clId="{4C614438-19C8-44A6-815D-3A155B62A757}" dt="2023-07-06T07:35:00.027" v="89" actId="47"/>
+        <pc:sldMkLst>
+          <pc:docMk/>
+          <pc:sldMk cId="1464609210" sldId="667"/>
+        </pc:sldMkLst>
+      </pc:sldChg>
+      <pc:sldChg chg="modSp add mod">
+        <pc:chgData name="Matthieu De Mari" userId="dfb708c9-d8dc-439f-9a3b-c772bf4a311c" providerId="ADAL" clId="{4C614438-19C8-44A6-815D-3A155B62A757}" dt="2023-07-06T07:35:13.601" v="92" actId="5793"/>
+        <pc:sldMkLst>
+          <pc:docMk/>
+          <pc:sldMk cId="2828164903" sldId="668"/>
+        </pc:sldMkLst>
+        <pc:spChg chg="mod">
+          <ac:chgData name="Matthieu De Mari" userId="dfb708c9-d8dc-439f-9a3b-c772bf4a311c" providerId="ADAL" clId="{4C614438-19C8-44A6-815D-3A155B62A757}" dt="2023-07-06T07:35:13.601" v="92" actId="5793"/>
+          <ac:spMkLst>
+            <pc:docMk/>
+            <pc:sldMk cId="2828164903" sldId="668"/>
+            <ac:spMk id="3" creationId="{C27E85C4-C37D-BCBC-37B4-67BAAE68237E}"/>
+          </ac:spMkLst>
+        </pc:spChg>
+      </pc:sldChg>
+      <pc:sldChg chg="add">
+        <pc:chgData name="Matthieu De Mari" userId="dfb708c9-d8dc-439f-9a3b-c772bf4a311c" providerId="ADAL" clId="{4C614438-19C8-44A6-815D-3A155B62A757}" dt="2023-07-06T07:35:07.476" v="90" actId="2890"/>
+        <pc:sldMkLst>
+          <pc:docMk/>
+          <pc:sldMk cId="3980169169" sldId="669"/>
+        </pc:sldMkLst>
+      </pc:sldChg>
+      <pc:sldChg chg="addSp modSp add mod">
+        <pc:chgData name="Matthieu De Mari" userId="dfb708c9-d8dc-439f-9a3b-c772bf4a311c" providerId="ADAL" clId="{4C614438-19C8-44A6-815D-3A155B62A757}" dt="2023-07-06T07:37:14.470" v="410" actId="1440"/>
+        <pc:sldMkLst>
+          <pc:docMk/>
+          <pc:sldMk cId="4122990920" sldId="670"/>
+        </pc:sldMkLst>
+        <pc:spChg chg="mod">
+          <ac:chgData name="Matthieu De Mari" userId="dfb708c9-d8dc-439f-9a3b-c772bf4a311c" providerId="ADAL" clId="{4C614438-19C8-44A6-815D-3A155B62A757}" dt="2023-07-06T07:36:50.053" v="401" actId="207"/>
+          <ac:spMkLst>
+            <pc:docMk/>
+            <pc:sldMk cId="4122990920" sldId="670"/>
+            <ac:spMk id="3" creationId="{C27E85C4-C37D-BCBC-37B4-67BAAE68237E}"/>
+          </ac:spMkLst>
+        </pc:spChg>
+        <pc:picChg chg="add mod">
+          <ac:chgData name="Matthieu De Mari" userId="dfb708c9-d8dc-439f-9a3b-c772bf4a311c" providerId="ADAL" clId="{4C614438-19C8-44A6-815D-3A155B62A757}" dt="2023-07-06T07:37:14.470" v="410" actId="1440"/>
+          <ac:picMkLst>
+            <pc:docMk/>
+            <pc:sldMk cId="4122990920" sldId="670"/>
+            <ac:picMk id="5" creationId="{B1FDBE7C-2459-A75C-43E5-CCAF803D653B}"/>
+          </ac:picMkLst>
+        </pc:picChg>
+      </pc:sldChg>
+    </pc:docChg>
+  </pc:docChgLst>
   <pc:docChgLst>
     <pc:chgData name="Matthieu De Mari" userId="dfb708c9-d8dc-439f-9a3b-c772bf4a311c" providerId="ADAL" clId="{8EE40018-26BD-4A7B-8D17-70AC8417C2D0}"/>
     <pc:docChg chg="undo custSel addSld delSld modSld addSection delSection modSection">
@@ -7066,7 +7301,7 @@
           <a:p>
             <a:fld id="{61478373-EB31-4867-8CF0-FA31364748A5}" type="datetimeFigureOut">
               <a:rPr lang="en-GB" smtClean="0"/>
-              <a:t>26/02/2023</a:t>
+              <a:t>06/07/2023</a:t>
             </a:fld>
             <a:endParaRPr lang="en-GB"/>
           </a:p>
@@ -7483,7 +7718,7 @@
           <a:p>
             <a:fld id="{E85DF616-B21E-4EF6-A6A5-95E2FB3EB1A1}" type="datetimeFigureOut">
               <a:rPr lang="en-GB" smtClean="0"/>
-              <a:t>26/02/2023</a:t>
+              <a:t>06/07/2023</a:t>
             </a:fld>
             <a:endParaRPr lang="en-GB"/>
           </a:p>
@@ -7683,7 +7918,7 @@
           <a:p>
             <a:fld id="{E85DF616-B21E-4EF6-A6A5-95E2FB3EB1A1}" type="datetimeFigureOut">
               <a:rPr lang="en-GB" smtClean="0"/>
-              <a:t>26/02/2023</a:t>
+              <a:t>06/07/2023</a:t>
             </a:fld>
             <a:endParaRPr lang="en-GB"/>
           </a:p>
@@ -7893,7 +8128,7 @@
           <a:p>
             <a:fld id="{E85DF616-B21E-4EF6-A6A5-95E2FB3EB1A1}" type="datetimeFigureOut">
               <a:rPr lang="en-GB" smtClean="0"/>
-              <a:t>26/02/2023</a:t>
+              <a:t>06/07/2023</a:t>
             </a:fld>
             <a:endParaRPr lang="en-GB"/>
           </a:p>
@@ -8093,7 +8328,7 @@
           <a:p>
             <a:fld id="{E85DF616-B21E-4EF6-A6A5-95E2FB3EB1A1}" type="datetimeFigureOut">
               <a:rPr lang="en-GB" smtClean="0"/>
-              <a:t>26/02/2023</a:t>
+              <a:t>06/07/2023</a:t>
             </a:fld>
             <a:endParaRPr lang="en-GB"/>
           </a:p>
@@ -8369,7 +8604,7 @@
           <a:p>
             <a:fld id="{E85DF616-B21E-4EF6-A6A5-95E2FB3EB1A1}" type="datetimeFigureOut">
               <a:rPr lang="en-GB" smtClean="0"/>
-              <a:t>26/02/2023</a:t>
+              <a:t>06/07/2023</a:t>
             </a:fld>
             <a:endParaRPr lang="en-GB"/>
           </a:p>
@@ -8637,7 +8872,7 @@
           <a:p>
             <a:fld id="{E85DF616-B21E-4EF6-A6A5-95E2FB3EB1A1}" type="datetimeFigureOut">
               <a:rPr lang="en-GB" smtClean="0"/>
-              <a:t>26/02/2023</a:t>
+              <a:t>06/07/2023</a:t>
             </a:fld>
             <a:endParaRPr lang="en-GB"/>
           </a:p>
@@ -9052,7 +9287,7 @@
           <a:p>
             <a:fld id="{E85DF616-B21E-4EF6-A6A5-95E2FB3EB1A1}" type="datetimeFigureOut">
               <a:rPr lang="en-GB" smtClean="0"/>
-              <a:t>26/02/2023</a:t>
+              <a:t>06/07/2023</a:t>
             </a:fld>
             <a:endParaRPr lang="en-GB"/>
           </a:p>
@@ -9194,7 +9429,7 @@
           <a:p>
             <a:fld id="{E85DF616-B21E-4EF6-A6A5-95E2FB3EB1A1}" type="datetimeFigureOut">
               <a:rPr lang="en-GB" smtClean="0"/>
-              <a:t>26/02/2023</a:t>
+              <a:t>06/07/2023</a:t>
             </a:fld>
             <a:endParaRPr lang="en-GB"/>
           </a:p>
@@ -9307,7 +9542,7 @@
           <a:p>
             <a:fld id="{E85DF616-B21E-4EF6-A6A5-95E2FB3EB1A1}" type="datetimeFigureOut">
               <a:rPr lang="en-GB" smtClean="0"/>
-              <a:t>26/02/2023</a:t>
+              <a:t>06/07/2023</a:t>
             </a:fld>
             <a:endParaRPr lang="en-GB"/>
           </a:p>
@@ -9620,7 +9855,7 @@
           <a:p>
             <a:fld id="{E85DF616-B21E-4EF6-A6A5-95E2FB3EB1A1}" type="datetimeFigureOut">
               <a:rPr lang="en-GB" smtClean="0"/>
-              <a:t>26/02/2023</a:t>
+              <a:t>06/07/2023</a:t>
             </a:fld>
             <a:endParaRPr lang="en-GB"/>
           </a:p>
@@ -9909,7 +10144,7 @@
           <a:p>
             <a:fld id="{E85DF616-B21E-4EF6-A6A5-95E2FB3EB1A1}" type="datetimeFigureOut">
               <a:rPr lang="en-GB" smtClean="0"/>
-              <a:t>26/02/2023</a:t>
+              <a:t>06/07/2023</a:t>
             </a:fld>
             <a:endParaRPr lang="en-GB"/>
           </a:p>
@@ -10152,7 +10387,7 @@
           <a:p>
             <a:fld id="{E85DF616-B21E-4EF6-A6A5-95E2FB3EB1A1}" type="datetimeFigureOut">
               <a:rPr lang="en-GB" smtClean="0"/>
-              <a:t>26/02/2023</a:t>
+              <a:t>06/07/2023</a:t>
             </a:fld>
             <a:endParaRPr lang="en-GB"/>
           </a:p>
@@ -11380,7 +11615,7 @@
           <a:p>
             <a:r>
               <a:rPr lang="en-GB" dirty="0"/>
-              <a:t>Using a simple DNN to predict</a:t>
+              <a:t>A mock dataset</a:t>
             </a:r>
             <a:endParaRPr lang="en-SG" dirty="0"/>
           </a:p>
@@ -11406,8 +11641,8 @@
             </p:nvSpPr>
             <p:spPr>
               <a:xfrm>
-                <a:off x="838200" y="1825624"/>
-                <a:ext cx="5181600" cy="5032375"/>
+                <a:off x="838199" y="1825624"/>
+                <a:ext cx="5781431" cy="5032375"/>
               </a:xfrm>
             </p:spPr>
             <p:txBody>
@@ -11432,14 +11667,14 @@
                     <m:sSub>
                       <m:sSubPr>
                         <m:ctrlPr>
-                          <a:rPr lang="en-GB" i="1">
+                          <a:rPr lang="en-GB" b="0" i="1" smtClean="0">
                             <a:latin typeface="Cambria Math" panose="02040503050406030204" pitchFamily="18" charset="0"/>
                           </a:rPr>
                         </m:ctrlPr>
                       </m:sSubPr>
                       <m:e>
                         <m:r>
-                          <a:rPr lang="en-GB" i="1">
+                          <a:rPr lang="en-GB" b="0" i="1" smtClean="0">
                             <a:latin typeface="Cambria Math" panose="02040503050406030204" pitchFamily="18" charset="0"/>
                           </a:rPr>
                           <m:t>𝑥</m:t>
@@ -11447,7 +11682,7 @@
                       </m:e>
                       <m:sub>
                         <m:r>
-                          <a:rPr lang="en-GB" i="1">
+                          <a:rPr lang="en-GB" b="0" i="1" smtClean="0">
                             <a:latin typeface="Cambria Math" panose="02040503050406030204" pitchFamily="18" charset="0"/>
                           </a:rPr>
                           <m:t>𝑡</m:t>
@@ -11465,14 +11700,14 @@
                     <m:sSub>
                       <m:sSubPr>
                         <m:ctrlPr>
-                          <a:rPr lang="en-GB" i="1">
+                          <a:rPr lang="en-GB" b="0" i="1" smtClean="0">
                             <a:latin typeface="Cambria Math" panose="02040503050406030204" pitchFamily="18" charset="0"/>
                           </a:rPr>
                         </m:ctrlPr>
                       </m:sSubPr>
                       <m:e>
                         <m:r>
-                          <a:rPr lang="en-GB" i="1">
+                          <a:rPr lang="en-GB" b="0" i="1" smtClean="0">
                             <a:latin typeface="Cambria Math" panose="02040503050406030204" pitchFamily="18" charset="0"/>
                           </a:rPr>
                           <m:t>𝑥</m:t>
@@ -11480,13 +11715,13 @@
                       </m:e>
                       <m:sub>
                         <m:r>
-                          <a:rPr lang="en-GB" i="1">
+                          <a:rPr lang="en-GB" b="0" i="1" smtClean="0">
                             <a:latin typeface="Cambria Math" panose="02040503050406030204" pitchFamily="18" charset="0"/>
                           </a:rPr>
                           <m:t>𝑡</m:t>
                         </m:r>
                         <m:r>
-                          <a:rPr lang="en-GB" i="1">
+                          <a:rPr lang="en-GB" b="0" i="1" smtClean="0">
                             <a:latin typeface="Cambria Math" panose="02040503050406030204" pitchFamily="18" charset="0"/>
                           </a:rPr>
                           <m:t>+1</m:t>
@@ -11511,7 +11746,7 @@
                 <a14:m>
                   <m:oMath xmlns:m="http://schemas.openxmlformats.org/officeDocument/2006/math">
                     <m:r>
-                      <a:rPr lang="en-GB" i="1">
+                      <a:rPr lang="en-GB" b="0" i="1" smtClean="0">
                         <a:latin typeface="Cambria Math" panose="02040503050406030204" pitchFamily="18" charset="0"/>
                       </a:rPr>
                       <m:t>𝐷</m:t>
@@ -11527,14 +11762,14 @@
                     <m:sSub>
                       <m:sSubPr>
                         <m:ctrlPr>
-                          <a:rPr lang="en-GB" i="1">
+                          <a:rPr lang="en-GB" b="0" i="1" smtClean="0">
                             <a:latin typeface="Cambria Math" panose="02040503050406030204" pitchFamily="18" charset="0"/>
                           </a:rPr>
                         </m:ctrlPr>
                       </m:sSubPr>
                       <m:e>
                         <m:r>
-                          <a:rPr lang="en-GB" i="1">
+                          <a:rPr lang="en-GB" b="0" i="1" smtClean="0">
                             <a:latin typeface="Cambria Math" panose="02040503050406030204" pitchFamily="18" charset="0"/>
                           </a:rPr>
                           <m:t>𝑡</m:t>
@@ -11542,7 +11777,7 @@
                       </m:e>
                       <m:sub>
                         <m:r>
-                          <a:rPr lang="en-GB" i="1">
+                          <a:rPr lang="en-GB" b="0" i="1" smtClean="0">
                             <a:latin typeface="Cambria Math" panose="02040503050406030204" pitchFamily="18" charset="0"/>
                           </a:rPr>
                           <m:t>1</m:t>
@@ -11550,7 +11785,7 @@
                       </m:sub>
                     </m:sSub>
                     <m:r>
-                      <a:rPr lang="en-GB" i="1">
+                      <a:rPr lang="en-GB" b="0" i="1" smtClean="0">
                         <a:latin typeface="Cambria Math" panose="02040503050406030204" pitchFamily="18" charset="0"/>
                       </a:rPr>
                       <m:t>≠</m:t>
@@ -11558,14 +11793,14 @@
                     <m:sSub>
                       <m:sSubPr>
                         <m:ctrlPr>
-                          <a:rPr lang="en-GB" i="1">
+                          <a:rPr lang="en-GB" b="0" i="1" smtClean="0">
                             <a:latin typeface="Cambria Math" panose="02040503050406030204" pitchFamily="18" charset="0"/>
                           </a:rPr>
                         </m:ctrlPr>
                       </m:sSubPr>
                       <m:e>
                         <m:r>
-                          <a:rPr lang="en-GB" i="1">
+                          <a:rPr lang="en-GB" b="0" i="1" smtClean="0">
                             <a:latin typeface="Cambria Math" panose="02040503050406030204" pitchFamily="18" charset="0"/>
                           </a:rPr>
                           <m:t>𝑡</m:t>
@@ -11573,7 +11808,7 @@
                       </m:e>
                       <m:sub>
                         <m:r>
-                          <a:rPr lang="en-GB" i="1">
+                          <a:rPr lang="en-GB" b="0" i="1" smtClean="0">
                             <a:latin typeface="Cambria Math" panose="02040503050406030204" pitchFamily="18" charset="0"/>
                           </a:rPr>
                           <m:t>2</m:t>
@@ -11600,14 +11835,14 @@
                       <m:sSub>
                         <m:sSubPr>
                           <m:ctrlPr>
-                            <a:rPr lang="en-GB" b="1" i="1">
+                            <a:rPr lang="en-GB" b="1" i="1" smtClean="0">
                               <a:latin typeface="Cambria Math" panose="02040503050406030204" pitchFamily="18" charset="0"/>
                             </a:rPr>
                           </m:ctrlPr>
                         </m:sSubPr>
                         <m:e>
                           <m:r>
-                            <a:rPr lang="en-GB" b="1" i="1">
+                            <a:rPr lang="en-GB" b="1" i="1" smtClean="0">
                               <a:latin typeface="Cambria Math" panose="02040503050406030204" pitchFamily="18" charset="0"/>
                             </a:rPr>
                             <m:t>𝒙</m:t>
@@ -11617,14 +11852,14 @@
                           <m:sSub>
                             <m:sSubPr>
                               <m:ctrlPr>
-                                <a:rPr lang="en-GB" b="1" i="1">
+                                <a:rPr lang="en-GB" b="1" i="1" smtClean="0">
                                   <a:latin typeface="Cambria Math" panose="02040503050406030204" pitchFamily="18" charset="0"/>
                                 </a:rPr>
                               </m:ctrlPr>
                             </m:sSubPr>
                             <m:e>
                               <m:r>
-                                <a:rPr lang="en-GB" b="1" i="1">
+                                <a:rPr lang="en-GB" b="1" i="1" smtClean="0">
                                   <a:latin typeface="Cambria Math" panose="02040503050406030204" pitchFamily="18" charset="0"/>
                                 </a:rPr>
                                 <m:t>𝒕</m:t>
@@ -11632,7 +11867,7 @@
                             </m:e>
                             <m:sub>
                               <m:r>
-                                <a:rPr lang="en-GB" b="1" i="1">
+                                <a:rPr lang="en-GB" b="1" i="1" smtClean="0">
                                   <a:latin typeface="Cambria Math" panose="02040503050406030204" pitchFamily="18" charset="0"/>
                                 </a:rPr>
                                 <m:t>𝟏</m:t>
@@ -11642,7 +11877,7 @@
                         </m:sub>
                       </m:sSub>
                       <m:r>
-                        <a:rPr lang="en-GB" b="1" i="1">
+                        <a:rPr lang="en-GB" b="1" i="1" smtClean="0">
                           <a:latin typeface="Cambria Math" panose="02040503050406030204" pitchFamily="18" charset="0"/>
                         </a:rPr>
                         <m:t>=</m:t>
@@ -11650,14 +11885,14 @@
                       <m:sSub>
                         <m:sSubPr>
                           <m:ctrlPr>
-                            <a:rPr lang="en-GB" b="1" i="1">
+                            <a:rPr lang="en-GB" b="1" i="1" smtClean="0">
                               <a:latin typeface="Cambria Math" panose="02040503050406030204" pitchFamily="18" charset="0"/>
                             </a:rPr>
                           </m:ctrlPr>
                         </m:sSubPr>
                         <m:e>
                           <m:r>
-                            <a:rPr lang="en-GB" b="1" i="1">
+                            <a:rPr lang="en-GB" b="1" i="1" smtClean="0">
                               <a:latin typeface="Cambria Math" panose="02040503050406030204" pitchFamily="18" charset="0"/>
                             </a:rPr>
                             <m:t>𝒙</m:t>
@@ -11667,14 +11902,14 @@
                           <m:sSub>
                             <m:sSubPr>
                               <m:ctrlPr>
-                                <a:rPr lang="en-GB" b="1" i="1">
+                                <a:rPr lang="en-GB" b="1" i="1" smtClean="0">
                                   <a:latin typeface="Cambria Math" panose="02040503050406030204" pitchFamily="18" charset="0"/>
                                 </a:rPr>
                               </m:ctrlPr>
                             </m:sSubPr>
                             <m:e>
                               <m:r>
-                                <a:rPr lang="en-GB" b="1" i="1">
+                                <a:rPr lang="en-GB" b="1" i="1" smtClean="0">
                                   <a:latin typeface="Cambria Math" panose="02040503050406030204" pitchFamily="18" charset="0"/>
                                 </a:rPr>
                                 <m:t>𝒕</m:t>
@@ -11682,7 +11917,7 @@
                             </m:e>
                             <m:sub>
                               <m:r>
-                                <a:rPr lang="en-GB" b="1" i="1">
+                                <a:rPr lang="en-GB" b="1" i="1" smtClean="0">
                                   <a:latin typeface="Cambria Math" panose="02040503050406030204" pitchFamily="18" charset="0"/>
                                 </a:rPr>
                                 <m:t>𝟐</m:t>
@@ -11695,8 +11930,95 @@
                   </m:oMathPara>
                 </a14:m>
                 <a:br>
+                  <a:rPr lang="en-GB" b="0" dirty="0"/>
+                </a:br>
+                <a:r>
                   <a:rPr lang="en-GB" dirty="0"/>
-                </a:br>
+                  <a:t>(here two values, with </a:t>
+                </a:r>
+                <a14:m>
+                  <m:oMath xmlns:m="http://schemas.openxmlformats.org/officeDocument/2006/math">
+                    <m:sSub>
+                      <m:sSubPr>
+                        <m:ctrlPr>
+                          <a:rPr lang="en-GB" b="0" i="1" smtClean="0">
+                            <a:latin typeface="Cambria Math" panose="02040503050406030204" pitchFamily="18" charset="0"/>
+                          </a:rPr>
+                        </m:ctrlPr>
+                      </m:sSubPr>
+                      <m:e>
+                        <m:r>
+                          <a:rPr lang="en-GB" b="0" i="1" smtClean="0">
+                            <a:latin typeface="Cambria Math" panose="02040503050406030204" pitchFamily="18" charset="0"/>
+                          </a:rPr>
+                          <m:t>𝑡</m:t>
+                        </m:r>
+                      </m:e>
+                      <m:sub>
+                        <m:r>
+                          <a:rPr lang="en-GB" b="0" i="1" smtClean="0">
+                            <a:latin typeface="Cambria Math" panose="02040503050406030204" pitchFamily="18" charset="0"/>
+                          </a:rPr>
+                          <m:t>1</m:t>
+                        </m:r>
+                      </m:sub>
+                    </m:sSub>
+                    <m:r>
+                      <a:rPr lang="en-GB" b="0" i="1" smtClean="0">
+                        <a:latin typeface="Cambria Math" panose="02040503050406030204" pitchFamily="18" charset="0"/>
+                      </a:rPr>
+                      <m:t>=0</m:t>
+                    </m:r>
+                  </m:oMath>
+                </a14:m>
+                <a:r>
+                  <a:rPr lang="en-GB" dirty="0"/>
+                  <a:t> and </a:t>
+                </a:r>
+                <a14:m>
+                  <m:oMath xmlns:m="http://schemas.openxmlformats.org/officeDocument/2006/math">
+                    <m:sSub>
+                      <m:sSubPr>
+                        <m:ctrlPr>
+                          <a:rPr lang="en-GB" b="0" i="1" smtClean="0">
+                            <a:latin typeface="Cambria Math" panose="02040503050406030204" pitchFamily="18" charset="0"/>
+                          </a:rPr>
+                        </m:ctrlPr>
+                      </m:sSubPr>
+                      <m:e>
+                        <m:r>
+                          <a:rPr lang="en-GB" b="0" i="1" smtClean="0">
+                            <a:latin typeface="Cambria Math" panose="02040503050406030204" pitchFamily="18" charset="0"/>
+                          </a:rPr>
+                          <m:t>𝑡</m:t>
+                        </m:r>
+                      </m:e>
+                      <m:sub>
+                        <m:r>
+                          <a:rPr lang="en-GB" b="0" i="1" smtClean="0">
+                            <a:latin typeface="Cambria Math" panose="02040503050406030204" pitchFamily="18" charset="0"/>
+                          </a:rPr>
+                          <m:t>2</m:t>
+                        </m:r>
+                      </m:sub>
+                    </m:sSub>
+                    <m:r>
+                      <a:rPr lang="en-GB" b="0" i="1" smtClean="0">
+                        <a:latin typeface="Cambria Math" panose="02040503050406030204" pitchFamily="18" charset="0"/>
+                      </a:rPr>
+                      <m:t>=25</m:t>
+                    </m:r>
+                  </m:oMath>
+                </a14:m>
+                <a:r>
+                  <a:rPr lang="en-GB" dirty="0"/>
+                  <a:t>, displayed in red crosses),</a:t>
+                </a:r>
+              </a:p>
+              <a:p>
+                <a:pPr marL="0" indent="0">
+                  <a:buNone/>
+                </a:pPr>
                 <a:r>
                   <a:rPr lang="en-GB" dirty="0"/>
                   <a:t>And, yet have</a:t>
@@ -11715,14 +12037,14 @@
                       <m:sSub>
                         <m:sSubPr>
                           <m:ctrlPr>
-                            <a:rPr lang="en-GB" b="1" i="1">
+                            <a:rPr lang="en-GB" b="1" i="1" smtClean="0">
                               <a:latin typeface="Cambria Math" panose="02040503050406030204" pitchFamily="18" charset="0"/>
                             </a:rPr>
                           </m:ctrlPr>
                         </m:sSubPr>
                         <m:e>
                           <m:r>
-                            <a:rPr lang="en-GB" b="1" i="1">
+                            <a:rPr lang="en-GB" b="1" i="1" smtClean="0">
                               <a:latin typeface="Cambria Math" panose="02040503050406030204" pitchFamily="18" charset="0"/>
                             </a:rPr>
                             <m:t>𝒙</m:t>
@@ -11732,14 +12054,14 @@
                           <m:sSub>
                             <m:sSubPr>
                               <m:ctrlPr>
-                                <a:rPr lang="en-GB" b="1" i="1">
+                                <a:rPr lang="en-GB" b="1" i="1" smtClean="0">
                                   <a:latin typeface="Cambria Math" panose="02040503050406030204" pitchFamily="18" charset="0"/>
                                 </a:rPr>
                               </m:ctrlPr>
                             </m:sSubPr>
                             <m:e>
                               <m:r>
-                                <a:rPr lang="en-GB" b="1" i="1">
+                                <a:rPr lang="en-GB" b="1" i="1" smtClean="0">
                                   <a:latin typeface="Cambria Math" panose="02040503050406030204" pitchFamily="18" charset="0"/>
                                 </a:rPr>
                                 <m:t>𝒕</m:t>
@@ -11747,7 +12069,7 @@
                             </m:e>
                             <m:sub>
                               <m:r>
-                                <a:rPr lang="en-GB" b="1" i="1">
+                                <a:rPr lang="en-GB" b="1" i="1" smtClean="0">
                                   <a:latin typeface="Cambria Math" panose="02040503050406030204" pitchFamily="18" charset="0"/>
                                 </a:rPr>
                                 <m:t>𝟏</m:t>
@@ -11755,75 +12077,13 @@
                             </m:sub>
                           </m:sSub>
                           <m:r>
-                            <a:rPr lang="en-GB" b="1" i="1">
+                            <a:rPr lang="en-GB" b="1" i="1" smtClean="0">
                               <a:latin typeface="Cambria Math" panose="02040503050406030204" pitchFamily="18" charset="0"/>
                             </a:rPr>
                             <m:t>+</m:t>
                           </m:r>
                           <m:r>
-                            <a:rPr lang="en-GB" b="1" i="1">
-                              <a:latin typeface="Cambria Math" panose="02040503050406030204" pitchFamily="18" charset="0"/>
-                            </a:rPr>
-                            <m:t>𝟏</m:t>
-                          </m:r>
-                        </m:sub>
-                      </m:sSub>
-                      <m:r>
-                        <a:rPr lang="en-GB" b="1" i="1">
-                          <a:latin typeface="Cambria Math" panose="02040503050406030204" pitchFamily="18" charset="0"/>
-                        </a:rPr>
-                        <m:t>≠</m:t>
-                      </m:r>
-                      <m:sSub>
-                        <m:sSubPr>
-                          <m:ctrlPr>
-                            <a:rPr lang="en-GB" b="1" i="1">
-                              <a:latin typeface="Cambria Math" panose="02040503050406030204" pitchFamily="18" charset="0"/>
-                            </a:rPr>
-                          </m:ctrlPr>
-                        </m:sSubPr>
-                        <m:e>
-                          <m:r>
-                            <a:rPr lang="en-GB" b="1" i="1">
-                              <a:latin typeface="Cambria Math" panose="02040503050406030204" pitchFamily="18" charset="0"/>
-                            </a:rPr>
-                            <m:t>𝒙</m:t>
-                          </m:r>
-                        </m:e>
-                        <m:sub>
-                          <m:sSub>
-                            <m:sSubPr>
-                              <m:ctrlPr>
-                                <a:rPr lang="en-GB" b="1" i="1">
-                                  <a:latin typeface="Cambria Math" panose="02040503050406030204" pitchFamily="18" charset="0"/>
-                                </a:rPr>
-                              </m:ctrlPr>
-                            </m:sSubPr>
-                            <m:e>
-                              <m:r>
-                                <a:rPr lang="en-GB" b="1" i="1">
-                                  <a:latin typeface="Cambria Math" panose="02040503050406030204" pitchFamily="18" charset="0"/>
-                                </a:rPr>
-                                <m:t>𝒕</m:t>
-                              </m:r>
-                            </m:e>
-                            <m:sub>
-                              <m:r>
-                                <a:rPr lang="en-GB" b="1" i="1">
-                                  <a:latin typeface="Cambria Math" panose="02040503050406030204" pitchFamily="18" charset="0"/>
-                                </a:rPr>
-                                <m:t>𝟐</m:t>
-                              </m:r>
-                            </m:sub>
-                          </m:sSub>
-                          <m:r>
-                            <a:rPr lang="en-GB" b="1" i="1">
-                              <a:latin typeface="Cambria Math" panose="02040503050406030204" pitchFamily="18" charset="0"/>
-                            </a:rPr>
-                            <m:t>+</m:t>
-                          </m:r>
-                          <m:r>
-                            <a:rPr lang="en-GB" b="1" i="1">
+                            <a:rPr lang="en-GB" b="1" i="1" smtClean="0">
                               <a:latin typeface="Cambria Math" panose="02040503050406030204" pitchFamily="18" charset="0"/>
                             </a:rPr>
                             <m:t>𝟏</m:t>
@@ -11834,12 +12094,83 @@
                         <a:rPr lang="en-GB" b="1" i="1" smtClean="0">
                           <a:latin typeface="Cambria Math" panose="02040503050406030204" pitchFamily="18" charset="0"/>
                         </a:rPr>
-                        <m:t>.</m:t>
+                        <m:t>≠</m:t>
                       </m:r>
+                      <m:sSub>
+                        <m:sSubPr>
+                          <m:ctrlPr>
+                            <a:rPr lang="en-GB" b="1" i="1" smtClean="0">
+                              <a:latin typeface="Cambria Math" panose="02040503050406030204" pitchFamily="18" charset="0"/>
+                            </a:rPr>
+                          </m:ctrlPr>
+                        </m:sSubPr>
+                        <m:e>
+                          <m:r>
+                            <a:rPr lang="en-GB" b="1" i="1" smtClean="0">
+                              <a:latin typeface="Cambria Math" panose="02040503050406030204" pitchFamily="18" charset="0"/>
+                            </a:rPr>
+                            <m:t>𝒙</m:t>
+                          </m:r>
+                        </m:e>
+                        <m:sub>
+                          <m:sSub>
+                            <m:sSubPr>
+                              <m:ctrlPr>
+                                <a:rPr lang="en-GB" b="1" i="1" smtClean="0">
+                                  <a:latin typeface="Cambria Math" panose="02040503050406030204" pitchFamily="18" charset="0"/>
+                                </a:rPr>
+                              </m:ctrlPr>
+                            </m:sSubPr>
+                            <m:e>
+                              <m:r>
+                                <a:rPr lang="en-GB" b="1" i="1" smtClean="0">
+                                  <a:latin typeface="Cambria Math" panose="02040503050406030204" pitchFamily="18" charset="0"/>
+                                </a:rPr>
+                                <m:t>𝒕</m:t>
+                              </m:r>
+                            </m:e>
+                            <m:sub>
+                              <m:r>
+                                <a:rPr lang="en-GB" b="1" i="1" smtClean="0">
+                                  <a:latin typeface="Cambria Math" panose="02040503050406030204" pitchFamily="18" charset="0"/>
+                                </a:rPr>
+                                <m:t>𝟐</m:t>
+                              </m:r>
+                            </m:sub>
+                          </m:sSub>
+                          <m:r>
+                            <a:rPr lang="en-GB" b="1" i="1" smtClean="0">
+                              <a:latin typeface="Cambria Math" panose="02040503050406030204" pitchFamily="18" charset="0"/>
+                            </a:rPr>
+                            <m:t>+</m:t>
+                          </m:r>
+                          <m:r>
+                            <a:rPr lang="en-GB" b="1" i="1" smtClean="0">
+                              <a:latin typeface="Cambria Math" panose="02040503050406030204" pitchFamily="18" charset="0"/>
+                            </a:rPr>
+                            <m:t>𝟏</m:t>
+                          </m:r>
+                        </m:sub>
+                      </m:sSub>
                     </m:oMath>
                   </m:oMathPara>
                 </a14:m>
                 <a:endParaRPr lang="en-GB" b="1" dirty="0"/>
+              </a:p>
+              <a:p>
+                <a:pPr marL="0" indent="0">
+                  <a:buNone/>
+                </a:pPr>
+                <a:r>
+                  <a:rPr lang="en-GB" dirty="0"/>
+                  <a:t>(here two values, displayed in green).</a:t>
+                </a:r>
+              </a:p>
+              <a:p>
+                <a:pPr marL="0" indent="0">
+                  <a:buNone/>
+                </a:pPr>
+                <a:endParaRPr lang="en-GB" dirty="0"/>
               </a:p>
             </p:txBody>
           </p:sp>
@@ -11863,13 +12194,13 @@
             </p:nvSpPr>
             <p:spPr>
               <a:xfrm>
-                <a:off x="838200" y="1825624"/>
-                <a:ext cx="5181600" cy="5032375"/>
+                <a:off x="838199" y="1825624"/>
+                <a:ext cx="5781431" cy="5032375"/>
               </a:xfrm>
               <a:blipFill>
                 <a:blip r:embed="rId2"/>
                 <a:stretch>
-                  <a:fillRect l="-2471" t="-1937" r="-2471"/>
+                  <a:fillRect l="-2107" t="-1937" b="-605"/>
                 </a:stretch>
               </a:blipFill>
             </p:spPr>
@@ -11888,291 +12219,40 @@
           </p:sp>
         </mc:Fallback>
       </mc:AlternateContent>
-      <mc:AlternateContent xmlns:mc="http://schemas.openxmlformats.org/markup-compatibility/2006" xmlns:a14="http://schemas.microsoft.com/office/drawing/2010/main">
-        <mc:Choice Requires="a14">
-          <p:sp>
-            <p:nvSpPr>
-              <p:cNvPr id="5" name="Content Placeholder 4">
-                <a:extLst>
-                  <a:ext uri="{FF2B5EF4-FFF2-40B4-BE49-F238E27FC236}">
-                    <a16:creationId xmlns:a16="http://schemas.microsoft.com/office/drawing/2014/main" id="{6C7F4F35-B552-E12F-D00F-A5EC521F9B44}"/>
-                  </a:ext>
-                </a:extLst>
-              </p:cNvPr>
-              <p:cNvSpPr>
-                <a:spLocks noGrp="1"/>
-              </p:cNvSpPr>
-              <p:nvPr>
-                <p:ph sz="half" idx="2"/>
-              </p:nvPr>
-            </p:nvSpPr>
-            <p:spPr>
-              <a:xfrm>
-                <a:off x="6172200" y="1825625"/>
-                <a:ext cx="5181600" cy="5032374"/>
-              </a:xfrm>
-            </p:spPr>
-            <p:txBody>
-              <a:bodyPr>
-                <a:normAutofit/>
-              </a:bodyPr>
-              <a:lstStyle/>
-              <a:p>
-                <a:pPr marL="0" indent="0">
-                  <a:buNone/>
-                </a:pPr>
-                <a:r>
-                  <a:rPr lang="en-GB" b="1" dirty="0"/>
-                  <a:t>Problem (cont’d): </a:t>
-                </a:r>
-                <a:r>
-                  <a:rPr lang="en-GB" dirty="0"/>
-                  <a:t>Using a DNN which only takes </a:t>
-                </a:r>
-                <a14:m>
-                  <m:oMath xmlns:m="http://schemas.openxmlformats.org/officeDocument/2006/math">
-                    <m:sSub>
-                      <m:sSubPr>
-                        <m:ctrlPr>
-                          <a:rPr lang="en-GB" b="0" i="1" smtClean="0">
-                            <a:latin typeface="Cambria Math" panose="02040503050406030204" pitchFamily="18" charset="0"/>
-                          </a:rPr>
-                        </m:ctrlPr>
-                      </m:sSubPr>
-                      <m:e>
-                        <m:r>
-                          <a:rPr lang="en-GB" b="0" i="1" smtClean="0">
-                            <a:latin typeface="Cambria Math" panose="02040503050406030204" pitchFamily="18" charset="0"/>
-                          </a:rPr>
-                          <m:t>𝑥</m:t>
-                        </m:r>
-                      </m:e>
-                      <m:sub>
-                        <m:r>
-                          <a:rPr lang="en-GB" b="0" i="1" smtClean="0">
-                            <a:latin typeface="Cambria Math" panose="02040503050406030204" pitchFamily="18" charset="0"/>
-                          </a:rPr>
-                          <m:t>𝑡</m:t>
-                        </m:r>
-                      </m:sub>
-                    </m:sSub>
-                  </m:oMath>
-                </a14:m>
-                <a:r>
-                  <a:rPr lang="en-GB" dirty="0"/>
-                  <a:t> as input and attempts to predict </a:t>
-                </a:r>
-                <a14:m>
-                  <m:oMath xmlns:m="http://schemas.openxmlformats.org/officeDocument/2006/math">
-                    <m:sSub>
-                      <m:sSubPr>
-                        <m:ctrlPr>
-                          <a:rPr lang="en-GB" b="0" i="1" smtClean="0">
-                            <a:latin typeface="Cambria Math" panose="02040503050406030204" pitchFamily="18" charset="0"/>
-                          </a:rPr>
-                        </m:ctrlPr>
-                      </m:sSubPr>
-                      <m:e>
-                        <m:r>
-                          <a:rPr lang="en-GB" b="0" i="1" smtClean="0">
-                            <a:latin typeface="Cambria Math" panose="02040503050406030204" pitchFamily="18" charset="0"/>
-                          </a:rPr>
-                          <m:t>𝑥</m:t>
-                        </m:r>
-                      </m:e>
-                      <m:sub>
-                        <m:r>
-                          <a:rPr lang="en-GB" b="0" i="1" smtClean="0">
-                            <a:latin typeface="Cambria Math" panose="02040503050406030204" pitchFamily="18" charset="0"/>
-                          </a:rPr>
-                          <m:t>𝑡</m:t>
-                        </m:r>
-                        <m:r>
-                          <a:rPr lang="en-GB" b="0" i="1" smtClean="0">
-                            <a:latin typeface="Cambria Math" panose="02040503050406030204" pitchFamily="18" charset="0"/>
-                          </a:rPr>
-                          <m:t>+1</m:t>
-                        </m:r>
-                      </m:sub>
-                    </m:sSub>
-                  </m:oMath>
-                </a14:m>
-                <a:r>
-                  <a:rPr lang="en-GB" dirty="0"/>
-                  <a:t> as output is then problematic.</a:t>
-                </a:r>
-              </a:p>
-              <a:p>
-                <a:pPr marL="0" indent="0">
-                  <a:buNone/>
-                </a:pPr>
-                <a:r>
-                  <a:rPr lang="en-GB" dirty="0"/>
-                  <a:t>Our DNN is not smart enough to output two different values for the same given inputs </a:t>
-                </a:r>
-                <a14:m>
-                  <m:oMath xmlns:m="http://schemas.openxmlformats.org/officeDocument/2006/math">
-                    <m:sSub>
-                      <m:sSubPr>
-                        <m:ctrlPr>
-                          <a:rPr lang="en-GB" b="1" i="1" smtClean="0">
-                            <a:latin typeface="Cambria Math" panose="02040503050406030204" pitchFamily="18" charset="0"/>
-                          </a:rPr>
-                        </m:ctrlPr>
-                      </m:sSubPr>
-                      <m:e>
-                        <m:r>
-                          <a:rPr lang="en-GB" b="1" i="1" smtClean="0">
-                            <a:latin typeface="Cambria Math" panose="02040503050406030204" pitchFamily="18" charset="0"/>
-                          </a:rPr>
-                          <m:t>𝒙</m:t>
-                        </m:r>
-                      </m:e>
-                      <m:sub>
-                        <m:sSub>
-                          <m:sSubPr>
-                            <m:ctrlPr>
-                              <a:rPr lang="en-GB" b="1" i="1" smtClean="0">
-                                <a:latin typeface="Cambria Math" panose="02040503050406030204" pitchFamily="18" charset="0"/>
-                              </a:rPr>
-                            </m:ctrlPr>
-                          </m:sSubPr>
-                          <m:e>
-                            <m:r>
-                              <a:rPr lang="en-GB" b="1" i="1" smtClean="0">
-                                <a:latin typeface="Cambria Math" panose="02040503050406030204" pitchFamily="18" charset="0"/>
-                              </a:rPr>
-                              <m:t>𝒕</m:t>
-                            </m:r>
-                          </m:e>
-                          <m:sub>
-                            <m:r>
-                              <a:rPr lang="en-GB" b="1" i="1" smtClean="0">
-                                <a:latin typeface="Cambria Math" panose="02040503050406030204" pitchFamily="18" charset="0"/>
-                              </a:rPr>
-                              <m:t>𝟏</m:t>
-                            </m:r>
-                          </m:sub>
-                        </m:sSub>
-                      </m:sub>
-                    </m:sSub>
-                    <m:r>
-                      <a:rPr lang="en-GB" b="1" i="1" smtClean="0">
-                        <a:latin typeface="Cambria Math" panose="02040503050406030204" pitchFamily="18" charset="0"/>
-                      </a:rPr>
-                      <m:t>=</m:t>
-                    </m:r>
-                    <m:sSub>
-                      <m:sSubPr>
-                        <m:ctrlPr>
-                          <a:rPr lang="en-GB" b="1" i="1" smtClean="0">
-                            <a:latin typeface="Cambria Math" panose="02040503050406030204" pitchFamily="18" charset="0"/>
-                          </a:rPr>
-                        </m:ctrlPr>
-                      </m:sSubPr>
-                      <m:e>
-                        <m:r>
-                          <a:rPr lang="en-GB" b="1" i="1" smtClean="0">
-                            <a:latin typeface="Cambria Math" panose="02040503050406030204" pitchFamily="18" charset="0"/>
-                          </a:rPr>
-                          <m:t>𝒙</m:t>
-                        </m:r>
-                      </m:e>
-                      <m:sub>
-                        <m:sSub>
-                          <m:sSubPr>
-                            <m:ctrlPr>
-                              <a:rPr lang="en-GB" b="1" i="1" smtClean="0">
-                                <a:latin typeface="Cambria Math" panose="02040503050406030204" pitchFamily="18" charset="0"/>
-                              </a:rPr>
-                            </m:ctrlPr>
-                          </m:sSubPr>
-                          <m:e>
-                            <m:r>
-                              <a:rPr lang="en-GB" b="1" i="1" smtClean="0">
-                                <a:latin typeface="Cambria Math" panose="02040503050406030204" pitchFamily="18" charset="0"/>
-                              </a:rPr>
-                              <m:t>𝒕</m:t>
-                            </m:r>
-                          </m:e>
-                          <m:sub>
-                            <m:r>
-                              <a:rPr lang="en-GB" b="1" i="1" smtClean="0">
-                                <a:latin typeface="Cambria Math" panose="02040503050406030204" pitchFamily="18" charset="0"/>
-                              </a:rPr>
-                              <m:t>𝟐</m:t>
-                            </m:r>
-                          </m:sub>
-                        </m:sSub>
-                      </m:sub>
-                    </m:sSub>
-                  </m:oMath>
-                </a14:m>
-                <a:r>
-                  <a:rPr lang="en-GB" dirty="0"/>
-                  <a:t>.</a:t>
-                </a:r>
-              </a:p>
-              <a:p>
-                <a:pPr marL="0" indent="0">
-                  <a:buNone/>
-                </a:pPr>
-                <a:r>
-                  <a:rPr lang="en-GB" dirty="0"/>
-                  <a:t>More importantly, the DNN does not know which “direction” the curve is currently going.</a:t>
-                </a:r>
-              </a:p>
-            </p:txBody>
-          </p:sp>
-        </mc:Choice>
-        <mc:Fallback xmlns="">
-          <p:sp>
-            <p:nvSpPr>
-              <p:cNvPr id="5" name="Content Placeholder 4">
-                <a:extLst>
-                  <a:ext uri="{FF2B5EF4-FFF2-40B4-BE49-F238E27FC236}">
-                    <a16:creationId xmlns:a16="http://schemas.microsoft.com/office/drawing/2014/main" id="{6C7F4F35-B552-E12F-D00F-A5EC521F9B44}"/>
-                  </a:ext>
-                </a:extLst>
-              </p:cNvPr>
-              <p:cNvSpPr>
-                <a:spLocks noGrp="1" noRot="1" noChangeAspect="1" noMove="1" noResize="1" noEditPoints="1" noAdjustHandles="1" noChangeArrowheads="1" noChangeShapeType="1" noTextEdit="1"/>
-              </p:cNvSpPr>
-              <p:nvPr>
-                <p:ph sz="half" idx="2"/>
-              </p:nvPr>
-            </p:nvSpPr>
-            <p:spPr>
-              <a:xfrm>
-                <a:off x="6172200" y="1825625"/>
-                <a:ext cx="5181600" cy="5032374"/>
-              </a:xfrm>
-              <a:blipFill>
-                <a:blip r:embed="rId3"/>
-                <a:stretch>
-                  <a:fillRect l="-2471" t="-1937" r="-3647"/>
-                </a:stretch>
-              </a:blipFill>
-            </p:spPr>
-            <p:txBody>
-              <a:bodyPr/>
-              <a:lstStyle/>
-              <a:p>
-                <a:r>
-                  <a:rPr lang="en-SG">
-                    <a:noFill/>
-                  </a:rPr>
-                  <a:t> </a:t>
-                </a:r>
-              </a:p>
-            </p:txBody>
-          </p:sp>
-        </mc:Fallback>
-      </mc:AlternateContent>
+      <p:pic>
+        <p:nvPicPr>
+          <p:cNvPr id="4" name="Picture 3">
+            <a:extLst>
+              <a:ext uri="{FF2B5EF4-FFF2-40B4-BE49-F238E27FC236}">
+                <a16:creationId xmlns:a16="http://schemas.microsoft.com/office/drawing/2014/main" id="{E369E838-8787-6F41-A352-CC63B582FAC3}"/>
+              </a:ext>
+            </a:extLst>
+          </p:cNvPr>
+          <p:cNvPicPr>
+            <a:picLocks noChangeAspect="1"/>
+          </p:cNvPicPr>
+          <p:nvPr/>
+        </p:nvPicPr>
+        <p:blipFill>
+          <a:blip r:embed="rId3"/>
+          <a:stretch>
+            <a:fillRect/>
+          </a:stretch>
+        </p:blipFill>
+        <p:spPr>
+          <a:xfrm>
+            <a:off x="6902637" y="0"/>
+            <a:ext cx="5104766" cy="6858000"/>
+          </a:xfrm>
+          <a:prstGeom prst="rect">
+            <a:avLst/>
+          </a:prstGeom>
+        </p:spPr>
+      </p:pic>
     </p:spTree>
     <p:extLst>
       <p:ext uri="{BB962C8B-B14F-4D97-AF65-F5344CB8AC3E}">
-        <p14:creationId xmlns:p14="http://schemas.microsoft.com/office/powerpoint/2010/main" val="699795487"/>
+        <p14:creationId xmlns:p14="http://schemas.microsoft.com/office/powerpoint/2010/main" val="191481927"/>
       </p:ext>
     </p:extLst>
   </p:cSld>
@@ -12222,6 +12302,938 @@
           <a:p>
             <a:r>
               <a:rPr lang="en-GB" dirty="0"/>
+              <a:t>A mock dataset</a:t>
+            </a:r>
+            <a:endParaRPr lang="en-SG" dirty="0"/>
+          </a:p>
+        </p:txBody>
+      </p:sp>
+      <mc:AlternateContent xmlns:mc="http://schemas.openxmlformats.org/markup-compatibility/2006" xmlns:a14="http://schemas.microsoft.com/office/drawing/2010/main">
+        <mc:Choice Requires="a14">
+          <p:sp>
+            <p:nvSpPr>
+              <p:cNvPr id="3" name="Content Placeholder 2">
+                <a:extLst>
+                  <a:ext uri="{FF2B5EF4-FFF2-40B4-BE49-F238E27FC236}">
+                    <a16:creationId xmlns:a16="http://schemas.microsoft.com/office/drawing/2014/main" id="{BCEF9F32-C83F-B6A9-E126-668F25B9100E}"/>
+                  </a:ext>
+                </a:extLst>
+              </p:cNvPr>
+              <p:cNvSpPr>
+                <a:spLocks noGrp="1"/>
+              </p:cNvSpPr>
+              <p:nvPr>
+                <p:ph sz="half" idx="1"/>
+              </p:nvPr>
+            </p:nvSpPr>
+            <p:spPr>
+              <a:xfrm>
+                <a:off x="838199" y="1825624"/>
+                <a:ext cx="5781431" cy="5032375"/>
+              </a:xfrm>
+            </p:spPr>
+            <p:txBody>
+              <a:bodyPr>
+                <a:normAutofit/>
+              </a:bodyPr>
+              <a:lstStyle/>
+              <a:p>
+                <a:pPr marL="0" indent="0">
+                  <a:buNone/>
+                </a:pPr>
+                <a:r>
+                  <a:rPr lang="en-GB" b="1" dirty="0"/>
+                  <a:t>Problem: </a:t>
+                </a:r>
+                <a:r>
+                  <a:rPr lang="en-GB" dirty="0"/>
+                  <a:t>Cannot use a single value </a:t>
+                </a:r>
+                <a14:m>
+                  <m:oMath xmlns:m="http://schemas.openxmlformats.org/officeDocument/2006/math">
+                    <m:sSub>
+                      <m:sSubPr>
+                        <m:ctrlPr>
+                          <a:rPr lang="en-GB" b="0" i="1" smtClean="0">
+                            <a:latin typeface="Cambria Math" panose="02040503050406030204" pitchFamily="18" charset="0"/>
+                          </a:rPr>
+                        </m:ctrlPr>
+                      </m:sSubPr>
+                      <m:e>
+                        <m:r>
+                          <a:rPr lang="en-GB" b="0" i="1" smtClean="0">
+                            <a:latin typeface="Cambria Math" panose="02040503050406030204" pitchFamily="18" charset="0"/>
+                          </a:rPr>
+                          <m:t>𝑥</m:t>
+                        </m:r>
+                      </m:e>
+                      <m:sub>
+                        <m:r>
+                          <a:rPr lang="en-GB" b="0" i="1" smtClean="0">
+                            <a:latin typeface="Cambria Math" panose="02040503050406030204" pitchFamily="18" charset="0"/>
+                          </a:rPr>
+                          <m:t>𝑡</m:t>
+                        </m:r>
+                      </m:sub>
+                    </m:sSub>
+                  </m:oMath>
+                </a14:m>
+                <a:r>
+                  <a:rPr lang="en-GB" dirty="0"/>
+                  <a:t> to make predictions on </a:t>
+                </a:r>
+                <a14:m>
+                  <m:oMath xmlns:m="http://schemas.openxmlformats.org/officeDocument/2006/math">
+                    <m:sSub>
+                      <m:sSubPr>
+                        <m:ctrlPr>
+                          <a:rPr lang="en-GB" b="0" i="1" smtClean="0">
+                            <a:latin typeface="Cambria Math" panose="02040503050406030204" pitchFamily="18" charset="0"/>
+                          </a:rPr>
+                        </m:ctrlPr>
+                      </m:sSubPr>
+                      <m:e>
+                        <m:r>
+                          <a:rPr lang="en-GB" b="0" i="1" smtClean="0">
+                            <a:latin typeface="Cambria Math" panose="02040503050406030204" pitchFamily="18" charset="0"/>
+                          </a:rPr>
+                          <m:t>𝑥</m:t>
+                        </m:r>
+                      </m:e>
+                      <m:sub>
+                        <m:r>
+                          <a:rPr lang="en-GB" b="0" i="1" smtClean="0">
+                            <a:latin typeface="Cambria Math" panose="02040503050406030204" pitchFamily="18" charset="0"/>
+                          </a:rPr>
+                          <m:t>𝑡</m:t>
+                        </m:r>
+                        <m:r>
+                          <a:rPr lang="en-GB" b="0" i="1" smtClean="0">
+                            <a:latin typeface="Cambria Math" panose="02040503050406030204" pitchFamily="18" charset="0"/>
+                          </a:rPr>
+                          <m:t>+1</m:t>
+                        </m:r>
+                      </m:sub>
+                    </m:sSub>
+                  </m:oMath>
+                </a14:m>
+                <a:r>
+                  <a:rPr lang="en-GB" dirty="0"/>
+                  <a:t>.</a:t>
+                </a:r>
+              </a:p>
+              <a:p>
+                <a:pPr marL="0" indent="0">
+                  <a:buNone/>
+                </a:pPr>
+                <a:r>
+                  <a:rPr lang="en-GB" dirty="0"/>
+                  <a:t>We have a dataset </a:t>
+                </a:r>
+                <a14:m>
+                  <m:oMath xmlns:m="http://schemas.openxmlformats.org/officeDocument/2006/math">
+                    <m:r>
+                      <a:rPr lang="en-GB" b="0" i="1" smtClean="0">
+                        <a:latin typeface="Cambria Math" panose="02040503050406030204" pitchFamily="18" charset="0"/>
+                      </a:rPr>
+                      <m:t>𝐷</m:t>
+                    </m:r>
+                  </m:oMath>
+                </a14:m>
+                <a:r>
+                  <a:rPr lang="en-GB" dirty="0"/>
+                  <a:t>, where it is possible to find two values in time </a:t>
+                </a:r>
+                <a14:m>
+                  <m:oMath xmlns:m="http://schemas.openxmlformats.org/officeDocument/2006/math">
+                    <m:sSub>
+                      <m:sSubPr>
+                        <m:ctrlPr>
+                          <a:rPr lang="en-GB" b="0" i="1" smtClean="0">
+                            <a:latin typeface="Cambria Math" panose="02040503050406030204" pitchFamily="18" charset="0"/>
+                          </a:rPr>
+                        </m:ctrlPr>
+                      </m:sSubPr>
+                      <m:e>
+                        <m:r>
+                          <a:rPr lang="en-GB" b="0" i="1" smtClean="0">
+                            <a:latin typeface="Cambria Math" panose="02040503050406030204" pitchFamily="18" charset="0"/>
+                          </a:rPr>
+                          <m:t>𝑡</m:t>
+                        </m:r>
+                      </m:e>
+                      <m:sub>
+                        <m:r>
+                          <a:rPr lang="en-GB" b="0" i="1" smtClean="0">
+                            <a:latin typeface="Cambria Math" panose="02040503050406030204" pitchFamily="18" charset="0"/>
+                          </a:rPr>
+                          <m:t>1</m:t>
+                        </m:r>
+                      </m:sub>
+                    </m:sSub>
+                    <m:r>
+                      <a:rPr lang="en-GB" b="0" i="1" smtClean="0">
+                        <a:latin typeface="Cambria Math" panose="02040503050406030204" pitchFamily="18" charset="0"/>
+                      </a:rPr>
+                      <m:t>≠</m:t>
+                    </m:r>
+                    <m:sSub>
+                      <m:sSubPr>
+                        <m:ctrlPr>
+                          <a:rPr lang="en-GB" b="0" i="1" smtClean="0">
+                            <a:latin typeface="Cambria Math" panose="02040503050406030204" pitchFamily="18" charset="0"/>
+                          </a:rPr>
+                        </m:ctrlPr>
+                      </m:sSubPr>
+                      <m:e>
+                        <m:r>
+                          <a:rPr lang="en-GB" b="0" i="1" smtClean="0">
+                            <a:latin typeface="Cambria Math" panose="02040503050406030204" pitchFamily="18" charset="0"/>
+                          </a:rPr>
+                          <m:t>𝑡</m:t>
+                        </m:r>
+                      </m:e>
+                      <m:sub>
+                        <m:r>
+                          <a:rPr lang="en-GB" b="0" i="1" smtClean="0">
+                            <a:latin typeface="Cambria Math" panose="02040503050406030204" pitchFamily="18" charset="0"/>
+                          </a:rPr>
+                          <m:t>2</m:t>
+                        </m:r>
+                      </m:sub>
+                    </m:sSub>
+                  </m:oMath>
+                </a14:m>
+                <a:r>
+                  <a:rPr lang="en-GB" dirty="0"/>
+                  <a:t>, such that:</a:t>
+                </a:r>
+              </a:p>
+              <a:p>
+                <a:pPr marL="0" indent="0">
+                  <a:buNone/>
+                </a:pPr>
+                <a14:m>
+                  <m:oMathPara xmlns:m="http://schemas.openxmlformats.org/officeDocument/2006/math">
+                    <m:oMathParaPr>
+                      <m:jc m:val="centerGroup"/>
+                    </m:oMathParaPr>
+                    <m:oMath xmlns:m="http://schemas.openxmlformats.org/officeDocument/2006/math">
+                      <m:sSub>
+                        <m:sSubPr>
+                          <m:ctrlPr>
+                            <a:rPr lang="en-GB" b="1" i="1" smtClean="0">
+                              <a:latin typeface="Cambria Math" panose="02040503050406030204" pitchFamily="18" charset="0"/>
+                            </a:rPr>
+                          </m:ctrlPr>
+                        </m:sSubPr>
+                        <m:e>
+                          <m:r>
+                            <a:rPr lang="en-GB" b="1" i="1" smtClean="0">
+                              <a:latin typeface="Cambria Math" panose="02040503050406030204" pitchFamily="18" charset="0"/>
+                            </a:rPr>
+                            <m:t>𝒙</m:t>
+                          </m:r>
+                        </m:e>
+                        <m:sub>
+                          <m:sSub>
+                            <m:sSubPr>
+                              <m:ctrlPr>
+                                <a:rPr lang="en-GB" b="1" i="1" smtClean="0">
+                                  <a:latin typeface="Cambria Math" panose="02040503050406030204" pitchFamily="18" charset="0"/>
+                                </a:rPr>
+                              </m:ctrlPr>
+                            </m:sSubPr>
+                            <m:e>
+                              <m:r>
+                                <a:rPr lang="en-GB" b="1" i="1" smtClean="0">
+                                  <a:latin typeface="Cambria Math" panose="02040503050406030204" pitchFamily="18" charset="0"/>
+                                </a:rPr>
+                                <m:t>𝒕</m:t>
+                              </m:r>
+                            </m:e>
+                            <m:sub>
+                              <m:r>
+                                <a:rPr lang="en-GB" b="1" i="1" smtClean="0">
+                                  <a:latin typeface="Cambria Math" panose="02040503050406030204" pitchFamily="18" charset="0"/>
+                                </a:rPr>
+                                <m:t>𝟏</m:t>
+                              </m:r>
+                            </m:sub>
+                          </m:sSub>
+                        </m:sub>
+                      </m:sSub>
+                      <m:r>
+                        <a:rPr lang="en-GB" b="1" i="1" smtClean="0">
+                          <a:latin typeface="Cambria Math" panose="02040503050406030204" pitchFamily="18" charset="0"/>
+                        </a:rPr>
+                        <m:t>=</m:t>
+                      </m:r>
+                      <m:sSub>
+                        <m:sSubPr>
+                          <m:ctrlPr>
+                            <a:rPr lang="en-GB" b="1" i="1" smtClean="0">
+                              <a:latin typeface="Cambria Math" panose="02040503050406030204" pitchFamily="18" charset="0"/>
+                            </a:rPr>
+                          </m:ctrlPr>
+                        </m:sSubPr>
+                        <m:e>
+                          <m:r>
+                            <a:rPr lang="en-GB" b="1" i="1" smtClean="0">
+                              <a:latin typeface="Cambria Math" panose="02040503050406030204" pitchFamily="18" charset="0"/>
+                            </a:rPr>
+                            <m:t>𝒙</m:t>
+                          </m:r>
+                        </m:e>
+                        <m:sub>
+                          <m:sSub>
+                            <m:sSubPr>
+                              <m:ctrlPr>
+                                <a:rPr lang="en-GB" b="1" i="1" smtClean="0">
+                                  <a:latin typeface="Cambria Math" panose="02040503050406030204" pitchFamily="18" charset="0"/>
+                                </a:rPr>
+                              </m:ctrlPr>
+                            </m:sSubPr>
+                            <m:e>
+                              <m:r>
+                                <a:rPr lang="en-GB" b="1" i="1" smtClean="0">
+                                  <a:latin typeface="Cambria Math" panose="02040503050406030204" pitchFamily="18" charset="0"/>
+                                </a:rPr>
+                                <m:t>𝒕</m:t>
+                              </m:r>
+                            </m:e>
+                            <m:sub>
+                              <m:r>
+                                <a:rPr lang="en-GB" b="1" i="1" smtClean="0">
+                                  <a:latin typeface="Cambria Math" panose="02040503050406030204" pitchFamily="18" charset="0"/>
+                                </a:rPr>
+                                <m:t>𝟐</m:t>
+                              </m:r>
+                            </m:sub>
+                          </m:sSub>
+                        </m:sub>
+                      </m:sSub>
+                    </m:oMath>
+                  </m:oMathPara>
+                </a14:m>
+                <a:br>
+                  <a:rPr lang="en-GB" b="0" dirty="0"/>
+                </a:br>
+                <a:r>
+                  <a:rPr lang="en-GB" dirty="0"/>
+                  <a:t>(here two values, with </a:t>
+                </a:r>
+                <a14:m>
+                  <m:oMath xmlns:m="http://schemas.openxmlformats.org/officeDocument/2006/math">
+                    <m:sSub>
+                      <m:sSubPr>
+                        <m:ctrlPr>
+                          <a:rPr lang="en-GB" b="0" i="1" smtClean="0">
+                            <a:latin typeface="Cambria Math" panose="02040503050406030204" pitchFamily="18" charset="0"/>
+                          </a:rPr>
+                        </m:ctrlPr>
+                      </m:sSubPr>
+                      <m:e>
+                        <m:r>
+                          <a:rPr lang="en-GB" b="0" i="1" smtClean="0">
+                            <a:latin typeface="Cambria Math" panose="02040503050406030204" pitchFamily="18" charset="0"/>
+                          </a:rPr>
+                          <m:t>𝑡</m:t>
+                        </m:r>
+                      </m:e>
+                      <m:sub>
+                        <m:r>
+                          <a:rPr lang="en-GB" b="0" i="1" smtClean="0">
+                            <a:latin typeface="Cambria Math" panose="02040503050406030204" pitchFamily="18" charset="0"/>
+                          </a:rPr>
+                          <m:t>1</m:t>
+                        </m:r>
+                      </m:sub>
+                    </m:sSub>
+                    <m:r>
+                      <a:rPr lang="en-GB" b="0" i="1" smtClean="0">
+                        <a:latin typeface="Cambria Math" panose="02040503050406030204" pitchFamily="18" charset="0"/>
+                      </a:rPr>
+                      <m:t>=0</m:t>
+                    </m:r>
+                  </m:oMath>
+                </a14:m>
+                <a:r>
+                  <a:rPr lang="en-GB" dirty="0"/>
+                  <a:t> and </a:t>
+                </a:r>
+                <a14:m>
+                  <m:oMath xmlns:m="http://schemas.openxmlformats.org/officeDocument/2006/math">
+                    <m:sSub>
+                      <m:sSubPr>
+                        <m:ctrlPr>
+                          <a:rPr lang="en-GB" b="0" i="1" smtClean="0">
+                            <a:latin typeface="Cambria Math" panose="02040503050406030204" pitchFamily="18" charset="0"/>
+                          </a:rPr>
+                        </m:ctrlPr>
+                      </m:sSubPr>
+                      <m:e>
+                        <m:r>
+                          <a:rPr lang="en-GB" b="0" i="1" smtClean="0">
+                            <a:latin typeface="Cambria Math" panose="02040503050406030204" pitchFamily="18" charset="0"/>
+                          </a:rPr>
+                          <m:t>𝑡</m:t>
+                        </m:r>
+                      </m:e>
+                      <m:sub>
+                        <m:r>
+                          <a:rPr lang="en-GB" b="0" i="1" smtClean="0">
+                            <a:latin typeface="Cambria Math" panose="02040503050406030204" pitchFamily="18" charset="0"/>
+                          </a:rPr>
+                          <m:t>2</m:t>
+                        </m:r>
+                      </m:sub>
+                    </m:sSub>
+                    <m:r>
+                      <a:rPr lang="en-GB" b="0" i="1" smtClean="0">
+                        <a:latin typeface="Cambria Math" panose="02040503050406030204" pitchFamily="18" charset="0"/>
+                      </a:rPr>
+                      <m:t>=25</m:t>
+                    </m:r>
+                  </m:oMath>
+                </a14:m>
+                <a:r>
+                  <a:rPr lang="en-GB" dirty="0"/>
+                  <a:t>, displayed in red crosses),</a:t>
+                </a:r>
+              </a:p>
+              <a:p>
+                <a:pPr marL="0" indent="0">
+                  <a:buNone/>
+                </a:pPr>
+                <a:r>
+                  <a:rPr lang="en-GB" dirty="0"/>
+                  <a:t>And, yet have</a:t>
+                </a:r>
+              </a:p>
+              <a:p>
+                <a:pPr marL="0" indent="0">
+                  <a:buNone/>
+                </a:pPr>
+                <a14:m>
+                  <m:oMathPara xmlns:m="http://schemas.openxmlformats.org/officeDocument/2006/math">
+                    <m:oMathParaPr>
+                      <m:jc m:val="centerGroup"/>
+                    </m:oMathParaPr>
+                    <m:oMath xmlns:m="http://schemas.openxmlformats.org/officeDocument/2006/math">
+                      <m:sSub>
+                        <m:sSubPr>
+                          <m:ctrlPr>
+                            <a:rPr lang="en-GB" b="1" i="1" smtClean="0">
+                              <a:latin typeface="Cambria Math" panose="02040503050406030204" pitchFamily="18" charset="0"/>
+                            </a:rPr>
+                          </m:ctrlPr>
+                        </m:sSubPr>
+                        <m:e>
+                          <m:r>
+                            <a:rPr lang="en-GB" b="1" i="1" smtClean="0">
+                              <a:latin typeface="Cambria Math" panose="02040503050406030204" pitchFamily="18" charset="0"/>
+                            </a:rPr>
+                            <m:t>𝒙</m:t>
+                          </m:r>
+                        </m:e>
+                        <m:sub>
+                          <m:sSub>
+                            <m:sSubPr>
+                              <m:ctrlPr>
+                                <a:rPr lang="en-GB" b="1" i="1" smtClean="0">
+                                  <a:latin typeface="Cambria Math" panose="02040503050406030204" pitchFamily="18" charset="0"/>
+                                </a:rPr>
+                              </m:ctrlPr>
+                            </m:sSubPr>
+                            <m:e>
+                              <m:r>
+                                <a:rPr lang="en-GB" b="1" i="1" smtClean="0">
+                                  <a:latin typeface="Cambria Math" panose="02040503050406030204" pitchFamily="18" charset="0"/>
+                                </a:rPr>
+                                <m:t>𝒕</m:t>
+                              </m:r>
+                            </m:e>
+                            <m:sub>
+                              <m:r>
+                                <a:rPr lang="en-GB" b="1" i="1" smtClean="0">
+                                  <a:latin typeface="Cambria Math" panose="02040503050406030204" pitchFamily="18" charset="0"/>
+                                </a:rPr>
+                                <m:t>𝟏</m:t>
+                              </m:r>
+                            </m:sub>
+                          </m:sSub>
+                          <m:r>
+                            <a:rPr lang="en-GB" b="1" i="1" smtClean="0">
+                              <a:latin typeface="Cambria Math" panose="02040503050406030204" pitchFamily="18" charset="0"/>
+                            </a:rPr>
+                            <m:t>+</m:t>
+                          </m:r>
+                          <m:r>
+                            <a:rPr lang="en-GB" b="1" i="1" smtClean="0">
+                              <a:latin typeface="Cambria Math" panose="02040503050406030204" pitchFamily="18" charset="0"/>
+                            </a:rPr>
+                            <m:t>𝟏</m:t>
+                          </m:r>
+                        </m:sub>
+                      </m:sSub>
+                      <m:r>
+                        <a:rPr lang="en-GB" b="1" i="1" smtClean="0">
+                          <a:latin typeface="Cambria Math" panose="02040503050406030204" pitchFamily="18" charset="0"/>
+                        </a:rPr>
+                        <m:t>≠</m:t>
+                      </m:r>
+                      <m:sSub>
+                        <m:sSubPr>
+                          <m:ctrlPr>
+                            <a:rPr lang="en-GB" b="1" i="1" smtClean="0">
+                              <a:latin typeface="Cambria Math" panose="02040503050406030204" pitchFamily="18" charset="0"/>
+                            </a:rPr>
+                          </m:ctrlPr>
+                        </m:sSubPr>
+                        <m:e>
+                          <m:r>
+                            <a:rPr lang="en-GB" b="1" i="1" smtClean="0">
+                              <a:latin typeface="Cambria Math" panose="02040503050406030204" pitchFamily="18" charset="0"/>
+                            </a:rPr>
+                            <m:t>𝒙</m:t>
+                          </m:r>
+                        </m:e>
+                        <m:sub>
+                          <m:sSub>
+                            <m:sSubPr>
+                              <m:ctrlPr>
+                                <a:rPr lang="en-GB" b="1" i="1" smtClean="0">
+                                  <a:latin typeface="Cambria Math" panose="02040503050406030204" pitchFamily="18" charset="0"/>
+                                </a:rPr>
+                              </m:ctrlPr>
+                            </m:sSubPr>
+                            <m:e>
+                              <m:r>
+                                <a:rPr lang="en-GB" b="1" i="1" smtClean="0">
+                                  <a:latin typeface="Cambria Math" panose="02040503050406030204" pitchFamily="18" charset="0"/>
+                                </a:rPr>
+                                <m:t>𝒕</m:t>
+                              </m:r>
+                            </m:e>
+                            <m:sub>
+                              <m:r>
+                                <a:rPr lang="en-GB" b="1" i="1" smtClean="0">
+                                  <a:latin typeface="Cambria Math" panose="02040503050406030204" pitchFamily="18" charset="0"/>
+                                </a:rPr>
+                                <m:t>𝟐</m:t>
+                              </m:r>
+                            </m:sub>
+                          </m:sSub>
+                          <m:r>
+                            <a:rPr lang="en-GB" b="1" i="1" smtClean="0">
+                              <a:latin typeface="Cambria Math" panose="02040503050406030204" pitchFamily="18" charset="0"/>
+                            </a:rPr>
+                            <m:t>+</m:t>
+                          </m:r>
+                          <m:r>
+                            <a:rPr lang="en-GB" b="1" i="1" smtClean="0">
+                              <a:latin typeface="Cambria Math" panose="02040503050406030204" pitchFamily="18" charset="0"/>
+                            </a:rPr>
+                            <m:t>𝟏</m:t>
+                          </m:r>
+                        </m:sub>
+                      </m:sSub>
+                    </m:oMath>
+                  </m:oMathPara>
+                </a14:m>
+                <a:endParaRPr lang="en-GB" b="1" dirty="0"/>
+              </a:p>
+              <a:p>
+                <a:pPr marL="0" indent="0">
+                  <a:buNone/>
+                </a:pPr>
+                <a:r>
+                  <a:rPr lang="en-GB" dirty="0"/>
+                  <a:t>(here two values, displayed in green).</a:t>
+                </a:r>
+              </a:p>
+              <a:p>
+                <a:pPr marL="0" indent="0">
+                  <a:buNone/>
+                </a:pPr>
+                <a:endParaRPr lang="en-GB" dirty="0"/>
+              </a:p>
+            </p:txBody>
+          </p:sp>
+        </mc:Choice>
+        <mc:Fallback xmlns="">
+          <p:sp>
+            <p:nvSpPr>
+              <p:cNvPr id="3" name="Content Placeholder 2">
+                <a:extLst>
+                  <a:ext uri="{FF2B5EF4-FFF2-40B4-BE49-F238E27FC236}">
+                    <a16:creationId xmlns:a16="http://schemas.microsoft.com/office/drawing/2014/main" id="{BCEF9F32-C83F-B6A9-E126-668F25B9100E}"/>
+                  </a:ext>
+                </a:extLst>
+              </p:cNvPr>
+              <p:cNvSpPr>
+                <a:spLocks noGrp="1" noRot="1" noChangeAspect="1" noMove="1" noResize="1" noEditPoints="1" noAdjustHandles="1" noChangeArrowheads="1" noChangeShapeType="1" noTextEdit="1"/>
+              </p:cNvSpPr>
+              <p:nvPr>
+                <p:ph sz="half" idx="1"/>
+              </p:nvPr>
+            </p:nvSpPr>
+            <p:spPr>
+              <a:xfrm>
+                <a:off x="838199" y="1825624"/>
+                <a:ext cx="5781431" cy="5032375"/>
+              </a:xfrm>
+              <a:blipFill>
+                <a:blip r:embed="rId2"/>
+                <a:stretch>
+                  <a:fillRect l="-2107" t="-1937" b="-605"/>
+                </a:stretch>
+              </a:blipFill>
+            </p:spPr>
+            <p:txBody>
+              <a:bodyPr/>
+              <a:lstStyle/>
+              <a:p>
+                <a:r>
+                  <a:rPr lang="en-SG">
+                    <a:noFill/>
+                  </a:rPr>
+                  <a:t> </a:t>
+                </a:r>
+              </a:p>
+            </p:txBody>
+          </p:sp>
+        </mc:Fallback>
+      </mc:AlternateContent>
+      <mc:AlternateContent xmlns:mc="http://schemas.openxmlformats.org/markup-compatibility/2006">
+        <mc:Choice xmlns:a14="http://schemas.microsoft.com/office/drawing/2010/main" Requires="a14">
+          <p:sp>
+            <p:nvSpPr>
+              <p:cNvPr id="5" name="Content Placeholder 4">
+                <a:extLst>
+                  <a:ext uri="{FF2B5EF4-FFF2-40B4-BE49-F238E27FC236}">
+                    <a16:creationId xmlns:a16="http://schemas.microsoft.com/office/drawing/2014/main" id="{3DD29B3E-98BB-E63E-145F-42C967469B1E}"/>
+                  </a:ext>
+                </a:extLst>
+              </p:cNvPr>
+              <p:cNvSpPr>
+                <a:spLocks noGrp="1"/>
+              </p:cNvSpPr>
+              <p:nvPr>
+                <p:ph sz="half" idx="2"/>
+              </p:nvPr>
+            </p:nvSpPr>
+            <p:spPr>
+              <a:xfrm>
+                <a:off x="6862916" y="1825625"/>
+                <a:ext cx="4935794" cy="5032374"/>
+              </a:xfrm>
+            </p:spPr>
+            <p:txBody>
+              <a:bodyPr>
+                <a:normAutofit/>
+              </a:bodyPr>
+              <a:lstStyle/>
+              <a:p>
+                <a:pPr marL="0" indent="0">
+                  <a:buNone/>
+                </a:pPr>
+                <a:r>
+                  <a:rPr lang="en-GB" b="1" dirty="0"/>
+                  <a:t>Problem (cont’d): </a:t>
+                </a:r>
+                <a:r>
+                  <a:rPr lang="en-GB" dirty="0"/>
+                  <a:t>Using a DNN which only takes </a:t>
+                </a:r>
+                <a14:m>
+                  <m:oMath xmlns:m="http://schemas.openxmlformats.org/officeDocument/2006/math">
+                    <m:sSub>
+                      <m:sSubPr>
+                        <m:ctrlPr>
+                          <a:rPr lang="en-GB" b="0" i="1" smtClean="0">
+                            <a:latin typeface="Cambria Math" panose="02040503050406030204" pitchFamily="18" charset="0"/>
+                          </a:rPr>
+                        </m:ctrlPr>
+                      </m:sSubPr>
+                      <m:e>
+                        <m:r>
+                          <a:rPr lang="en-GB" b="0" i="1" smtClean="0">
+                            <a:latin typeface="Cambria Math" panose="02040503050406030204" pitchFamily="18" charset="0"/>
+                          </a:rPr>
+                          <m:t>𝑥</m:t>
+                        </m:r>
+                      </m:e>
+                      <m:sub>
+                        <m:r>
+                          <a:rPr lang="en-GB" b="0" i="1" smtClean="0">
+                            <a:latin typeface="Cambria Math" panose="02040503050406030204" pitchFamily="18" charset="0"/>
+                          </a:rPr>
+                          <m:t>𝑡</m:t>
+                        </m:r>
+                      </m:sub>
+                    </m:sSub>
+                  </m:oMath>
+                </a14:m>
+                <a:r>
+                  <a:rPr lang="en-GB" dirty="0"/>
+                  <a:t> as input and attempts to predict </a:t>
+                </a:r>
+                <a14:m>
+                  <m:oMath xmlns:m="http://schemas.openxmlformats.org/officeDocument/2006/math">
+                    <m:sSub>
+                      <m:sSubPr>
+                        <m:ctrlPr>
+                          <a:rPr lang="en-GB" b="0" i="1" smtClean="0">
+                            <a:latin typeface="Cambria Math" panose="02040503050406030204" pitchFamily="18" charset="0"/>
+                          </a:rPr>
+                        </m:ctrlPr>
+                      </m:sSubPr>
+                      <m:e>
+                        <m:r>
+                          <a:rPr lang="en-GB" b="0" i="1" smtClean="0">
+                            <a:latin typeface="Cambria Math" panose="02040503050406030204" pitchFamily="18" charset="0"/>
+                          </a:rPr>
+                          <m:t>𝑥</m:t>
+                        </m:r>
+                      </m:e>
+                      <m:sub>
+                        <m:r>
+                          <a:rPr lang="en-GB" b="0" i="1" smtClean="0">
+                            <a:latin typeface="Cambria Math" panose="02040503050406030204" pitchFamily="18" charset="0"/>
+                          </a:rPr>
+                          <m:t>𝑡</m:t>
+                        </m:r>
+                        <m:r>
+                          <a:rPr lang="en-GB" b="0" i="1" smtClean="0">
+                            <a:latin typeface="Cambria Math" panose="02040503050406030204" pitchFamily="18" charset="0"/>
+                          </a:rPr>
+                          <m:t>+1</m:t>
+                        </m:r>
+                      </m:sub>
+                    </m:sSub>
+                  </m:oMath>
+                </a14:m>
+                <a:r>
+                  <a:rPr lang="en-GB" dirty="0"/>
+                  <a:t> as output is then problematic.</a:t>
+                </a:r>
+              </a:p>
+              <a:p>
+                <a:r>
+                  <a:rPr lang="en-GB" dirty="0"/>
+                  <a:t>Our DNN is not smart enough to output two different values for the same given inputs </a:t>
+                </a:r>
+                <a14:m>
+                  <m:oMath xmlns:m="http://schemas.openxmlformats.org/officeDocument/2006/math">
+                    <m:sSub>
+                      <m:sSubPr>
+                        <m:ctrlPr>
+                          <a:rPr lang="en-GB" b="1" i="1" smtClean="0">
+                            <a:latin typeface="Cambria Math" panose="02040503050406030204" pitchFamily="18" charset="0"/>
+                          </a:rPr>
+                        </m:ctrlPr>
+                      </m:sSubPr>
+                      <m:e>
+                        <m:r>
+                          <a:rPr lang="en-GB" b="1" i="1" smtClean="0">
+                            <a:latin typeface="Cambria Math" panose="02040503050406030204" pitchFamily="18" charset="0"/>
+                          </a:rPr>
+                          <m:t>𝒙</m:t>
+                        </m:r>
+                      </m:e>
+                      <m:sub>
+                        <m:sSub>
+                          <m:sSubPr>
+                            <m:ctrlPr>
+                              <a:rPr lang="en-GB" b="1" i="1" smtClean="0">
+                                <a:latin typeface="Cambria Math" panose="02040503050406030204" pitchFamily="18" charset="0"/>
+                              </a:rPr>
+                            </m:ctrlPr>
+                          </m:sSubPr>
+                          <m:e>
+                            <m:r>
+                              <a:rPr lang="en-GB" b="1" i="1" smtClean="0">
+                                <a:latin typeface="Cambria Math" panose="02040503050406030204" pitchFamily="18" charset="0"/>
+                              </a:rPr>
+                              <m:t>𝒕</m:t>
+                            </m:r>
+                          </m:e>
+                          <m:sub>
+                            <m:r>
+                              <a:rPr lang="en-GB" b="1" i="1" smtClean="0">
+                                <a:latin typeface="Cambria Math" panose="02040503050406030204" pitchFamily="18" charset="0"/>
+                              </a:rPr>
+                              <m:t>𝟏</m:t>
+                            </m:r>
+                          </m:sub>
+                        </m:sSub>
+                      </m:sub>
+                    </m:sSub>
+                    <m:r>
+                      <a:rPr lang="en-GB" b="1" i="1" smtClean="0">
+                        <a:latin typeface="Cambria Math" panose="02040503050406030204" pitchFamily="18" charset="0"/>
+                      </a:rPr>
+                      <m:t>=</m:t>
+                    </m:r>
+                    <m:sSub>
+                      <m:sSubPr>
+                        <m:ctrlPr>
+                          <a:rPr lang="en-GB" b="1" i="1" smtClean="0">
+                            <a:latin typeface="Cambria Math" panose="02040503050406030204" pitchFamily="18" charset="0"/>
+                          </a:rPr>
+                        </m:ctrlPr>
+                      </m:sSubPr>
+                      <m:e>
+                        <m:r>
+                          <a:rPr lang="en-GB" b="1" i="1" smtClean="0">
+                            <a:latin typeface="Cambria Math" panose="02040503050406030204" pitchFamily="18" charset="0"/>
+                          </a:rPr>
+                          <m:t>𝒙</m:t>
+                        </m:r>
+                      </m:e>
+                      <m:sub>
+                        <m:sSub>
+                          <m:sSubPr>
+                            <m:ctrlPr>
+                              <a:rPr lang="en-GB" b="1" i="1" smtClean="0">
+                                <a:latin typeface="Cambria Math" panose="02040503050406030204" pitchFamily="18" charset="0"/>
+                              </a:rPr>
+                            </m:ctrlPr>
+                          </m:sSubPr>
+                          <m:e>
+                            <m:r>
+                              <a:rPr lang="en-GB" b="1" i="1" smtClean="0">
+                                <a:latin typeface="Cambria Math" panose="02040503050406030204" pitchFamily="18" charset="0"/>
+                              </a:rPr>
+                              <m:t>𝒕</m:t>
+                            </m:r>
+                          </m:e>
+                          <m:sub>
+                            <m:r>
+                              <a:rPr lang="en-GB" b="1" i="1" smtClean="0">
+                                <a:latin typeface="Cambria Math" panose="02040503050406030204" pitchFamily="18" charset="0"/>
+                              </a:rPr>
+                              <m:t>𝟐</m:t>
+                            </m:r>
+                          </m:sub>
+                        </m:sSub>
+                      </m:sub>
+                    </m:sSub>
+                  </m:oMath>
+                </a14:m>
+                <a:r>
+                  <a:rPr lang="en-GB" dirty="0"/>
+                  <a:t>.</a:t>
+                </a:r>
+              </a:p>
+              <a:p>
+                <a:r>
+                  <a:rPr lang="en-GB" dirty="0"/>
+                  <a:t>More importantly, the DNN does not know which “direction” the curve is currently going.</a:t>
+                </a:r>
+              </a:p>
+            </p:txBody>
+          </p:sp>
+        </mc:Choice>
+        <mc:Fallback>
+          <p:sp>
+            <p:nvSpPr>
+              <p:cNvPr id="5" name="Content Placeholder 4">
+                <a:extLst>
+                  <a:ext uri="{FF2B5EF4-FFF2-40B4-BE49-F238E27FC236}">
+                    <a16:creationId xmlns:a16="http://schemas.microsoft.com/office/drawing/2014/main" id="{3DD29B3E-98BB-E63E-145F-42C967469B1E}"/>
+                  </a:ext>
+                </a:extLst>
+              </p:cNvPr>
+              <p:cNvSpPr>
+                <a:spLocks noGrp="1" noRot="1" noChangeAspect="1" noMove="1" noResize="1" noEditPoints="1" noAdjustHandles="1" noChangeArrowheads="1" noChangeShapeType="1" noTextEdit="1"/>
+              </p:cNvSpPr>
+              <p:nvPr>
+                <p:ph sz="half" idx="2"/>
+              </p:nvPr>
+            </p:nvSpPr>
+            <p:spPr>
+              <a:xfrm>
+                <a:off x="6862916" y="1825625"/>
+                <a:ext cx="4935794" cy="5032374"/>
+              </a:xfrm>
+              <a:blipFill>
+                <a:blip r:embed="rId3"/>
+                <a:stretch>
+                  <a:fillRect l="-2596" t="-1937" r="-2101" b="-2542"/>
+                </a:stretch>
+              </a:blipFill>
+            </p:spPr>
+            <p:txBody>
+              <a:bodyPr/>
+              <a:lstStyle/>
+              <a:p>
+                <a:r>
+                  <a:rPr lang="en-SG">
+                    <a:noFill/>
+                  </a:rPr>
+                  <a:t> </a:t>
+                </a:r>
+              </a:p>
+            </p:txBody>
+          </p:sp>
+        </mc:Fallback>
+      </mc:AlternateContent>
+    </p:spTree>
+    <p:extLst>
+      <p:ext uri="{BB962C8B-B14F-4D97-AF65-F5344CB8AC3E}">
+        <p14:creationId xmlns:p14="http://schemas.microsoft.com/office/powerpoint/2010/main" val="2244926614"/>
+      </p:ext>
+    </p:extLst>
+  </p:cSld>
+  <p:clrMapOvr>
+    <a:masterClrMapping/>
+  </p:clrMapOvr>
+</p:sld>
+</file>
+
+<file path=ppt/slides/slide15.xml><?xml version="1.0" encoding="utf-8"?>
+<p:sld xmlns:a="http://schemas.openxmlformats.org/drawingml/2006/main" xmlns:r="http://schemas.openxmlformats.org/officeDocument/2006/relationships" xmlns:p="http://schemas.openxmlformats.org/presentationml/2006/main">
+  <p:cSld>
+    <p:spTree>
+      <p:nvGrpSpPr>
+        <p:cNvPr id="1" name=""/>
+        <p:cNvGrpSpPr/>
+        <p:nvPr/>
+      </p:nvGrpSpPr>
+      <p:grpSpPr>
+        <a:xfrm>
+          <a:off x="0" y="0"/>
+          <a:ext cx="0" cy="0"/>
+          <a:chOff x="0" y="0"/>
+          <a:chExt cx="0" cy="0"/>
+        </a:xfrm>
+      </p:grpSpPr>
+      <p:sp>
+        <p:nvSpPr>
+          <p:cNvPr id="2" name="Title 1">
+            <a:extLst>
+              <a:ext uri="{FF2B5EF4-FFF2-40B4-BE49-F238E27FC236}">
+                <a16:creationId xmlns:a16="http://schemas.microsoft.com/office/drawing/2014/main" id="{3E88DE4A-B9A9-CCDF-2EFA-3BA4C358FAAB}"/>
+              </a:ext>
+            </a:extLst>
+          </p:cNvPr>
+          <p:cNvSpPr>
+            <a:spLocks noGrp="1"/>
+          </p:cNvSpPr>
+          <p:nvPr>
+            <p:ph type="title"/>
+          </p:nvPr>
+        </p:nvSpPr>
+        <p:spPr/>
+        <p:txBody>
+          <a:bodyPr/>
+          <a:lstStyle/>
+          <a:p>
+            <a:r>
+              <a:rPr lang="en-GB" dirty="0"/>
               <a:t>Using a simple DNN</a:t>
             </a:r>
             <a:br>
@@ -12261,7 +13273,7 @@
             </a:pPr>
             <a:r>
               <a:rPr lang="en-GB" b="1" dirty="0"/>
-              <a:t>Try it, anyway: </a:t>
+              <a:t>Let us try it, anyway: </a:t>
             </a:r>
             <a:r>
               <a:rPr lang="en-GB" dirty="0"/>
@@ -12360,7 +13372,7 @@
 </p:sld>
 </file>
 
-<file path=ppt/slides/slide15.xml><?xml version="1.0" encoding="utf-8"?>
+<file path=ppt/slides/slide16.xml><?xml version="1.0" encoding="utf-8"?>
 <p:sld xmlns:a="http://schemas.openxmlformats.org/drawingml/2006/main" xmlns:r="http://schemas.openxmlformats.org/officeDocument/2006/relationships" xmlns:p="http://schemas.openxmlformats.org/presentationml/2006/main">
   <p:cSld>
     <p:spTree>
@@ -12446,7 +13458,7 @@
             </a:pPr>
             <a:r>
               <a:rPr lang="en-GB" b="1" dirty="0"/>
-              <a:t>Try it, anyway: </a:t>
+              <a:t>Let us try it, anyway: </a:t>
             </a:r>
             <a:r>
               <a:rPr lang="en-GB" dirty="0"/>
@@ -12554,7 +13566,7 @@
 </p:sld>
 </file>
 
-<file path=ppt/slides/slide16.xml><?xml version="1.0" encoding="utf-8"?>
+<file path=ppt/slides/slide17.xml><?xml version="1.0" encoding="utf-8"?>
 <p:sld xmlns:a="http://schemas.openxmlformats.org/drawingml/2006/main" xmlns:r="http://schemas.openxmlformats.org/officeDocument/2006/relationships" xmlns:p="http://schemas.openxmlformats.org/presentationml/2006/main">
   <p:cSld>
     <p:spTree>
@@ -12853,7 +13865,7 @@
 </p:sld>
 </file>
 
-<file path=ppt/slides/slide17.xml><?xml version="1.0" encoding="utf-8"?>
+<file path=ppt/slides/slide18.xml><?xml version="1.0" encoding="utf-8"?>
 <p:sld xmlns:a="http://schemas.openxmlformats.org/drawingml/2006/main" xmlns:r="http://schemas.openxmlformats.org/officeDocument/2006/relationships" xmlns:p="http://schemas.openxmlformats.org/presentationml/2006/main">
   <p:cSld>
     <p:spTree>
@@ -13633,7 +14645,7 @@
 </p:sld>
 </file>
 
-<file path=ppt/slides/slide18.xml><?xml version="1.0" encoding="utf-8"?>
+<file path=ppt/slides/slide19.xml><?xml version="1.0" encoding="utf-8"?>
 <p:sld xmlns:a="http://schemas.openxmlformats.org/drawingml/2006/main" xmlns:r="http://schemas.openxmlformats.org/officeDocument/2006/relationships" xmlns:p="http://schemas.openxmlformats.org/presentationml/2006/main">
   <p:cSld>
     <p:spTree>
@@ -14374,202 +15386,6 @@
 </p:sld>
 </file>
 
-<file path=ppt/slides/slide19.xml><?xml version="1.0" encoding="utf-8"?>
-<p:sld xmlns:a="http://schemas.openxmlformats.org/drawingml/2006/main" xmlns:r="http://schemas.openxmlformats.org/officeDocument/2006/relationships" xmlns:p="http://schemas.openxmlformats.org/presentationml/2006/main">
-  <p:cSld>
-    <p:spTree>
-      <p:nvGrpSpPr>
-        <p:cNvPr id="1" name=""/>
-        <p:cNvGrpSpPr/>
-        <p:nvPr/>
-      </p:nvGrpSpPr>
-      <p:grpSpPr>
-        <a:xfrm>
-          <a:off x="0" y="0"/>
-          <a:ext cx="0" cy="0"/>
-          <a:chOff x="0" y="0"/>
-          <a:chExt cx="0" cy="0"/>
-        </a:xfrm>
-      </p:grpSpPr>
-      <p:sp>
-        <p:nvSpPr>
-          <p:cNvPr id="2" name="Title 1">
-            <a:extLst>
-              <a:ext uri="{FF2B5EF4-FFF2-40B4-BE49-F238E27FC236}">
-                <a16:creationId xmlns:a16="http://schemas.microsoft.com/office/drawing/2014/main" id="{9774CF04-37F8-59A5-D891-341292A57549}"/>
-              </a:ext>
-            </a:extLst>
-          </p:cNvPr>
-          <p:cNvSpPr>
-            <a:spLocks noGrp="1"/>
-          </p:cNvSpPr>
-          <p:nvPr>
-            <p:ph type="title"/>
-          </p:nvPr>
-        </p:nvSpPr>
-        <p:spPr/>
-        <p:txBody>
-          <a:bodyPr/>
-          <a:lstStyle/>
-          <a:p>
-            <a:r>
-              <a:rPr lang="en-GB" dirty="0"/>
-              <a:t>A visual example for the need of “direction”</a:t>
-            </a:r>
-            <a:endParaRPr lang="en-SG" dirty="0"/>
-          </a:p>
-        </p:txBody>
-      </p:sp>
-      <p:sp>
-        <p:nvSpPr>
-          <p:cNvPr id="3" name="Content Placeholder 2">
-            <a:extLst>
-              <a:ext uri="{FF2B5EF4-FFF2-40B4-BE49-F238E27FC236}">
-                <a16:creationId xmlns:a16="http://schemas.microsoft.com/office/drawing/2014/main" id="{4E2EC6DC-296C-84BC-FE39-DB6DC6B7379B}"/>
-              </a:ext>
-            </a:extLst>
-          </p:cNvPr>
-          <p:cNvSpPr>
-            <a:spLocks noGrp="1"/>
-          </p:cNvSpPr>
-          <p:nvPr>
-            <p:ph sz="half" idx="1"/>
-          </p:nvPr>
-        </p:nvSpPr>
-        <p:spPr>
-          <a:xfrm>
-            <a:off x="838199" y="1825624"/>
-            <a:ext cx="5625123" cy="5032375"/>
-          </a:xfrm>
-        </p:spPr>
-        <p:txBody>
-          <a:bodyPr>
-            <a:normAutofit lnSpcReduction="10000"/>
-          </a:bodyPr>
-          <a:lstStyle/>
-          <a:p>
-            <a:pPr marL="0" indent="0">
-              <a:buNone/>
-            </a:pPr>
-            <a:r>
-              <a:rPr lang="en-GB" b="1" dirty="0"/>
-              <a:t>Definition (</a:t>
-            </a:r>
-            <a:r>
-              <a:rPr lang="en-GB" b="1" dirty="0">
-                <a:solidFill>
-                  <a:srgbClr val="00B050"/>
-                </a:solidFill>
-              </a:rPr>
-              <a:t>history</a:t>
-            </a:r>
-            <a:r>
-              <a:rPr lang="en-GB" b="1" dirty="0"/>
-              <a:t>):</a:t>
-            </a:r>
-          </a:p>
-          <a:p>
-            <a:pPr marL="0" indent="0">
-              <a:buNone/>
-            </a:pPr>
-            <a:r>
-              <a:rPr lang="en-GB" b="1" dirty="0">
-                <a:solidFill>
-                  <a:srgbClr val="00B050"/>
-                </a:solidFill>
-              </a:rPr>
-              <a:t>History</a:t>
-            </a:r>
-            <a:r>
-              <a:rPr lang="en-GB" dirty="0"/>
-              <a:t> refers to the </a:t>
-            </a:r>
-            <a:r>
-              <a:rPr lang="en-GB" b="1" dirty="0"/>
-              <a:t>past observations or values of the time series up to a certain point in time</a:t>
-            </a:r>
-            <a:r>
-              <a:rPr lang="en-GB" dirty="0"/>
-              <a:t>.</a:t>
-            </a:r>
-          </a:p>
-          <a:p>
-            <a:pPr marL="0" indent="0">
-              <a:buNone/>
-            </a:pPr>
-            <a:r>
-              <a:rPr lang="en-GB" dirty="0"/>
-              <a:t>It provides information about the patterns and trends of the data over time, which can be used to make predictions and identify important factors that influence the time series.</a:t>
-            </a:r>
-          </a:p>
-          <a:p>
-            <a:pPr marL="0" indent="0">
-              <a:buNone/>
-            </a:pPr>
-            <a:r>
-              <a:rPr lang="en-GB" dirty="0"/>
-              <a:t>E.g., predicting a stock price, requires to know the history of the stock prices to understand its </a:t>
-            </a:r>
-            <a:r>
-              <a:rPr lang="en-GB" dirty="0" err="1"/>
-              <a:t>behavior</a:t>
-            </a:r>
-            <a:r>
-              <a:rPr lang="en-GB" dirty="0"/>
-              <a:t>.</a:t>
-            </a:r>
-          </a:p>
-          <a:p>
-            <a:pPr marL="0" indent="0">
-              <a:buNone/>
-            </a:pPr>
-            <a:endParaRPr lang="en-SG" dirty="0"/>
-          </a:p>
-        </p:txBody>
-      </p:sp>
-      <p:pic>
-        <p:nvPicPr>
-          <p:cNvPr id="10" name="Picture 9">
-            <a:extLst>
-              <a:ext uri="{FF2B5EF4-FFF2-40B4-BE49-F238E27FC236}">
-                <a16:creationId xmlns:a16="http://schemas.microsoft.com/office/drawing/2014/main" id="{7451DDE0-AAF3-330D-A8B5-94DCD7217016}"/>
-              </a:ext>
-            </a:extLst>
-          </p:cNvPr>
-          <p:cNvPicPr>
-            <a:picLocks noChangeAspect="1"/>
-          </p:cNvPicPr>
-          <p:nvPr/>
-        </p:nvPicPr>
-        <p:blipFill>
-          <a:blip r:embed="rId2"/>
-          <a:stretch>
-            <a:fillRect/>
-          </a:stretch>
-        </p:blipFill>
-        <p:spPr>
-          <a:xfrm>
-            <a:off x="6675399" y="2454031"/>
-            <a:ext cx="5436999" cy="3501292"/>
-          </a:xfrm>
-          <a:prstGeom prst="rect">
-            <a:avLst/>
-          </a:prstGeom>
-        </p:spPr>
-      </p:pic>
-    </p:spTree>
-    <p:extLst>
-      <p:ext uri="{BB962C8B-B14F-4D97-AF65-F5344CB8AC3E}">
-        <p14:creationId xmlns:p14="http://schemas.microsoft.com/office/powerpoint/2010/main" val="1870305378"/>
-      </p:ext>
-    </p:extLst>
-  </p:cSld>
-  <p:clrMapOvr>
-    <a:masterClrMapping/>
-  </p:clrMapOvr>
-</p:sld>
-</file>
-
 <file path=ppt/slides/slide2.xml><?xml version="1.0" encoding="utf-8"?>
 <p:sld xmlns:a="http://schemas.openxmlformats.org/drawingml/2006/main" xmlns:r="http://schemas.openxmlformats.org/officeDocument/2006/relationships" xmlns:p="http://schemas.openxmlformats.org/presentationml/2006/main">
   <p:cSld>
@@ -14855,6 +15671,194 @@
           </a:p>
         </p:txBody>
       </p:sp>
+      <p:sp>
+        <p:nvSpPr>
+          <p:cNvPr id="3" name="Content Placeholder 2">
+            <a:extLst>
+              <a:ext uri="{FF2B5EF4-FFF2-40B4-BE49-F238E27FC236}">
+                <a16:creationId xmlns:a16="http://schemas.microsoft.com/office/drawing/2014/main" id="{4E2EC6DC-296C-84BC-FE39-DB6DC6B7379B}"/>
+              </a:ext>
+            </a:extLst>
+          </p:cNvPr>
+          <p:cNvSpPr>
+            <a:spLocks noGrp="1"/>
+          </p:cNvSpPr>
+          <p:nvPr>
+            <p:ph sz="half" idx="1"/>
+          </p:nvPr>
+        </p:nvSpPr>
+        <p:spPr>
+          <a:xfrm>
+            <a:off x="838199" y="1825624"/>
+            <a:ext cx="5625123" cy="5032375"/>
+          </a:xfrm>
+        </p:spPr>
+        <p:txBody>
+          <a:bodyPr>
+            <a:normAutofit lnSpcReduction="10000"/>
+          </a:bodyPr>
+          <a:lstStyle/>
+          <a:p>
+            <a:pPr marL="0" indent="0">
+              <a:buNone/>
+            </a:pPr>
+            <a:r>
+              <a:rPr lang="en-GB" b="1" dirty="0"/>
+              <a:t>Definition (</a:t>
+            </a:r>
+            <a:r>
+              <a:rPr lang="en-GB" b="1" dirty="0">
+                <a:solidFill>
+                  <a:srgbClr val="00B050"/>
+                </a:solidFill>
+              </a:rPr>
+              <a:t>history</a:t>
+            </a:r>
+            <a:r>
+              <a:rPr lang="en-GB" b="1" dirty="0"/>
+              <a:t>):</a:t>
+            </a:r>
+          </a:p>
+          <a:p>
+            <a:pPr marL="0" indent="0">
+              <a:buNone/>
+            </a:pPr>
+            <a:r>
+              <a:rPr lang="en-GB" b="1" dirty="0">
+                <a:solidFill>
+                  <a:srgbClr val="00B050"/>
+                </a:solidFill>
+              </a:rPr>
+              <a:t>History</a:t>
+            </a:r>
+            <a:r>
+              <a:rPr lang="en-GB" dirty="0"/>
+              <a:t> refers to the </a:t>
+            </a:r>
+            <a:r>
+              <a:rPr lang="en-GB" b="1" dirty="0"/>
+              <a:t>past observations or values of the time series up to a certain point in time</a:t>
+            </a:r>
+            <a:r>
+              <a:rPr lang="en-GB" dirty="0"/>
+              <a:t>.</a:t>
+            </a:r>
+          </a:p>
+          <a:p>
+            <a:pPr marL="0" indent="0">
+              <a:buNone/>
+            </a:pPr>
+            <a:r>
+              <a:rPr lang="en-GB" dirty="0"/>
+              <a:t>It provides information about the patterns and trends of the data over time, which can be used to make predictions and identify important factors that influence the time series.</a:t>
+            </a:r>
+          </a:p>
+          <a:p>
+            <a:pPr marL="0" indent="0">
+              <a:buNone/>
+            </a:pPr>
+            <a:r>
+              <a:rPr lang="en-GB" dirty="0"/>
+              <a:t>E.g., predicting a stock price, requires to know the history of the stock prices to understand its behaviour.</a:t>
+            </a:r>
+          </a:p>
+          <a:p>
+            <a:pPr marL="0" indent="0">
+              <a:buNone/>
+            </a:pPr>
+            <a:endParaRPr lang="en-SG" dirty="0"/>
+          </a:p>
+        </p:txBody>
+      </p:sp>
+      <p:pic>
+        <p:nvPicPr>
+          <p:cNvPr id="10" name="Picture 9">
+            <a:extLst>
+              <a:ext uri="{FF2B5EF4-FFF2-40B4-BE49-F238E27FC236}">
+                <a16:creationId xmlns:a16="http://schemas.microsoft.com/office/drawing/2014/main" id="{7451DDE0-AAF3-330D-A8B5-94DCD7217016}"/>
+              </a:ext>
+            </a:extLst>
+          </p:cNvPr>
+          <p:cNvPicPr>
+            <a:picLocks noChangeAspect="1"/>
+          </p:cNvPicPr>
+          <p:nvPr/>
+        </p:nvPicPr>
+        <p:blipFill>
+          <a:blip r:embed="rId2"/>
+          <a:stretch>
+            <a:fillRect/>
+          </a:stretch>
+        </p:blipFill>
+        <p:spPr>
+          <a:xfrm>
+            <a:off x="6675399" y="2454031"/>
+            <a:ext cx="5436999" cy="3501292"/>
+          </a:xfrm>
+          <a:prstGeom prst="rect">
+            <a:avLst/>
+          </a:prstGeom>
+        </p:spPr>
+      </p:pic>
+    </p:spTree>
+    <p:extLst>
+      <p:ext uri="{BB962C8B-B14F-4D97-AF65-F5344CB8AC3E}">
+        <p14:creationId xmlns:p14="http://schemas.microsoft.com/office/powerpoint/2010/main" val="1870305378"/>
+      </p:ext>
+    </p:extLst>
+  </p:cSld>
+  <p:clrMapOvr>
+    <a:masterClrMapping/>
+  </p:clrMapOvr>
+</p:sld>
+</file>
+
+<file path=ppt/slides/slide21.xml><?xml version="1.0" encoding="utf-8"?>
+<p:sld xmlns:a="http://schemas.openxmlformats.org/drawingml/2006/main" xmlns:r="http://schemas.openxmlformats.org/officeDocument/2006/relationships" xmlns:p="http://schemas.openxmlformats.org/presentationml/2006/main">
+  <p:cSld>
+    <p:spTree>
+      <p:nvGrpSpPr>
+        <p:cNvPr id="1" name=""/>
+        <p:cNvGrpSpPr/>
+        <p:nvPr/>
+      </p:nvGrpSpPr>
+      <p:grpSpPr>
+        <a:xfrm>
+          <a:off x="0" y="0"/>
+          <a:ext cx="0" cy="0"/>
+          <a:chOff x="0" y="0"/>
+          <a:chExt cx="0" cy="0"/>
+        </a:xfrm>
+      </p:grpSpPr>
+      <p:sp>
+        <p:nvSpPr>
+          <p:cNvPr id="2" name="Title 1">
+            <a:extLst>
+              <a:ext uri="{FF2B5EF4-FFF2-40B4-BE49-F238E27FC236}">
+                <a16:creationId xmlns:a16="http://schemas.microsoft.com/office/drawing/2014/main" id="{9774CF04-37F8-59A5-D891-341292A57549}"/>
+              </a:ext>
+            </a:extLst>
+          </p:cNvPr>
+          <p:cNvSpPr>
+            <a:spLocks noGrp="1"/>
+          </p:cNvSpPr>
+          <p:nvPr>
+            <p:ph type="title"/>
+          </p:nvPr>
+        </p:nvSpPr>
+        <p:spPr/>
+        <p:txBody>
+          <a:bodyPr/>
+          <a:lstStyle/>
+          <a:p>
+            <a:r>
+              <a:rPr lang="en-GB" dirty="0"/>
+              <a:t>A visual example for the need of “direction”</a:t>
+            </a:r>
+            <a:endParaRPr lang="en-SG" dirty="0"/>
+          </a:p>
+        </p:txBody>
+      </p:sp>
       <mc:AlternateContent xmlns:mc="http://schemas.openxmlformats.org/markup-compatibility/2006" xmlns:a14="http://schemas.microsoft.com/office/drawing/2010/main">
         <mc:Choice Requires="a14">
           <p:sp>
@@ -15161,7 +16165,7 @@
 </p:sld>
 </file>
 
-<file path=ppt/slides/slide21.xml><?xml version="1.0" encoding="utf-8"?>
+<file path=ppt/slides/slide22.xml><?xml version="1.0" encoding="utf-8"?>
 <p:sld xmlns:a="http://schemas.openxmlformats.org/drawingml/2006/main" xmlns:r="http://schemas.openxmlformats.org/officeDocument/2006/relationships" xmlns:p="http://schemas.openxmlformats.org/presentationml/2006/main">
   <p:cSld>
     <p:spTree>
@@ -15373,7 +16377,7 @@
 </p:sld>
 </file>
 
-<file path=ppt/slides/slide22.xml><?xml version="1.0" encoding="utf-8"?>
+<file path=ppt/slides/slide23.xml><?xml version="1.0" encoding="utf-8"?>
 <p:sld xmlns:a="http://schemas.openxmlformats.org/drawingml/2006/main" xmlns:r="http://schemas.openxmlformats.org/officeDocument/2006/relationships" xmlns:p="http://schemas.openxmlformats.org/presentationml/2006/main">
   <p:cSld>
     <p:spTree>
@@ -15802,7 +16806,7 @@
 </p:sld>
 </file>
 
-<file path=ppt/slides/slide23.xml><?xml version="1.0" encoding="utf-8"?>
+<file path=ppt/slides/slide24.xml><?xml version="1.0" encoding="utf-8"?>
 <p:sld xmlns:a="http://schemas.openxmlformats.org/drawingml/2006/main" xmlns:r="http://schemas.openxmlformats.org/officeDocument/2006/relationships" xmlns:p="http://schemas.openxmlformats.org/presentationml/2006/main">
   <p:cSld>
     <p:spTree>
@@ -15921,7 +16925,7 @@
 </p:sld>
 </file>
 
-<file path=ppt/slides/slide24.xml><?xml version="1.0" encoding="utf-8"?>
+<file path=ppt/slides/slide25.xml><?xml version="1.0" encoding="utf-8"?>
 <p:sld xmlns:a="http://schemas.openxmlformats.org/drawingml/2006/main" xmlns:r="http://schemas.openxmlformats.org/officeDocument/2006/relationships" xmlns:p="http://schemas.openxmlformats.org/presentationml/2006/main">
   <p:cSld>
     <p:spTree>
@@ -16380,7 +17384,7 @@
 </p:sld>
 </file>
 
-<file path=ppt/slides/slide25.xml><?xml version="1.0" encoding="utf-8"?>
+<file path=ppt/slides/slide26.xml><?xml version="1.0" encoding="utf-8"?>
 <p:sld xmlns:a="http://schemas.openxmlformats.org/drawingml/2006/main" xmlns:r="http://schemas.openxmlformats.org/officeDocument/2006/relationships" xmlns:p="http://schemas.openxmlformats.org/presentationml/2006/main">
   <p:cSld>
     <p:spTree>
@@ -16426,8 +17430,8 @@
           </a:p>
         </p:txBody>
       </p:sp>
-      <mc:AlternateContent xmlns:mc="http://schemas.openxmlformats.org/markup-compatibility/2006" xmlns:a14="http://schemas.microsoft.com/office/drawing/2010/main">
-        <mc:Choice Requires="a14">
+      <mc:AlternateContent xmlns:mc="http://schemas.openxmlformats.org/markup-compatibility/2006">
+        <mc:Choice xmlns:a14="http://schemas.microsoft.com/office/drawing/2010/main" Requires="a14">
           <p:sp>
             <p:nvSpPr>
               <p:cNvPr id="8" name="Content Placeholder 7">
@@ -16461,7 +17465,7 @@
                 </a:pPr>
                 <a:r>
                   <a:rPr lang="en-GB" dirty="0"/>
-                  <a:t>This time the predictor works, as we obtain the correct prediction values.</a:t>
+                  <a:t>This time the predictor works, as we obtain the good prediction values.</a:t>
                 </a:r>
               </a:p>
               <a:p>
@@ -16841,7 +17845,7 @@
             </p:txBody>
           </p:sp>
         </mc:Choice>
-        <mc:Fallback xmlns="">
+        <mc:Fallback>
           <p:sp>
             <p:nvSpPr>
               <p:cNvPr id="8" name="Content Placeholder 7">
@@ -16928,7 +17932,7 @@
 </p:sld>
 </file>
 
-<file path=ppt/slides/slide26.xml><?xml version="1.0" encoding="utf-8"?>
+<file path=ppt/slides/slide27.xml><?xml version="1.0" encoding="utf-8"?>
 <p:sld xmlns:a="http://schemas.openxmlformats.org/drawingml/2006/main" xmlns:r="http://schemas.openxmlformats.org/officeDocument/2006/relationships" xmlns:p="http://schemas.openxmlformats.org/presentationml/2006/main">
   <p:cSld>
     <p:spTree>
@@ -17449,7 +18453,7 @@
 </p:sld>
 </file>
 
-<file path=ppt/slides/slide27.xml><?xml version="1.0" encoding="utf-8"?>
+<file path=ppt/slides/slide28.xml><?xml version="1.0" encoding="utf-8"?>
 <p:sld xmlns:a="http://schemas.openxmlformats.org/drawingml/2006/main" xmlns:r="http://schemas.openxmlformats.org/officeDocument/2006/relationships" xmlns:p="http://schemas.openxmlformats.org/presentationml/2006/main">
   <p:cSld>
     <p:spTree>
@@ -18176,159 +19180,6 @@
     <p:extLst>
       <p:ext uri="{BB962C8B-B14F-4D97-AF65-F5344CB8AC3E}">
         <p14:creationId xmlns:p14="http://schemas.microsoft.com/office/powerpoint/2010/main" val="2755235485"/>
-      </p:ext>
-    </p:extLst>
-  </p:cSld>
-  <p:clrMapOvr>
-    <a:masterClrMapping/>
-  </p:clrMapOvr>
-</p:sld>
-</file>
-
-<file path=ppt/slides/slide28.xml><?xml version="1.0" encoding="utf-8"?>
-<p:sld xmlns:a="http://schemas.openxmlformats.org/drawingml/2006/main" xmlns:r="http://schemas.openxmlformats.org/officeDocument/2006/relationships" xmlns:p="http://schemas.openxmlformats.org/presentationml/2006/main">
-  <p:cSld>
-    <p:spTree>
-      <p:nvGrpSpPr>
-        <p:cNvPr id="1" name=""/>
-        <p:cNvGrpSpPr/>
-        <p:nvPr/>
-      </p:nvGrpSpPr>
-      <p:grpSpPr>
-        <a:xfrm>
-          <a:off x="0" y="0"/>
-          <a:ext cx="0" cy="0"/>
-          <a:chOff x="0" y="0"/>
-          <a:chExt cx="0" cy="0"/>
-        </a:xfrm>
-      </p:grpSpPr>
-      <p:sp>
-        <p:nvSpPr>
-          <p:cNvPr id="2" name="Title 1">
-            <a:extLst>
-              <a:ext uri="{FF2B5EF4-FFF2-40B4-BE49-F238E27FC236}">
-                <a16:creationId xmlns:a16="http://schemas.microsoft.com/office/drawing/2014/main" id="{53C1FADA-A607-AC57-2747-033B87B9B376}"/>
-              </a:ext>
-            </a:extLst>
-          </p:cNvPr>
-          <p:cNvSpPr>
-            <a:spLocks noGrp="1"/>
-          </p:cNvSpPr>
-          <p:nvPr>
-            <p:ph type="title"/>
-          </p:nvPr>
-        </p:nvSpPr>
-        <p:spPr/>
-        <p:txBody>
-          <a:bodyPr/>
-          <a:lstStyle/>
-          <a:p>
-            <a:r>
-              <a:rPr lang="en-GB" dirty="0"/>
-              <a:t>The problem of varying length</a:t>
-            </a:r>
-            <a:endParaRPr lang="en-SG" dirty="0"/>
-          </a:p>
-        </p:txBody>
-      </p:sp>
-      <p:sp>
-        <p:nvSpPr>
-          <p:cNvPr id="3" name="Content Placeholder 2">
-            <a:extLst>
-              <a:ext uri="{FF2B5EF4-FFF2-40B4-BE49-F238E27FC236}">
-                <a16:creationId xmlns:a16="http://schemas.microsoft.com/office/drawing/2014/main" id="{8EBF6E0C-044D-8EFD-D82D-C462D1332AE5}"/>
-              </a:ext>
-            </a:extLst>
-          </p:cNvPr>
-          <p:cNvSpPr>
-            <a:spLocks noGrp="1"/>
-          </p:cNvSpPr>
-          <p:nvPr>
-            <p:ph idx="1"/>
-          </p:nvPr>
-        </p:nvSpPr>
-        <p:spPr>
-          <a:xfrm>
-            <a:off x="838200" y="1825624"/>
-            <a:ext cx="10515600" cy="5032375"/>
-          </a:xfrm>
-        </p:spPr>
-        <p:txBody>
-          <a:bodyPr>
-            <a:normAutofit/>
-          </a:bodyPr>
-          <a:lstStyle/>
-          <a:p>
-            <a:pPr marL="0" indent="0">
-              <a:buNone/>
-            </a:pPr>
-            <a:r>
-              <a:rPr lang="en-GB" b="1" dirty="0"/>
-              <a:t>Problem: </a:t>
-            </a:r>
-            <a:r>
-              <a:rPr lang="en-GB" dirty="0"/>
-              <a:t>Variable history length cannot work with our current neural network because </a:t>
-            </a:r>
-            <a:r>
-              <a:rPr lang="en-GB" b="1" dirty="0"/>
-              <a:t>it</a:t>
-            </a:r>
-            <a:r>
-              <a:rPr lang="en-GB" dirty="0"/>
-              <a:t> </a:t>
-            </a:r>
-            <a:r>
-              <a:rPr lang="en-GB" b="1" dirty="0"/>
-              <a:t>requires fixed-length input sequences</a:t>
-            </a:r>
-            <a:r>
-              <a:rPr lang="en-GB" dirty="0"/>
-              <a:t>.</a:t>
-            </a:r>
-          </a:p>
-          <a:p>
-            <a:pPr marL="0" indent="0">
-              <a:buNone/>
-            </a:pPr>
-            <a:endParaRPr lang="en-SG" dirty="0"/>
-          </a:p>
-        </p:txBody>
-      </p:sp>
-      <p:pic>
-        <p:nvPicPr>
-          <p:cNvPr id="5" name="Picture 4">
-            <a:extLst>
-              <a:ext uri="{FF2B5EF4-FFF2-40B4-BE49-F238E27FC236}">
-                <a16:creationId xmlns:a16="http://schemas.microsoft.com/office/drawing/2014/main" id="{FF2FBCA8-55AF-AA7F-47FF-79896BF4CD39}"/>
-              </a:ext>
-            </a:extLst>
-          </p:cNvPr>
-          <p:cNvPicPr>
-            <a:picLocks noChangeAspect="1"/>
-          </p:cNvPicPr>
-          <p:nvPr/>
-        </p:nvPicPr>
-        <p:blipFill>
-          <a:blip r:embed="rId2"/>
-          <a:stretch>
-            <a:fillRect/>
-          </a:stretch>
-        </p:blipFill>
-        <p:spPr>
-          <a:xfrm>
-            <a:off x="1966336" y="2944604"/>
-            <a:ext cx="8259328" cy="3629532"/>
-          </a:xfrm>
-          <a:prstGeom prst="rect">
-            <a:avLst/>
-          </a:prstGeom>
-        </p:spPr>
-      </p:pic>
-    </p:spTree>
-    <p:extLst>
-      <p:ext uri="{BB962C8B-B14F-4D97-AF65-F5344CB8AC3E}">
-        <p14:creationId xmlns:p14="http://schemas.microsoft.com/office/powerpoint/2010/main" val="3821622736"/>
       </p:ext>
     </p:extLst>
   </p:cSld>
@@ -18384,465 +19235,104 @@
           </a:p>
         </p:txBody>
       </p:sp>
-      <mc:AlternateContent xmlns:mc="http://schemas.openxmlformats.org/markup-compatibility/2006" xmlns:a14="http://schemas.microsoft.com/office/drawing/2010/main">
-        <mc:Choice Requires="a14">
-          <p:sp>
-            <p:nvSpPr>
-              <p:cNvPr id="3" name="Content Placeholder 2">
-                <a:extLst>
-                  <a:ext uri="{FF2B5EF4-FFF2-40B4-BE49-F238E27FC236}">
-                    <a16:creationId xmlns:a16="http://schemas.microsoft.com/office/drawing/2014/main" id="{8EBF6E0C-044D-8EFD-D82D-C462D1332AE5}"/>
-                  </a:ext>
-                </a:extLst>
-              </p:cNvPr>
-              <p:cNvSpPr>
-                <a:spLocks noGrp="1"/>
-              </p:cNvSpPr>
-              <p:nvPr>
-                <p:ph idx="1"/>
-              </p:nvPr>
-            </p:nvSpPr>
-            <p:spPr>
-              <a:xfrm>
-                <a:off x="838200" y="1825624"/>
-                <a:ext cx="10515600" cy="5032375"/>
-              </a:xfrm>
-            </p:spPr>
-            <p:txBody>
-              <a:bodyPr>
-                <a:normAutofit/>
-              </a:bodyPr>
-              <a:lstStyle/>
-              <a:p>
-                <a:pPr marL="0" indent="0">
-                  <a:buNone/>
-                </a:pPr>
-                <a:r>
-                  <a:rPr lang="en-GB" b="1" dirty="0"/>
-                  <a:t>Problem: </a:t>
-                </a:r>
-                <a:r>
-                  <a:rPr lang="en-GB" dirty="0"/>
-                  <a:t>Variable history length cannot work with our current neural network because </a:t>
-                </a:r>
-                <a:r>
-                  <a:rPr lang="en-GB" b="1" dirty="0"/>
-                  <a:t>it</a:t>
-                </a:r>
-                <a:r>
-                  <a:rPr lang="en-GB" dirty="0"/>
-                  <a:t> </a:t>
-                </a:r>
-                <a:r>
-                  <a:rPr lang="en-GB" b="1" dirty="0"/>
-                  <a:t>requires fixed-length input sequences</a:t>
-                </a:r>
-                <a:r>
-                  <a:rPr lang="en-GB" dirty="0"/>
-                  <a:t>.</a:t>
-                </a:r>
-              </a:p>
-              <a:p>
-                <a:pPr marL="0" indent="0">
-                  <a:buNone/>
-                </a:pPr>
-                <a:r>
-                  <a:rPr lang="en-GB" b="1" dirty="0"/>
-                  <a:t>A quick fix would be to assume a fixed length </a:t>
-                </a:r>
-                <a14:m>
-                  <m:oMath xmlns:m="http://schemas.openxmlformats.org/officeDocument/2006/math">
-                    <m:r>
-                      <a:rPr lang="en-GB" b="1" i="1" dirty="0" smtClean="0">
-                        <a:latin typeface="Cambria Math" panose="02040503050406030204" pitchFamily="18" charset="0"/>
-                      </a:rPr>
-                      <m:t>𝒍</m:t>
-                    </m:r>
-                  </m:oMath>
-                </a14:m>
-                <a:r>
-                  <a:rPr lang="en-GB" b="1" dirty="0"/>
-                  <a:t> for the history vector </a:t>
-                </a:r>
-                <a14:m>
-                  <m:oMath xmlns:m="http://schemas.openxmlformats.org/officeDocument/2006/math">
-                    <m:sSub>
-                      <m:sSubPr>
-                        <m:ctrlPr>
-                          <a:rPr lang="en-GB" b="1" i="1" dirty="0" smtClean="0">
-                            <a:latin typeface="Cambria Math" panose="02040503050406030204" pitchFamily="18" charset="0"/>
-                          </a:rPr>
-                        </m:ctrlPr>
-                      </m:sSubPr>
-                      <m:e>
-                        <m:r>
-                          <a:rPr lang="en-GB" b="1" i="1" dirty="0" smtClean="0">
-                            <a:latin typeface="Cambria Math" panose="02040503050406030204" pitchFamily="18" charset="0"/>
-                          </a:rPr>
-                          <m:t>𝒉</m:t>
-                        </m:r>
-                      </m:e>
-                      <m:sub>
-                        <m:r>
-                          <a:rPr lang="en-GB" b="1" i="1" dirty="0" smtClean="0">
-                            <a:latin typeface="Cambria Math" panose="02040503050406030204" pitchFamily="18" charset="0"/>
-                          </a:rPr>
-                          <m:t>𝒕</m:t>
-                        </m:r>
-                      </m:sub>
-                    </m:sSub>
-                    <m:r>
-                      <a:rPr lang="en-GB" b="1" i="1" dirty="0">
-                        <a:latin typeface="Cambria Math" panose="02040503050406030204" pitchFamily="18" charset="0"/>
-                      </a:rPr>
-                      <m:t> </m:t>
-                    </m:r>
-                  </m:oMath>
-                </a14:m>
-                <a:r>
-                  <a:rPr lang="en-GB" b="1" dirty="0"/>
-                  <a:t>to be used at all times:</a:t>
-                </a:r>
-              </a:p>
-              <a:p>
-                <a:r>
-                  <a:rPr lang="en-GB" dirty="0"/>
-                  <a:t>We could </a:t>
-                </a:r>
-                <a:r>
-                  <a:rPr lang="en-GB" b="1" dirty="0"/>
-                  <a:t>truncate</a:t>
-                </a:r>
-                <a:r>
-                  <a:rPr lang="en-GB" dirty="0"/>
-                  <a:t> the history vectors that have a length greater than </a:t>
-                </a:r>
-                <a14:m>
-                  <m:oMath xmlns:m="http://schemas.openxmlformats.org/officeDocument/2006/math">
-                    <m:r>
-                      <a:rPr lang="en-GB" i="1" dirty="0" smtClean="0">
-                        <a:latin typeface="Cambria Math" panose="02040503050406030204" pitchFamily="18" charset="0"/>
-                      </a:rPr>
-                      <m:t>𝑙</m:t>
-                    </m:r>
-                  </m:oMath>
-                </a14:m>
-                <a:r>
-                  <a:rPr lang="en-GB" dirty="0"/>
-                  <a:t>, keeping the last elements only, i.e. </a:t>
-                </a:r>
-                <a14:m>
-                  <m:oMath xmlns:m="http://schemas.openxmlformats.org/officeDocument/2006/math">
-                    <m:sSub>
-                      <m:sSubPr>
-                        <m:ctrlPr>
-                          <a:rPr lang="en-GB" b="0" i="1" smtClean="0">
-                            <a:latin typeface="Cambria Math" panose="02040503050406030204" pitchFamily="18" charset="0"/>
-                          </a:rPr>
-                        </m:ctrlPr>
-                      </m:sSubPr>
-                      <m:e>
-                        <m:r>
-                          <a:rPr lang="en-GB" b="0" i="1" smtClean="0">
-                            <a:latin typeface="Cambria Math" panose="02040503050406030204" pitchFamily="18" charset="0"/>
-                          </a:rPr>
-                          <m:t>h</m:t>
-                        </m:r>
-                      </m:e>
-                      <m:sub>
-                        <m:r>
-                          <a:rPr lang="en-GB" b="0" i="1" smtClean="0">
-                            <a:latin typeface="Cambria Math" panose="02040503050406030204" pitchFamily="18" charset="0"/>
-                          </a:rPr>
-                          <m:t>𝑡</m:t>
-                        </m:r>
-                      </m:sub>
-                    </m:sSub>
-                    <m:r>
-                      <a:rPr lang="en-GB" b="0" i="1" smtClean="0">
-                        <a:latin typeface="Cambria Math" panose="02040503050406030204" pitchFamily="18" charset="0"/>
-                      </a:rPr>
-                      <m:t>=(</m:t>
-                    </m:r>
-                    <m:sSub>
-                      <m:sSubPr>
-                        <m:ctrlPr>
-                          <a:rPr lang="en-GB" b="0" i="1" smtClean="0">
-                            <a:latin typeface="Cambria Math" panose="02040503050406030204" pitchFamily="18" charset="0"/>
-                          </a:rPr>
-                        </m:ctrlPr>
-                      </m:sSubPr>
-                      <m:e>
-                        <m:r>
-                          <a:rPr lang="en-GB" b="0" i="1" smtClean="0">
-                            <a:latin typeface="Cambria Math" panose="02040503050406030204" pitchFamily="18" charset="0"/>
-                          </a:rPr>
-                          <m:t>𝑥</m:t>
-                        </m:r>
-                      </m:e>
-                      <m:sub>
-                        <m:r>
-                          <a:rPr lang="en-GB" b="0" i="1" smtClean="0">
-                            <a:latin typeface="Cambria Math" panose="02040503050406030204" pitchFamily="18" charset="0"/>
-                          </a:rPr>
-                          <m:t>𝑡</m:t>
-                        </m:r>
-                        <m:r>
-                          <a:rPr lang="en-GB" b="0" i="1" smtClean="0">
-                            <a:latin typeface="Cambria Math" panose="02040503050406030204" pitchFamily="18" charset="0"/>
-                          </a:rPr>
-                          <m:t>−</m:t>
-                        </m:r>
-                        <m:r>
-                          <a:rPr lang="en-GB" b="0" i="1" smtClean="0">
-                            <a:latin typeface="Cambria Math" panose="02040503050406030204" pitchFamily="18" charset="0"/>
-                          </a:rPr>
-                          <m:t>𝑙</m:t>
-                        </m:r>
-                      </m:sub>
-                    </m:sSub>
-                    <m:r>
-                      <a:rPr lang="en-GB" b="0" i="1" smtClean="0">
-                        <a:latin typeface="Cambria Math" panose="02040503050406030204" pitchFamily="18" charset="0"/>
-                      </a:rPr>
-                      <m:t>,…,</m:t>
-                    </m:r>
-                    <m:sSub>
-                      <m:sSubPr>
-                        <m:ctrlPr>
-                          <a:rPr lang="en-GB" b="0" i="1" smtClean="0">
-                            <a:latin typeface="Cambria Math" panose="02040503050406030204" pitchFamily="18" charset="0"/>
-                          </a:rPr>
-                        </m:ctrlPr>
-                      </m:sSubPr>
-                      <m:e>
-                        <m:r>
-                          <a:rPr lang="en-GB" b="0" i="1" smtClean="0">
-                            <a:latin typeface="Cambria Math" panose="02040503050406030204" pitchFamily="18" charset="0"/>
-                          </a:rPr>
-                          <m:t>𝑥</m:t>
-                        </m:r>
-                      </m:e>
-                      <m:sub>
-                        <m:r>
-                          <a:rPr lang="en-GB" b="0" i="1" smtClean="0">
-                            <a:latin typeface="Cambria Math" panose="02040503050406030204" pitchFamily="18" charset="0"/>
-                          </a:rPr>
-                          <m:t>𝑡</m:t>
-                        </m:r>
-                        <m:r>
-                          <a:rPr lang="en-GB" b="0" i="1" smtClean="0">
-                            <a:latin typeface="Cambria Math" panose="02040503050406030204" pitchFamily="18" charset="0"/>
-                          </a:rPr>
-                          <m:t>−1</m:t>
-                        </m:r>
-                      </m:sub>
-                    </m:sSub>
-                    <m:r>
-                      <a:rPr lang="en-GB" b="0" i="1" smtClean="0">
-                        <a:latin typeface="Cambria Math" panose="02040503050406030204" pitchFamily="18" charset="0"/>
-                      </a:rPr>
-                      <m:t>)</m:t>
-                    </m:r>
-                  </m:oMath>
-                </a14:m>
-                <a:r>
-                  <a:rPr lang="en-GB" dirty="0"/>
-                  <a:t>.</a:t>
-                </a:r>
-              </a:p>
-              <a:p>
-                <a:r>
-                  <a:rPr lang="en-GB" dirty="0"/>
-                  <a:t>If too short, we could use </a:t>
-                </a:r>
-                <a:r>
-                  <a:rPr lang="en-GB" b="1" dirty="0"/>
-                  <a:t>padding</a:t>
-                </a:r>
-                <a:r>
-                  <a:rPr lang="en-GB" dirty="0"/>
-                  <a:t> for the history vectors that have a lower length than </a:t>
-                </a:r>
-                <a14:m>
-                  <m:oMath xmlns:m="http://schemas.openxmlformats.org/officeDocument/2006/math">
-                    <m:r>
-                      <a:rPr lang="en-GB" i="1" dirty="0" smtClean="0">
-                        <a:latin typeface="Cambria Math" panose="02040503050406030204" pitchFamily="18" charset="0"/>
-                      </a:rPr>
-                      <m:t>𝑙</m:t>
-                    </m:r>
-                  </m:oMath>
-                </a14:m>
-                <a:r>
-                  <a:rPr lang="en-GB" dirty="0"/>
-                  <a:t>, adding zeros to artificially increase their length. For instance, after padding, we could have </a:t>
-                </a:r>
-                <a14:m>
-                  <m:oMath xmlns:m="http://schemas.openxmlformats.org/officeDocument/2006/math">
-                    <m:sSub>
-                      <m:sSubPr>
-                        <m:ctrlPr>
-                          <a:rPr lang="en-GB" i="1">
-                            <a:latin typeface="Cambria Math" panose="02040503050406030204" pitchFamily="18" charset="0"/>
-                          </a:rPr>
-                        </m:ctrlPr>
-                      </m:sSubPr>
-                      <m:e>
-                        <m:r>
-                          <a:rPr lang="en-GB" i="1">
-                            <a:latin typeface="Cambria Math" panose="02040503050406030204" pitchFamily="18" charset="0"/>
-                          </a:rPr>
-                          <m:t>h</m:t>
-                        </m:r>
-                      </m:e>
-                      <m:sub>
-                        <m:r>
-                          <a:rPr lang="en-GB" i="1">
-                            <a:latin typeface="Cambria Math" panose="02040503050406030204" pitchFamily="18" charset="0"/>
-                          </a:rPr>
-                          <m:t>3</m:t>
-                        </m:r>
-                      </m:sub>
-                    </m:sSub>
-                    <m:r>
-                      <a:rPr lang="en-GB">
-                        <a:latin typeface="Cambria Math" panose="02040503050406030204" pitchFamily="18" charset="0"/>
-                      </a:rPr>
-                      <m:t>=</m:t>
-                    </m:r>
-                    <m:r>
-                      <a:rPr lang="en-GB" i="1">
-                        <a:latin typeface="Cambria Math" panose="02040503050406030204" pitchFamily="18" charset="0"/>
-                      </a:rPr>
-                      <m:t>(</m:t>
-                    </m:r>
-                    <m:r>
-                      <a:rPr lang="en-GB" b="0" i="1" smtClean="0">
-                        <a:latin typeface="Cambria Math" panose="02040503050406030204" pitchFamily="18" charset="0"/>
-                      </a:rPr>
-                      <m:t>0, …, 0, </m:t>
-                    </m:r>
-                    <m:sSub>
-                      <m:sSubPr>
-                        <m:ctrlPr>
-                          <a:rPr lang="en-GB" i="1">
-                            <a:latin typeface="Cambria Math" panose="02040503050406030204" pitchFamily="18" charset="0"/>
-                          </a:rPr>
-                        </m:ctrlPr>
-                      </m:sSubPr>
-                      <m:e>
-                        <m:r>
-                          <a:rPr lang="en-GB" i="1">
-                            <a:latin typeface="Cambria Math" panose="02040503050406030204" pitchFamily="18" charset="0"/>
-                          </a:rPr>
-                          <m:t>𝑥</m:t>
-                        </m:r>
-                      </m:e>
-                      <m:sub>
-                        <m:r>
-                          <a:rPr lang="en-GB" i="1">
-                            <a:latin typeface="Cambria Math" panose="02040503050406030204" pitchFamily="18" charset="0"/>
-                          </a:rPr>
-                          <m:t>1</m:t>
-                        </m:r>
-                      </m:sub>
-                    </m:sSub>
-                    <m:r>
-                      <a:rPr lang="en-GB" i="1">
-                        <a:latin typeface="Cambria Math" panose="02040503050406030204" pitchFamily="18" charset="0"/>
-                      </a:rPr>
-                      <m:t>, </m:t>
-                    </m:r>
-                    <m:sSub>
-                      <m:sSubPr>
-                        <m:ctrlPr>
-                          <a:rPr lang="en-GB" i="1">
-                            <a:latin typeface="Cambria Math" panose="02040503050406030204" pitchFamily="18" charset="0"/>
-                          </a:rPr>
-                        </m:ctrlPr>
-                      </m:sSubPr>
-                      <m:e>
-                        <m:r>
-                          <a:rPr lang="en-GB" i="1">
-                            <a:latin typeface="Cambria Math" panose="02040503050406030204" pitchFamily="18" charset="0"/>
-                          </a:rPr>
-                          <m:t>𝑥</m:t>
-                        </m:r>
-                      </m:e>
-                      <m:sub>
-                        <m:r>
-                          <a:rPr lang="en-GB" i="1">
-                            <a:latin typeface="Cambria Math" panose="02040503050406030204" pitchFamily="18" charset="0"/>
-                          </a:rPr>
-                          <m:t>2</m:t>
-                        </m:r>
-                      </m:sub>
-                    </m:sSub>
-                    <m:r>
-                      <a:rPr lang="en-GB" i="1">
-                        <a:latin typeface="Cambria Math" panose="02040503050406030204" pitchFamily="18" charset="0"/>
-                      </a:rPr>
-                      <m:t>)</m:t>
-                    </m:r>
-                  </m:oMath>
-                </a14:m>
-                <a:r>
-                  <a:rPr lang="en-GB" dirty="0"/>
-                  <a:t>.</a:t>
-                </a:r>
-              </a:p>
-            </p:txBody>
-          </p:sp>
-        </mc:Choice>
-        <mc:Fallback xmlns="">
-          <p:sp>
-            <p:nvSpPr>
-              <p:cNvPr id="3" name="Content Placeholder 2">
-                <a:extLst>
-                  <a:ext uri="{FF2B5EF4-FFF2-40B4-BE49-F238E27FC236}">
-                    <a16:creationId xmlns:a16="http://schemas.microsoft.com/office/drawing/2014/main" id="{8EBF6E0C-044D-8EFD-D82D-C462D1332AE5}"/>
-                  </a:ext>
-                </a:extLst>
-              </p:cNvPr>
-              <p:cNvSpPr>
-                <a:spLocks noGrp="1" noRot="1" noChangeAspect="1" noMove="1" noResize="1" noEditPoints="1" noAdjustHandles="1" noChangeArrowheads="1" noChangeShapeType="1" noTextEdit="1"/>
-              </p:cNvSpPr>
-              <p:nvPr>
-                <p:ph idx="1"/>
-              </p:nvPr>
-            </p:nvSpPr>
-            <p:spPr>
-              <a:xfrm>
-                <a:off x="838200" y="1825624"/>
-                <a:ext cx="10515600" cy="5032375"/>
-              </a:xfrm>
-              <a:blipFill>
-                <a:blip r:embed="rId2"/>
-                <a:stretch>
-                  <a:fillRect l="-1217" t="-1937" r="-928"/>
-                </a:stretch>
-              </a:blipFill>
-            </p:spPr>
-            <p:txBody>
-              <a:bodyPr/>
-              <a:lstStyle/>
-              <a:p>
-                <a:r>
-                  <a:rPr lang="en-SG">
-                    <a:noFill/>
-                  </a:rPr>
-                  <a:t> </a:t>
-                </a:r>
-              </a:p>
-            </p:txBody>
-          </p:sp>
-        </mc:Fallback>
-      </mc:AlternateContent>
+      <p:sp>
+        <p:nvSpPr>
+          <p:cNvPr id="3" name="Content Placeholder 2">
+            <a:extLst>
+              <a:ext uri="{FF2B5EF4-FFF2-40B4-BE49-F238E27FC236}">
+                <a16:creationId xmlns:a16="http://schemas.microsoft.com/office/drawing/2014/main" id="{8EBF6E0C-044D-8EFD-D82D-C462D1332AE5}"/>
+              </a:ext>
+            </a:extLst>
+          </p:cNvPr>
+          <p:cNvSpPr>
+            <a:spLocks noGrp="1"/>
+          </p:cNvSpPr>
+          <p:nvPr>
+            <p:ph idx="1"/>
+          </p:nvPr>
+        </p:nvSpPr>
+        <p:spPr>
+          <a:xfrm>
+            <a:off x="838200" y="1825624"/>
+            <a:ext cx="10515600" cy="5032375"/>
+          </a:xfrm>
+        </p:spPr>
+        <p:txBody>
+          <a:bodyPr>
+            <a:normAutofit/>
+          </a:bodyPr>
+          <a:lstStyle/>
+          <a:p>
+            <a:pPr marL="0" indent="0">
+              <a:buNone/>
+            </a:pPr>
+            <a:r>
+              <a:rPr lang="en-GB" b="1" dirty="0"/>
+              <a:t>Problem: </a:t>
+            </a:r>
+            <a:r>
+              <a:rPr lang="en-GB" dirty="0"/>
+              <a:t>Variable history length cannot work with our current neural network because </a:t>
+            </a:r>
+            <a:r>
+              <a:rPr lang="en-GB" b="1" dirty="0"/>
+              <a:t>it</a:t>
+            </a:r>
+            <a:r>
+              <a:rPr lang="en-GB" dirty="0"/>
+              <a:t> </a:t>
+            </a:r>
+            <a:r>
+              <a:rPr lang="en-GB" b="1" dirty="0"/>
+              <a:t>requires fixed-length input sequences</a:t>
+            </a:r>
+            <a:r>
+              <a:rPr lang="en-GB" dirty="0"/>
+              <a:t>.</a:t>
+            </a:r>
+          </a:p>
+          <a:p>
+            <a:pPr marL="0" indent="0">
+              <a:buNone/>
+            </a:pPr>
+            <a:endParaRPr lang="en-SG" dirty="0"/>
+          </a:p>
+        </p:txBody>
+      </p:sp>
+      <p:pic>
+        <p:nvPicPr>
+          <p:cNvPr id="5" name="Picture 4">
+            <a:extLst>
+              <a:ext uri="{FF2B5EF4-FFF2-40B4-BE49-F238E27FC236}">
+                <a16:creationId xmlns:a16="http://schemas.microsoft.com/office/drawing/2014/main" id="{FF2FBCA8-55AF-AA7F-47FF-79896BF4CD39}"/>
+              </a:ext>
+            </a:extLst>
+          </p:cNvPr>
+          <p:cNvPicPr>
+            <a:picLocks noChangeAspect="1"/>
+          </p:cNvPicPr>
+          <p:nvPr/>
+        </p:nvPicPr>
+        <p:blipFill>
+          <a:blip r:embed="rId2"/>
+          <a:stretch>
+            <a:fillRect/>
+          </a:stretch>
+        </p:blipFill>
+        <p:spPr>
+          <a:xfrm>
+            <a:off x="1966336" y="2944604"/>
+            <a:ext cx="8259328" cy="3629532"/>
+          </a:xfrm>
+          <a:prstGeom prst="rect">
+            <a:avLst/>
+          </a:prstGeom>
+        </p:spPr>
+      </p:pic>
     </p:spTree>
     <p:extLst>
       <p:ext uri="{BB962C8B-B14F-4D97-AF65-F5344CB8AC3E}">
-        <p14:creationId xmlns:p14="http://schemas.microsoft.com/office/powerpoint/2010/main" val="1343460073"/>
+        <p14:creationId xmlns:p14="http://schemas.microsoft.com/office/powerpoint/2010/main" val="3821622736"/>
       </p:ext>
     </p:extLst>
   </p:cSld>
@@ -19565,6 +20055,520 @@
                   <a:t>.</a:t>
                 </a:r>
               </a:p>
+            </p:txBody>
+          </p:sp>
+        </mc:Choice>
+        <mc:Fallback xmlns="">
+          <p:sp>
+            <p:nvSpPr>
+              <p:cNvPr id="3" name="Content Placeholder 2">
+                <a:extLst>
+                  <a:ext uri="{FF2B5EF4-FFF2-40B4-BE49-F238E27FC236}">
+                    <a16:creationId xmlns:a16="http://schemas.microsoft.com/office/drawing/2014/main" id="{8EBF6E0C-044D-8EFD-D82D-C462D1332AE5}"/>
+                  </a:ext>
+                </a:extLst>
+              </p:cNvPr>
+              <p:cNvSpPr>
+                <a:spLocks noGrp="1" noRot="1" noChangeAspect="1" noMove="1" noResize="1" noEditPoints="1" noAdjustHandles="1" noChangeArrowheads="1" noChangeShapeType="1" noTextEdit="1"/>
+              </p:cNvSpPr>
+              <p:nvPr>
+                <p:ph idx="1"/>
+              </p:nvPr>
+            </p:nvSpPr>
+            <p:spPr>
+              <a:xfrm>
+                <a:off x="838200" y="1825624"/>
+                <a:ext cx="10515600" cy="5032375"/>
+              </a:xfrm>
+              <a:blipFill>
+                <a:blip r:embed="rId2"/>
+                <a:stretch>
+                  <a:fillRect l="-1217" t="-1937" r="-928"/>
+                </a:stretch>
+              </a:blipFill>
+            </p:spPr>
+            <p:txBody>
+              <a:bodyPr/>
+              <a:lstStyle/>
+              <a:p>
+                <a:r>
+                  <a:rPr lang="en-SG">
+                    <a:noFill/>
+                  </a:rPr>
+                  <a:t> </a:t>
+                </a:r>
+              </a:p>
+            </p:txBody>
+          </p:sp>
+        </mc:Fallback>
+      </mc:AlternateContent>
+    </p:spTree>
+    <p:extLst>
+      <p:ext uri="{BB962C8B-B14F-4D97-AF65-F5344CB8AC3E}">
+        <p14:creationId xmlns:p14="http://schemas.microsoft.com/office/powerpoint/2010/main" val="1343460073"/>
+      </p:ext>
+    </p:extLst>
+  </p:cSld>
+  <p:clrMapOvr>
+    <a:masterClrMapping/>
+  </p:clrMapOvr>
+</p:sld>
+</file>
+
+<file path=ppt/slides/slide31.xml><?xml version="1.0" encoding="utf-8"?>
+<p:sld xmlns:a="http://schemas.openxmlformats.org/drawingml/2006/main" xmlns:r="http://schemas.openxmlformats.org/officeDocument/2006/relationships" xmlns:p="http://schemas.openxmlformats.org/presentationml/2006/main">
+  <p:cSld>
+    <p:spTree>
+      <p:nvGrpSpPr>
+        <p:cNvPr id="1" name=""/>
+        <p:cNvGrpSpPr/>
+        <p:nvPr/>
+      </p:nvGrpSpPr>
+      <p:grpSpPr>
+        <a:xfrm>
+          <a:off x="0" y="0"/>
+          <a:ext cx="0" cy="0"/>
+          <a:chOff x="0" y="0"/>
+          <a:chExt cx="0" cy="0"/>
+        </a:xfrm>
+      </p:grpSpPr>
+      <p:sp>
+        <p:nvSpPr>
+          <p:cNvPr id="2" name="Title 1">
+            <a:extLst>
+              <a:ext uri="{FF2B5EF4-FFF2-40B4-BE49-F238E27FC236}">
+                <a16:creationId xmlns:a16="http://schemas.microsoft.com/office/drawing/2014/main" id="{53C1FADA-A607-AC57-2747-033B87B9B376}"/>
+              </a:ext>
+            </a:extLst>
+          </p:cNvPr>
+          <p:cNvSpPr>
+            <a:spLocks noGrp="1"/>
+          </p:cNvSpPr>
+          <p:nvPr>
+            <p:ph type="title"/>
+          </p:nvPr>
+        </p:nvSpPr>
+        <p:spPr/>
+        <p:txBody>
+          <a:bodyPr/>
+          <a:lstStyle/>
+          <a:p>
+            <a:r>
+              <a:rPr lang="en-GB" dirty="0"/>
+              <a:t>The problem of varying length</a:t>
+            </a:r>
+            <a:endParaRPr lang="en-SG" dirty="0"/>
+          </a:p>
+        </p:txBody>
+      </p:sp>
+      <mc:AlternateContent xmlns:mc="http://schemas.openxmlformats.org/markup-compatibility/2006" xmlns:a14="http://schemas.microsoft.com/office/drawing/2010/main">
+        <mc:Choice Requires="a14">
+          <p:sp>
+            <p:nvSpPr>
+              <p:cNvPr id="3" name="Content Placeholder 2">
+                <a:extLst>
+                  <a:ext uri="{FF2B5EF4-FFF2-40B4-BE49-F238E27FC236}">
+                    <a16:creationId xmlns:a16="http://schemas.microsoft.com/office/drawing/2014/main" id="{8EBF6E0C-044D-8EFD-D82D-C462D1332AE5}"/>
+                  </a:ext>
+                </a:extLst>
+              </p:cNvPr>
+              <p:cNvSpPr>
+                <a:spLocks noGrp="1"/>
+              </p:cNvSpPr>
+              <p:nvPr>
+                <p:ph idx="1"/>
+              </p:nvPr>
+            </p:nvSpPr>
+            <p:spPr>
+              <a:xfrm>
+                <a:off x="838200" y="1825624"/>
+                <a:ext cx="10515600" cy="5032375"/>
+              </a:xfrm>
+            </p:spPr>
+            <p:txBody>
+              <a:bodyPr>
+                <a:normAutofit/>
+              </a:bodyPr>
+              <a:lstStyle/>
+              <a:p>
+                <a:pPr marL="0" indent="0">
+                  <a:buNone/>
+                </a:pPr>
+                <a:r>
+                  <a:rPr lang="en-GB" b="1" dirty="0"/>
+                  <a:t>Problem: </a:t>
+                </a:r>
+                <a:r>
+                  <a:rPr lang="en-GB" dirty="0"/>
+                  <a:t>Variable history length cannot work with our current neural network because </a:t>
+                </a:r>
+                <a:r>
+                  <a:rPr lang="en-GB" b="1" dirty="0"/>
+                  <a:t>it</a:t>
+                </a:r>
+                <a:r>
+                  <a:rPr lang="en-GB" dirty="0"/>
+                  <a:t> </a:t>
+                </a:r>
+                <a:r>
+                  <a:rPr lang="en-GB" b="1" dirty="0"/>
+                  <a:t>requires fixed-length input sequences</a:t>
+                </a:r>
+                <a:r>
+                  <a:rPr lang="en-GB" dirty="0"/>
+                  <a:t>.</a:t>
+                </a:r>
+              </a:p>
+              <a:p>
+                <a:pPr marL="0" indent="0">
+                  <a:buNone/>
+                </a:pPr>
+                <a:r>
+                  <a:rPr lang="en-GB" b="1" dirty="0"/>
+                  <a:t>A quick fix would be to assume a fixed length </a:t>
+                </a:r>
+                <a14:m>
+                  <m:oMath xmlns:m="http://schemas.openxmlformats.org/officeDocument/2006/math">
+                    <m:r>
+                      <a:rPr lang="en-GB" b="1" i="1" dirty="0" smtClean="0">
+                        <a:latin typeface="Cambria Math" panose="02040503050406030204" pitchFamily="18" charset="0"/>
+                      </a:rPr>
+                      <m:t>𝒍</m:t>
+                    </m:r>
+                  </m:oMath>
+                </a14:m>
+                <a:r>
+                  <a:rPr lang="en-GB" b="1" dirty="0"/>
+                  <a:t> for the history vector </a:t>
+                </a:r>
+                <a14:m>
+                  <m:oMath xmlns:m="http://schemas.openxmlformats.org/officeDocument/2006/math">
+                    <m:sSub>
+                      <m:sSubPr>
+                        <m:ctrlPr>
+                          <a:rPr lang="en-GB" b="1" i="1" dirty="0" smtClean="0">
+                            <a:latin typeface="Cambria Math" panose="02040503050406030204" pitchFamily="18" charset="0"/>
+                          </a:rPr>
+                        </m:ctrlPr>
+                      </m:sSubPr>
+                      <m:e>
+                        <m:r>
+                          <a:rPr lang="en-GB" b="1" i="1" dirty="0" smtClean="0">
+                            <a:latin typeface="Cambria Math" panose="02040503050406030204" pitchFamily="18" charset="0"/>
+                          </a:rPr>
+                          <m:t>𝒉</m:t>
+                        </m:r>
+                      </m:e>
+                      <m:sub>
+                        <m:r>
+                          <a:rPr lang="en-GB" b="1" i="1" dirty="0" smtClean="0">
+                            <a:latin typeface="Cambria Math" panose="02040503050406030204" pitchFamily="18" charset="0"/>
+                          </a:rPr>
+                          <m:t>𝒕</m:t>
+                        </m:r>
+                      </m:sub>
+                    </m:sSub>
+                    <m:r>
+                      <a:rPr lang="en-GB" b="1" i="1" dirty="0">
+                        <a:latin typeface="Cambria Math" panose="02040503050406030204" pitchFamily="18" charset="0"/>
+                      </a:rPr>
+                      <m:t> </m:t>
+                    </m:r>
+                  </m:oMath>
+                </a14:m>
+                <a:r>
+                  <a:rPr lang="en-GB" b="1" dirty="0"/>
+                  <a:t>to be used at all times:</a:t>
+                </a:r>
+              </a:p>
+              <a:p>
+                <a:r>
+                  <a:rPr lang="en-GB" dirty="0"/>
+                  <a:t>We could </a:t>
+                </a:r>
+                <a:r>
+                  <a:rPr lang="en-GB" b="1" dirty="0"/>
+                  <a:t>truncate</a:t>
+                </a:r>
+                <a:r>
+                  <a:rPr lang="en-GB" dirty="0"/>
+                  <a:t> the history vectors that have a length greater than </a:t>
+                </a:r>
+                <a14:m>
+                  <m:oMath xmlns:m="http://schemas.openxmlformats.org/officeDocument/2006/math">
+                    <m:r>
+                      <a:rPr lang="en-GB" i="1" dirty="0" smtClean="0">
+                        <a:latin typeface="Cambria Math" panose="02040503050406030204" pitchFamily="18" charset="0"/>
+                      </a:rPr>
+                      <m:t>𝑙</m:t>
+                    </m:r>
+                  </m:oMath>
+                </a14:m>
+                <a:r>
+                  <a:rPr lang="en-GB" dirty="0"/>
+                  <a:t>, keeping the last elements only, i.e. </a:t>
+                </a:r>
+                <a14:m>
+                  <m:oMath xmlns:m="http://schemas.openxmlformats.org/officeDocument/2006/math">
+                    <m:sSub>
+                      <m:sSubPr>
+                        <m:ctrlPr>
+                          <a:rPr lang="en-GB" b="0" i="1" smtClean="0">
+                            <a:latin typeface="Cambria Math" panose="02040503050406030204" pitchFamily="18" charset="0"/>
+                          </a:rPr>
+                        </m:ctrlPr>
+                      </m:sSubPr>
+                      <m:e>
+                        <m:r>
+                          <a:rPr lang="en-GB" b="0" i="1" smtClean="0">
+                            <a:latin typeface="Cambria Math" panose="02040503050406030204" pitchFamily="18" charset="0"/>
+                          </a:rPr>
+                          <m:t>h</m:t>
+                        </m:r>
+                      </m:e>
+                      <m:sub>
+                        <m:r>
+                          <a:rPr lang="en-GB" b="0" i="1" smtClean="0">
+                            <a:latin typeface="Cambria Math" panose="02040503050406030204" pitchFamily="18" charset="0"/>
+                          </a:rPr>
+                          <m:t>𝑡</m:t>
+                        </m:r>
+                      </m:sub>
+                    </m:sSub>
+                    <m:r>
+                      <a:rPr lang="en-GB" b="0" i="1" smtClean="0">
+                        <a:latin typeface="Cambria Math" panose="02040503050406030204" pitchFamily="18" charset="0"/>
+                      </a:rPr>
+                      <m:t>=(</m:t>
+                    </m:r>
+                    <m:sSub>
+                      <m:sSubPr>
+                        <m:ctrlPr>
+                          <a:rPr lang="en-GB" b="0" i="1" smtClean="0">
+                            <a:latin typeface="Cambria Math" panose="02040503050406030204" pitchFamily="18" charset="0"/>
+                          </a:rPr>
+                        </m:ctrlPr>
+                      </m:sSubPr>
+                      <m:e>
+                        <m:r>
+                          <a:rPr lang="en-GB" b="0" i="1" smtClean="0">
+                            <a:latin typeface="Cambria Math" panose="02040503050406030204" pitchFamily="18" charset="0"/>
+                          </a:rPr>
+                          <m:t>𝑥</m:t>
+                        </m:r>
+                      </m:e>
+                      <m:sub>
+                        <m:r>
+                          <a:rPr lang="en-GB" b="0" i="1" smtClean="0">
+                            <a:latin typeface="Cambria Math" panose="02040503050406030204" pitchFamily="18" charset="0"/>
+                          </a:rPr>
+                          <m:t>𝑡</m:t>
+                        </m:r>
+                        <m:r>
+                          <a:rPr lang="en-GB" b="0" i="1" smtClean="0">
+                            <a:latin typeface="Cambria Math" panose="02040503050406030204" pitchFamily="18" charset="0"/>
+                          </a:rPr>
+                          <m:t>−</m:t>
+                        </m:r>
+                        <m:r>
+                          <a:rPr lang="en-GB" b="0" i="1" smtClean="0">
+                            <a:latin typeface="Cambria Math" panose="02040503050406030204" pitchFamily="18" charset="0"/>
+                          </a:rPr>
+                          <m:t>𝑙</m:t>
+                        </m:r>
+                      </m:sub>
+                    </m:sSub>
+                    <m:r>
+                      <a:rPr lang="en-GB" b="0" i="1" smtClean="0">
+                        <a:latin typeface="Cambria Math" panose="02040503050406030204" pitchFamily="18" charset="0"/>
+                      </a:rPr>
+                      <m:t>,…,</m:t>
+                    </m:r>
+                    <m:sSub>
+                      <m:sSubPr>
+                        <m:ctrlPr>
+                          <a:rPr lang="en-GB" b="0" i="1" smtClean="0">
+                            <a:latin typeface="Cambria Math" panose="02040503050406030204" pitchFamily="18" charset="0"/>
+                          </a:rPr>
+                        </m:ctrlPr>
+                      </m:sSubPr>
+                      <m:e>
+                        <m:r>
+                          <a:rPr lang="en-GB" b="0" i="1" smtClean="0">
+                            <a:latin typeface="Cambria Math" panose="02040503050406030204" pitchFamily="18" charset="0"/>
+                          </a:rPr>
+                          <m:t>𝑥</m:t>
+                        </m:r>
+                      </m:e>
+                      <m:sub>
+                        <m:r>
+                          <a:rPr lang="en-GB" b="0" i="1" smtClean="0">
+                            <a:latin typeface="Cambria Math" panose="02040503050406030204" pitchFamily="18" charset="0"/>
+                          </a:rPr>
+                          <m:t>𝑡</m:t>
+                        </m:r>
+                        <m:r>
+                          <a:rPr lang="en-GB" b="0" i="1" smtClean="0">
+                            <a:latin typeface="Cambria Math" panose="02040503050406030204" pitchFamily="18" charset="0"/>
+                          </a:rPr>
+                          <m:t>−1</m:t>
+                        </m:r>
+                      </m:sub>
+                    </m:sSub>
+                    <m:r>
+                      <a:rPr lang="en-GB" b="0" i="1" smtClean="0">
+                        <a:latin typeface="Cambria Math" panose="02040503050406030204" pitchFamily="18" charset="0"/>
+                      </a:rPr>
+                      <m:t>)</m:t>
+                    </m:r>
+                  </m:oMath>
+                </a14:m>
+                <a:r>
+                  <a:rPr lang="en-GB" dirty="0"/>
+                  <a:t>.</a:t>
+                </a:r>
+              </a:p>
+              <a:p>
+                <a:r>
+                  <a:rPr lang="en-GB" dirty="0"/>
+                  <a:t>If too short, we could use </a:t>
+                </a:r>
+                <a:r>
+                  <a:rPr lang="en-GB" b="1" dirty="0"/>
+                  <a:t>padding</a:t>
+                </a:r>
+                <a:r>
+                  <a:rPr lang="en-GB" dirty="0"/>
+                  <a:t> for the history vectors that have a lower length than </a:t>
+                </a:r>
+                <a14:m>
+                  <m:oMath xmlns:m="http://schemas.openxmlformats.org/officeDocument/2006/math">
+                    <m:r>
+                      <a:rPr lang="en-GB" i="1" dirty="0" smtClean="0">
+                        <a:latin typeface="Cambria Math" panose="02040503050406030204" pitchFamily="18" charset="0"/>
+                      </a:rPr>
+                      <m:t>𝑙</m:t>
+                    </m:r>
+                  </m:oMath>
+                </a14:m>
+                <a:r>
+                  <a:rPr lang="en-GB" dirty="0"/>
+                  <a:t>, adding zeros to artificially increase their length. For instance, after padding, we could have </a:t>
+                </a:r>
+                <a14:m>
+                  <m:oMath xmlns:m="http://schemas.openxmlformats.org/officeDocument/2006/math">
+                    <m:sSub>
+                      <m:sSubPr>
+                        <m:ctrlPr>
+                          <a:rPr lang="en-GB" i="1">
+                            <a:latin typeface="Cambria Math" panose="02040503050406030204" pitchFamily="18" charset="0"/>
+                          </a:rPr>
+                        </m:ctrlPr>
+                      </m:sSubPr>
+                      <m:e>
+                        <m:r>
+                          <a:rPr lang="en-GB" i="1">
+                            <a:latin typeface="Cambria Math" panose="02040503050406030204" pitchFamily="18" charset="0"/>
+                          </a:rPr>
+                          <m:t>h</m:t>
+                        </m:r>
+                      </m:e>
+                      <m:sub>
+                        <m:r>
+                          <a:rPr lang="en-GB" i="1">
+                            <a:latin typeface="Cambria Math" panose="02040503050406030204" pitchFamily="18" charset="0"/>
+                          </a:rPr>
+                          <m:t>3</m:t>
+                        </m:r>
+                      </m:sub>
+                    </m:sSub>
+                    <m:r>
+                      <a:rPr lang="en-GB">
+                        <a:latin typeface="Cambria Math" panose="02040503050406030204" pitchFamily="18" charset="0"/>
+                      </a:rPr>
+                      <m:t>=</m:t>
+                    </m:r>
+                    <m:r>
+                      <a:rPr lang="en-GB" i="1">
+                        <a:latin typeface="Cambria Math" panose="02040503050406030204" pitchFamily="18" charset="0"/>
+                      </a:rPr>
+                      <m:t>(</m:t>
+                    </m:r>
+                    <m:r>
+                      <a:rPr lang="en-GB" b="0" i="1" smtClean="0">
+                        <a:latin typeface="Cambria Math" panose="02040503050406030204" pitchFamily="18" charset="0"/>
+                      </a:rPr>
+                      <m:t>0, …, 0, </m:t>
+                    </m:r>
+                    <m:sSub>
+                      <m:sSubPr>
+                        <m:ctrlPr>
+                          <a:rPr lang="en-GB" i="1">
+                            <a:latin typeface="Cambria Math" panose="02040503050406030204" pitchFamily="18" charset="0"/>
+                          </a:rPr>
+                        </m:ctrlPr>
+                      </m:sSubPr>
+                      <m:e>
+                        <m:r>
+                          <a:rPr lang="en-GB" i="1">
+                            <a:latin typeface="Cambria Math" panose="02040503050406030204" pitchFamily="18" charset="0"/>
+                          </a:rPr>
+                          <m:t>𝑥</m:t>
+                        </m:r>
+                      </m:e>
+                      <m:sub>
+                        <m:r>
+                          <a:rPr lang="en-GB" i="1">
+                            <a:latin typeface="Cambria Math" panose="02040503050406030204" pitchFamily="18" charset="0"/>
+                          </a:rPr>
+                          <m:t>1</m:t>
+                        </m:r>
+                      </m:sub>
+                    </m:sSub>
+                    <m:r>
+                      <a:rPr lang="en-GB" i="1">
+                        <a:latin typeface="Cambria Math" panose="02040503050406030204" pitchFamily="18" charset="0"/>
+                      </a:rPr>
+                      <m:t>, </m:t>
+                    </m:r>
+                    <m:sSub>
+                      <m:sSubPr>
+                        <m:ctrlPr>
+                          <a:rPr lang="en-GB" i="1">
+                            <a:latin typeface="Cambria Math" panose="02040503050406030204" pitchFamily="18" charset="0"/>
+                          </a:rPr>
+                        </m:ctrlPr>
+                      </m:sSubPr>
+                      <m:e>
+                        <m:r>
+                          <a:rPr lang="en-GB" i="1">
+                            <a:latin typeface="Cambria Math" panose="02040503050406030204" pitchFamily="18" charset="0"/>
+                          </a:rPr>
+                          <m:t>𝑥</m:t>
+                        </m:r>
+                      </m:e>
+                      <m:sub>
+                        <m:r>
+                          <a:rPr lang="en-GB" i="1">
+                            <a:latin typeface="Cambria Math" panose="02040503050406030204" pitchFamily="18" charset="0"/>
+                          </a:rPr>
+                          <m:t>2</m:t>
+                        </m:r>
+                      </m:sub>
+                    </m:sSub>
+                    <m:r>
+                      <a:rPr lang="en-GB" i="1">
+                        <a:latin typeface="Cambria Math" panose="02040503050406030204" pitchFamily="18" charset="0"/>
+                      </a:rPr>
+                      <m:t>)</m:t>
+                    </m:r>
+                  </m:oMath>
+                </a14:m>
+                <a:r>
+                  <a:rPr lang="en-GB" dirty="0"/>
+                  <a:t>.</a:t>
+                </a:r>
+              </a:p>
               <a:p>
                 <a:pPr marL="0" indent="0">
                   <a:buNone/>
@@ -19643,7 +20647,7 @@
 </p:sld>
 </file>
 
-<file path=ppt/slides/slide31.xml><?xml version="1.0" encoding="utf-8"?>
+<file path=ppt/slides/slide32.xml><?xml version="1.0" encoding="utf-8"?>
 <p:sld xmlns:a="http://schemas.openxmlformats.org/drawingml/2006/main" xmlns:r="http://schemas.openxmlformats.org/officeDocument/2006/relationships" xmlns:p="http://schemas.openxmlformats.org/presentationml/2006/main">
   <p:cSld>
     <p:spTree>
@@ -19689,8 +20693,8 @@
           </a:p>
         </p:txBody>
       </p:sp>
-      <mc:AlternateContent xmlns:mc="http://schemas.openxmlformats.org/markup-compatibility/2006" xmlns:a14="http://schemas.microsoft.com/office/drawing/2010/main">
-        <mc:Choice Requires="a14">
+      <mc:AlternateContent xmlns:mc="http://schemas.openxmlformats.org/markup-compatibility/2006">
+        <mc:Choice xmlns:a14="http://schemas.microsoft.com/office/drawing/2010/main" Requires="a14">
           <p:sp>
             <p:nvSpPr>
               <p:cNvPr id="3" name="Content Placeholder 2">
@@ -19801,7 +20805,7 @@
                 </a:r>
                 <a:r>
                   <a:rPr lang="en-GB" dirty="0"/>
-                  <a:t> and leave it to the Neural Network to figure out what to put in there. </a:t>
+                  <a:t> and leave it to the Neural Network to figure out what information should put in there. </a:t>
                 </a:r>
               </a:p>
               <a:p>
@@ -20106,7 +21110,7 @@
             </p:txBody>
           </p:sp>
         </mc:Choice>
-        <mc:Fallback xmlns="">
+        <mc:Fallback>
           <p:sp>
             <p:nvSpPr>
               <p:cNvPr id="3" name="Content Placeholder 2">
@@ -20163,7 +21167,7 @@
 </p:sld>
 </file>
 
-<file path=ppt/slides/slide32.xml><?xml version="1.0" encoding="utf-8"?>
+<file path=ppt/slides/slide33.xml><?xml version="1.0" encoding="utf-8"?>
 <p:sld xmlns:a="http://schemas.openxmlformats.org/drawingml/2006/main" xmlns:r="http://schemas.openxmlformats.org/officeDocument/2006/relationships" xmlns:p="http://schemas.openxmlformats.org/presentationml/2006/main">
   <p:cSld>
     <p:spTree>
@@ -21842,7 +22846,7 @@
 </p:sld>
 </file>
 
-<file path=ppt/slides/slide33.xml><?xml version="1.0" encoding="utf-8"?>
+<file path=ppt/slides/slide34.xml><?xml version="1.0" encoding="utf-8"?>
 <p:sld xmlns:a="http://schemas.openxmlformats.org/drawingml/2006/main" xmlns:r="http://schemas.openxmlformats.org/officeDocument/2006/relationships" xmlns:p="http://schemas.openxmlformats.org/presentationml/2006/main">
   <p:cSld>
     <p:spTree>
@@ -22353,7 +23357,7 @@
 </p:sld>
 </file>
 
-<file path=ppt/slides/slide34.xml><?xml version="1.0" encoding="utf-8"?>
+<file path=ppt/slides/slide35.xml><?xml version="1.0" encoding="utf-8"?>
 <p:sld xmlns:a="http://schemas.openxmlformats.org/drawingml/2006/main" xmlns:r="http://schemas.openxmlformats.org/officeDocument/2006/relationships" xmlns:p="http://schemas.openxmlformats.org/presentationml/2006/main">
   <p:cSld>
     <p:spTree>
@@ -24032,7 +25036,7 @@
 </p:sld>
 </file>
 
-<file path=ppt/slides/slide35.xml><?xml version="1.0" encoding="utf-8"?>
+<file path=ppt/slides/slide36.xml><?xml version="1.0" encoding="utf-8"?>
 <p:sld xmlns:a="http://schemas.openxmlformats.org/drawingml/2006/main" xmlns:r="http://schemas.openxmlformats.org/officeDocument/2006/relationships" xmlns:p="http://schemas.openxmlformats.org/presentationml/2006/main">
   <p:cSld>
     <p:spTree>
@@ -24092,7 +25096,7 @@
 </p:sld>
 </file>
 
-<file path=ppt/slides/slide36.xml><?xml version="1.0" encoding="utf-8"?>
+<file path=ppt/slides/slide37.xml><?xml version="1.0" encoding="utf-8"?>
 <p:sld xmlns:a="http://schemas.openxmlformats.org/drawingml/2006/main" xmlns:r="http://schemas.openxmlformats.org/officeDocument/2006/relationships" xmlns:p="http://schemas.openxmlformats.org/presentationml/2006/main">
   <p:cSld>
     <p:spTree>
@@ -24943,7 +25947,7 @@
 </p:sld>
 </file>
 
-<file path=ppt/slides/slide37.xml><?xml version="1.0" encoding="utf-8"?>
+<file path=ppt/slides/slide38.xml><?xml version="1.0" encoding="utf-8"?>
 <p:sld xmlns:a="http://schemas.openxmlformats.org/drawingml/2006/main" xmlns:r="http://schemas.openxmlformats.org/officeDocument/2006/relationships" xmlns:p="http://schemas.openxmlformats.org/presentationml/2006/main">
   <p:cSld>
     <p:spTree>
@@ -25633,7 +26637,7 @@
 </p:sld>
 </file>
 
-<file path=ppt/slides/slide38.xml><?xml version="1.0" encoding="utf-8"?>
+<file path=ppt/slides/slide39.xml><?xml version="1.0" encoding="utf-8"?>
 <p:sld xmlns:a="http://schemas.openxmlformats.org/drawingml/2006/main" xmlns:r="http://schemas.openxmlformats.org/officeDocument/2006/relationships" xmlns:p="http://schemas.openxmlformats.org/presentationml/2006/main">
   <p:cSld>
     <p:spTree>
@@ -25722,7 +26726,243 @@
 </p:sld>
 </file>
 
-<file path=ppt/slides/slide39.xml><?xml version="1.0" encoding="utf-8"?>
+<file path=ppt/slides/slide4.xml><?xml version="1.0" encoding="utf-8"?>
+<p:sld xmlns:a="http://schemas.openxmlformats.org/drawingml/2006/main" xmlns:r="http://schemas.openxmlformats.org/officeDocument/2006/relationships" xmlns:p="http://schemas.openxmlformats.org/presentationml/2006/main">
+  <p:cSld>
+    <p:spTree>
+      <p:nvGrpSpPr>
+        <p:cNvPr id="1" name=""/>
+        <p:cNvGrpSpPr/>
+        <p:nvPr/>
+      </p:nvGrpSpPr>
+      <p:grpSpPr>
+        <a:xfrm>
+          <a:off x="0" y="0"/>
+          <a:ext cx="0" cy="0"/>
+          <a:chOff x="0" y="0"/>
+          <a:chExt cx="0" cy="0"/>
+        </a:xfrm>
+      </p:grpSpPr>
+      <p:sp>
+        <p:nvSpPr>
+          <p:cNvPr id="4" name="Title 3">
+            <a:extLst>
+              <a:ext uri="{FF2B5EF4-FFF2-40B4-BE49-F238E27FC236}">
+                <a16:creationId xmlns:a16="http://schemas.microsoft.com/office/drawing/2014/main" id="{81B1015D-E7F1-F3D9-E560-C9E82C06BBB9}"/>
+              </a:ext>
+            </a:extLst>
+          </p:cNvPr>
+          <p:cNvSpPr>
+            <a:spLocks noGrp="1"/>
+          </p:cNvSpPr>
+          <p:nvPr>
+            <p:ph type="title"/>
+          </p:nvPr>
+        </p:nvSpPr>
+        <p:spPr/>
+        <p:txBody>
+          <a:bodyPr/>
+          <a:lstStyle/>
+          <a:p>
+            <a:r>
+              <a:rPr lang="en-GB" dirty="0"/>
+              <a:t>Time series dataset</a:t>
+            </a:r>
+            <a:endParaRPr lang="en-SG" dirty="0"/>
+          </a:p>
+        </p:txBody>
+      </p:sp>
+      <p:sp>
+        <p:nvSpPr>
+          <p:cNvPr id="5" name="Content Placeholder 4">
+            <a:extLst>
+              <a:ext uri="{FF2B5EF4-FFF2-40B4-BE49-F238E27FC236}">
+                <a16:creationId xmlns:a16="http://schemas.microsoft.com/office/drawing/2014/main" id="{B00D7D74-AD4E-73AE-79C0-432D2B4B2341}"/>
+              </a:ext>
+            </a:extLst>
+          </p:cNvPr>
+          <p:cNvSpPr>
+            <a:spLocks noGrp="1"/>
+          </p:cNvSpPr>
+          <p:nvPr>
+            <p:ph sz="half" idx="1"/>
+          </p:nvPr>
+        </p:nvSpPr>
+        <p:spPr>
+          <a:xfrm>
+            <a:off x="838200" y="1825624"/>
+            <a:ext cx="5181600" cy="5032375"/>
+          </a:xfrm>
+        </p:spPr>
+        <p:txBody>
+          <a:bodyPr>
+            <a:normAutofit fontScale="85000" lnSpcReduction="10000"/>
+          </a:bodyPr>
+          <a:lstStyle/>
+          <a:p>
+            <a:pPr marL="0" indent="0">
+              <a:buNone/>
+            </a:pPr>
+            <a:r>
+              <a:rPr lang="en-GB" b="1" dirty="0"/>
+              <a:t>Definition (</a:t>
+            </a:r>
+            <a:r>
+              <a:rPr lang="en-GB" b="1" dirty="0">
+                <a:solidFill>
+                  <a:srgbClr val="00B050"/>
+                </a:solidFill>
+              </a:rPr>
+              <a:t>time</a:t>
+            </a:r>
+            <a:r>
+              <a:rPr lang="en-GB" b="1" dirty="0"/>
+              <a:t> </a:t>
+            </a:r>
+            <a:r>
+              <a:rPr lang="en-GB" b="1" dirty="0">
+                <a:solidFill>
+                  <a:srgbClr val="00B050"/>
+                </a:solidFill>
+              </a:rPr>
+              <a:t>series</a:t>
+            </a:r>
+            <a:r>
+              <a:rPr lang="en-GB" b="1" dirty="0"/>
+              <a:t> dataset):</a:t>
+            </a:r>
+          </a:p>
+          <a:p>
+            <a:pPr marL="0" indent="0">
+              <a:buNone/>
+            </a:pPr>
+            <a:r>
+              <a:rPr lang="en-GB" dirty="0"/>
+              <a:t>A </a:t>
+            </a:r>
+            <a:r>
+              <a:rPr lang="en-GB" b="1" dirty="0">
+                <a:solidFill>
+                  <a:srgbClr val="00B050"/>
+                </a:solidFill>
+              </a:rPr>
+              <a:t>time</a:t>
+            </a:r>
+            <a:r>
+              <a:rPr lang="en-GB" dirty="0"/>
+              <a:t> </a:t>
+            </a:r>
+            <a:r>
+              <a:rPr lang="en-GB" b="1" dirty="0">
+                <a:solidFill>
+                  <a:srgbClr val="00B050"/>
+                </a:solidFill>
+              </a:rPr>
+              <a:t>series</a:t>
+            </a:r>
+            <a:r>
+              <a:rPr lang="en-GB" dirty="0"/>
+              <a:t> </a:t>
+            </a:r>
+            <a:r>
+              <a:rPr lang="en-GB" b="1" dirty="0"/>
+              <a:t>dataset</a:t>
+            </a:r>
+            <a:r>
+              <a:rPr lang="en-GB" dirty="0"/>
+              <a:t> is a </a:t>
+            </a:r>
+            <a:r>
+              <a:rPr lang="en-GB" b="1" dirty="0"/>
+              <a:t>sequence of data points that are collected over time</a:t>
+            </a:r>
+            <a:r>
+              <a:rPr lang="en-GB" dirty="0"/>
+              <a:t>, typically at regular intervals.</a:t>
+            </a:r>
+          </a:p>
+          <a:p>
+            <a:pPr marL="0" indent="0">
+              <a:buNone/>
+            </a:pPr>
+            <a:r>
+              <a:rPr lang="en-GB" dirty="0"/>
+              <a:t>Time series data can be used to study how a particular variable changes over time, with many applications as</a:t>
+            </a:r>
+          </a:p>
+          <a:p>
+            <a:r>
+              <a:rPr lang="en-GB" dirty="0"/>
+              <a:t>Stock prices,</a:t>
+            </a:r>
+          </a:p>
+          <a:p>
+            <a:r>
+              <a:rPr lang="en-GB" dirty="0"/>
+              <a:t>Weather patterns,</a:t>
+            </a:r>
+          </a:p>
+          <a:p>
+            <a:r>
+              <a:rPr lang="en-GB" dirty="0"/>
+              <a:t>Etc.</a:t>
+            </a:r>
+          </a:p>
+          <a:p>
+            <a:pPr marL="0" indent="0">
+              <a:buNone/>
+            </a:pPr>
+            <a:r>
+              <a:rPr lang="en-GB" dirty="0"/>
+              <a:t>Data points are usually ordered chronologically, with each data point representing the value of the variable at a specific point in time.</a:t>
+            </a:r>
+          </a:p>
+        </p:txBody>
+      </p:sp>
+      <p:pic>
+        <p:nvPicPr>
+          <p:cNvPr id="7" name="Picture 6">
+            <a:extLst>
+              <a:ext uri="{FF2B5EF4-FFF2-40B4-BE49-F238E27FC236}">
+                <a16:creationId xmlns:a16="http://schemas.microsoft.com/office/drawing/2014/main" id="{419F02C5-327D-5E29-7377-652FB7F17B8A}"/>
+              </a:ext>
+            </a:extLst>
+          </p:cNvPr>
+          <p:cNvPicPr>
+            <a:picLocks noChangeAspect="1"/>
+          </p:cNvPicPr>
+          <p:nvPr/>
+        </p:nvPicPr>
+        <p:blipFill>
+          <a:blip r:embed="rId2"/>
+          <a:stretch>
+            <a:fillRect/>
+          </a:stretch>
+        </p:blipFill>
+        <p:spPr>
+          <a:xfrm>
+            <a:off x="6372228" y="1570786"/>
+            <a:ext cx="5486452" cy="4796162"/>
+          </a:xfrm>
+          <a:prstGeom prst="rect">
+            <a:avLst/>
+          </a:prstGeom>
+        </p:spPr>
+      </p:pic>
+    </p:spTree>
+    <p:extLst>
+      <p:ext uri="{BB962C8B-B14F-4D97-AF65-F5344CB8AC3E}">
+        <p14:creationId xmlns:p14="http://schemas.microsoft.com/office/powerpoint/2010/main" val="3946144614"/>
+      </p:ext>
+    </p:extLst>
+  </p:cSld>
+  <p:clrMapOvr>
+    <a:masterClrMapping/>
+  </p:clrMapOvr>
+</p:sld>
+</file>
+
+<file path=ppt/slides/slide40.xml><?xml version="1.0" encoding="utf-8"?>
 <p:sld xmlns:a="http://schemas.openxmlformats.org/drawingml/2006/main" xmlns:r="http://schemas.openxmlformats.org/officeDocument/2006/relationships" xmlns:p="http://schemas.openxmlformats.org/presentationml/2006/main">
   <p:cSld>
     <p:spTree>
@@ -25811,243 +27051,7 @@
 </p:sld>
 </file>
 
-<file path=ppt/slides/slide4.xml><?xml version="1.0" encoding="utf-8"?>
-<p:sld xmlns:a="http://schemas.openxmlformats.org/drawingml/2006/main" xmlns:r="http://schemas.openxmlformats.org/officeDocument/2006/relationships" xmlns:p="http://schemas.openxmlformats.org/presentationml/2006/main">
-  <p:cSld>
-    <p:spTree>
-      <p:nvGrpSpPr>
-        <p:cNvPr id="1" name=""/>
-        <p:cNvGrpSpPr/>
-        <p:nvPr/>
-      </p:nvGrpSpPr>
-      <p:grpSpPr>
-        <a:xfrm>
-          <a:off x="0" y="0"/>
-          <a:ext cx="0" cy="0"/>
-          <a:chOff x="0" y="0"/>
-          <a:chExt cx="0" cy="0"/>
-        </a:xfrm>
-      </p:grpSpPr>
-      <p:sp>
-        <p:nvSpPr>
-          <p:cNvPr id="4" name="Title 3">
-            <a:extLst>
-              <a:ext uri="{FF2B5EF4-FFF2-40B4-BE49-F238E27FC236}">
-                <a16:creationId xmlns:a16="http://schemas.microsoft.com/office/drawing/2014/main" id="{81B1015D-E7F1-F3D9-E560-C9E82C06BBB9}"/>
-              </a:ext>
-            </a:extLst>
-          </p:cNvPr>
-          <p:cNvSpPr>
-            <a:spLocks noGrp="1"/>
-          </p:cNvSpPr>
-          <p:nvPr>
-            <p:ph type="title"/>
-          </p:nvPr>
-        </p:nvSpPr>
-        <p:spPr/>
-        <p:txBody>
-          <a:bodyPr/>
-          <a:lstStyle/>
-          <a:p>
-            <a:r>
-              <a:rPr lang="en-GB" dirty="0"/>
-              <a:t>Time series dataset</a:t>
-            </a:r>
-            <a:endParaRPr lang="en-SG" dirty="0"/>
-          </a:p>
-        </p:txBody>
-      </p:sp>
-      <p:sp>
-        <p:nvSpPr>
-          <p:cNvPr id="5" name="Content Placeholder 4">
-            <a:extLst>
-              <a:ext uri="{FF2B5EF4-FFF2-40B4-BE49-F238E27FC236}">
-                <a16:creationId xmlns:a16="http://schemas.microsoft.com/office/drawing/2014/main" id="{B00D7D74-AD4E-73AE-79C0-432D2B4B2341}"/>
-              </a:ext>
-            </a:extLst>
-          </p:cNvPr>
-          <p:cNvSpPr>
-            <a:spLocks noGrp="1"/>
-          </p:cNvSpPr>
-          <p:nvPr>
-            <p:ph sz="half" idx="1"/>
-          </p:nvPr>
-        </p:nvSpPr>
-        <p:spPr>
-          <a:xfrm>
-            <a:off x="838200" y="1825624"/>
-            <a:ext cx="5181600" cy="5032375"/>
-          </a:xfrm>
-        </p:spPr>
-        <p:txBody>
-          <a:bodyPr>
-            <a:normAutofit fontScale="85000" lnSpcReduction="10000"/>
-          </a:bodyPr>
-          <a:lstStyle/>
-          <a:p>
-            <a:pPr marL="0" indent="0">
-              <a:buNone/>
-            </a:pPr>
-            <a:r>
-              <a:rPr lang="en-GB" b="1" dirty="0"/>
-              <a:t>Definition (</a:t>
-            </a:r>
-            <a:r>
-              <a:rPr lang="en-GB" b="1" dirty="0">
-                <a:solidFill>
-                  <a:srgbClr val="00B050"/>
-                </a:solidFill>
-              </a:rPr>
-              <a:t>time</a:t>
-            </a:r>
-            <a:r>
-              <a:rPr lang="en-GB" b="1" dirty="0"/>
-              <a:t> </a:t>
-            </a:r>
-            <a:r>
-              <a:rPr lang="en-GB" b="1" dirty="0">
-                <a:solidFill>
-                  <a:srgbClr val="00B050"/>
-                </a:solidFill>
-              </a:rPr>
-              <a:t>series</a:t>
-            </a:r>
-            <a:r>
-              <a:rPr lang="en-GB" b="1" dirty="0"/>
-              <a:t> dataset):</a:t>
-            </a:r>
-          </a:p>
-          <a:p>
-            <a:pPr marL="0" indent="0">
-              <a:buNone/>
-            </a:pPr>
-            <a:r>
-              <a:rPr lang="en-GB" dirty="0"/>
-              <a:t>A </a:t>
-            </a:r>
-            <a:r>
-              <a:rPr lang="en-GB" b="1" dirty="0">
-                <a:solidFill>
-                  <a:srgbClr val="00B050"/>
-                </a:solidFill>
-              </a:rPr>
-              <a:t>time</a:t>
-            </a:r>
-            <a:r>
-              <a:rPr lang="en-GB" dirty="0"/>
-              <a:t> </a:t>
-            </a:r>
-            <a:r>
-              <a:rPr lang="en-GB" b="1" dirty="0">
-                <a:solidFill>
-                  <a:srgbClr val="00B050"/>
-                </a:solidFill>
-              </a:rPr>
-              <a:t>series</a:t>
-            </a:r>
-            <a:r>
-              <a:rPr lang="en-GB" dirty="0"/>
-              <a:t> </a:t>
-            </a:r>
-            <a:r>
-              <a:rPr lang="en-GB" b="1" dirty="0"/>
-              <a:t>dataset</a:t>
-            </a:r>
-            <a:r>
-              <a:rPr lang="en-GB" dirty="0"/>
-              <a:t> is a </a:t>
-            </a:r>
-            <a:r>
-              <a:rPr lang="en-GB" b="1" dirty="0"/>
-              <a:t>sequence of data points that are collected over time</a:t>
-            </a:r>
-            <a:r>
-              <a:rPr lang="en-GB" dirty="0"/>
-              <a:t>, typically at regular intervals.</a:t>
-            </a:r>
-          </a:p>
-          <a:p>
-            <a:pPr marL="0" indent="0">
-              <a:buNone/>
-            </a:pPr>
-            <a:r>
-              <a:rPr lang="en-GB" dirty="0"/>
-              <a:t>Time series data can be used to study how a particular variable changes over time, with many applications as</a:t>
-            </a:r>
-          </a:p>
-          <a:p>
-            <a:r>
-              <a:rPr lang="en-GB" dirty="0"/>
-              <a:t>Stock prices,</a:t>
-            </a:r>
-          </a:p>
-          <a:p>
-            <a:r>
-              <a:rPr lang="en-GB" dirty="0"/>
-              <a:t>Weather patterns,</a:t>
-            </a:r>
-          </a:p>
-          <a:p>
-            <a:r>
-              <a:rPr lang="en-GB" dirty="0"/>
-              <a:t>Etc.</a:t>
-            </a:r>
-          </a:p>
-          <a:p>
-            <a:pPr marL="0" indent="0">
-              <a:buNone/>
-            </a:pPr>
-            <a:r>
-              <a:rPr lang="en-GB" dirty="0"/>
-              <a:t>Data points are usually ordered chronologically, with each data point representing the value of the variable at a specific point in time.</a:t>
-            </a:r>
-          </a:p>
-        </p:txBody>
-      </p:sp>
-      <p:pic>
-        <p:nvPicPr>
-          <p:cNvPr id="7" name="Picture 6">
-            <a:extLst>
-              <a:ext uri="{FF2B5EF4-FFF2-40B4-BE49-F238E27FC236}">
-                <a16:creationId xmlns:a16="http://schemas.microsoft.com/office/drawing/2014/main" id="{419F02C5-327D-5E29-7377-652FB7F17B8A}"/>
-              </a:ext>
-            </a:extLst>
-          </p:cNvPr>
-          <p:cNvPicPr>
-            <a:picLocks noChangeAspect="1"/>
-          </p:cNvPicPr>
-          <p:nvPr/>
-        </p:nvPicPr>
-        <p:blipFill>
-          <a:blip r:embed="rId2"/>
-          <a:stretch>
-            <a:fillRect/>
-          </a:stretch>
-        </p:blipFill>
-        <p:spPr>
-          <a:xfrm>
-            <a:off x="6372228" y="1570786"/>
-            <a:ext cx="5486452" cy="4796162"/>
-          </a:xfrm>
-          <a:prstGeom prst="rect">
-            <a:avLst/>
-          </a:prstGeom>
-        </p:spPr>
-      </p:pic>
-    </p:spTree>
-    <p:extLst>
-      <p:ext uri="{BB962C8B-B14F-4D97-AF65-F5344CB8AC3E}">
-        <p14:creationId xmlns:p14="http://schemas.microsoft.com/office/powerpoint/2010/main" val="3946144614"/>
-      </p:ext>
-    </p:extLst>
-  </p:cSld>
-  <p:clrMapOvr>
-    <a:masterClrMapping/>
-  </p:clrMapOvr>
-</p:sld>
-</file>
-
-<file path=ppt/slides/slide40.xml><?xml version="1.0" encoding="utf-8"?>
+<file path=ppt/slides/slide41.xml><?xml version="1.0" encoding="utf-8"?>
 <p:sld xmlns:a="http://schemas.openxmlformats.org/drawingml/2006/main" xmlns:r="http://schemas.openxmlformats.org/officeDocument/2006/relationships" xmlns:p="http://schemas.openxmlformats.org/presentationml/2006/main">
   <p:cSld>
     <p:spTree>
@@ -26908,359 +27912,6 @@
 </p:sld>
 </file>
 
-<file path=ppt/slides/slide41.xml><?xml version="1.0" encoding="utf-8"?>
-<p:sld xmlns:a="http://schemas.openxmlformats.org/drawingml/2006/main" xmlns:r="http://schemas.openxmlformats.org/officeDocument/2006/relationships" xmlns:p="http://schemas.openxmlformats.org/presentationml/2006/main">
-  <p:cSld>
-    <p:spTree>
-      <p:nvGrpSpPr>
-        <p:cNvPr id="1" name=""/>
-        <p:cNvGrpSpPr/>
-        <p:nvPr/>
-      </p:nvGrpSpPr>
-      <p:grpSpPr>
-        <a:xfrm>
-          <a:off x="0" y="0"/>
-          <a:ext cx="0" cy="0"/>
-          <a:chOff x="0" y="0"/>
-          <a:chExt cx="0" cy="0"/>
-        </a:xfrm>
-      </p:grpSpPr>
-      <p:sp>
-        <p:nvSpPr>
-          <p:cNvPr id="2" name="Title 1">
-            <a:extLst>
-              <a:ext uri="{FF2B5EF4-FFF2-40B4-BE49-F238E27FC236}">
-                <a16:creationId xmlns:a16="http://schemas.microsoft.com/office/drawing/2014/main" id="{B7F2B696-BAB3-3B95-364A-DA9C343AFF9C}"/>
-              </a:ext>
-            </a:extLst>
-          </p:cNvPr>
-          <p:cNvSpPr>
-            <a:spLocks noGrp="1"/>
-          </p:cNvSpPr>
-          <p:nvPr>
-            <p:ph type="title"/>
-          </p:nvPr>
-        </p:nvSpPr>
-        <p:spPr/>
-        <p:txBody>
-          <a:bodyPr/>
-          <a:lstStyle/>
-          <a:p>
-            <a:r>
-              <a:rPr lang="en-GB" dirty="0"/>
-              <a:t>What is a good memory length then?</a:t>
-            </a:r>
-            <a:endParaRPr lang="en-SG" dirty="0"/>
-          </a:p>
-        </p:txBody>
-      </p:sp>
-      <mc:AlternateContent xmlns:mc="http://schemas.openxmlformats.org/markup-compatibility/2006" xmlns:a14="http://schemas.microsoft.com/office/drawing/2010/main">
-        <mc:Choice Requires="a14">
-          <p:sp>
-            <p:nvSpPr>
-              <p:cNvPr id="3" name="Content Placeholder 2">
-                <a:extLst>
-                  <a:ext uri="{FF2B5EF4-FFF2-40B4-BE49-F238E27FC236}">
-                    <a16:creationId xmlns:a16="http://schemas.microsoft.com/office/drawing/2014/main" id="{3F321E73-C55F-1D84-B04E-3A310D33B527}"/>
-                  </a:ext>
-                </a:extLst>
-              </p:cNvPr>
-              <p:cNvSpPr>
-                <a:spLocks noGrp="1"/>
-              </p:cNvSpPr>
-              <p:nvPr>
-                <p:ph idx="1"/>
-              </p:nvPr>
-            </p:nvSpPr>
-            <p:spPr>
-              <a:xfrm>
-                <a:off x="838200" y="1825624"/>
-                <a:ext cx="10515600" cy="5032375"/>
-              </a:xfrm>
-            </p:spPr>
-            <p:txBody>
-              <a:bodyPr>
-                <a:normAutofit/>
-              </a:bodyPr>
-              <a:lstStyle/>
-              <a:p>
-                <a:pPr marL="0" indent="0">
-                  <a:buNone/>
-                </a:pPr>
-                <a:r>
-                  <a:rPr lang="en-GB" b="1" dirty="0">
-                    <a:solidFill>
-                      <a:srgbClr val="7030A0"/>
-                    </a:solidFill>
-                  </a:rPr>
-                  <a:t>Question: How would we decide the </a:t>
-                </a:r>
-                <a:r>
-                  <a:rPr lang="en-GB" sz="2800" b="1" dirty="0">
-                    <a:solidFill>
-                      <a:srgbClr val="7030A0"/>
-                    </a:solidFill>
-                  </a:rPr>
-                  <a:t>size </a:t>
-                </a:r>
-                <a14:m>
-                  <m:oMath xmlns:m="http://schemas.openxmlformats.org/officeDocument/2006/math">
-                    <m:r>
-                      <a:rPr lang="en-GB" b="1" i="1">
-                        <a:solidFill>
-                          <a:srgbClr val="7030A0"/>
-                        </a:solidFill>
-                        <a:latin typeface="Cambria Math" panose="02040503050406030204" pitchFamily="18" charset="0"/>
-                      </a:rPr>
-                      <m:t>𝒍</m:t>
-                    </m:r>
-                  </m:oMath>
-                </a14:m>
-                <a:r>
-                  <a:rPr lang="en-GB" sz="2800" b="1" dirty="0">
-                    <a:solidFill>
-                      <a:srgbClr val="7030A0"/>
-                    </a:solidFill>
-                  </a:rPr>
-                  <a:t> of the memory vector </a:t>
-                </a:r>
-                <a14:m>
-                  <m:oMath xmlns:m="http://schemas.openxmlformats.org/officeDocument/2006/math">
-                    <m:sSub>
-                      <m:sSubPr>
-                        <m:ctrlPr>
-                          <a:rPr lang="en-GB" sz="2800" b="1" i="1" smtClean="0">
-                            <a:solidFill>
-                              <a:srgbClr val="7030A0"/>
-                            </a:solidFill>
-                            <a:latin typeface="Cambria Math" panose="02040503050406030204" pitchFamily="18" charset="0"/>
-                          </a:rPr>
-                        </m:ctrlPr>
-                      </m:sSubPr>
-                      <m:e>
-                        <m:r>
-                          <a:rPr lang="en-GB" sz="2800" b="1" i="1" smtClean="0">
-                            <a:solidFill>
-                              <a:srgbClr val="7030A0"/>
-                            </a:solidFill>
-                            <a:latin typeface="Cambria Math" panose="02040503050406030204" pitchFamily="18" charset="0"/>
-                          </a:rPr>
-                          <m:t>𝒉</m:t>
-                        </m:r>
-                      </m:e>
-                      <m:sub>
-                        <m:r>
-                          <a:rPr lang="en-GB" sz="2800" b="1" i="1" smtClean="0">
-                            <a:solidFill>
-                              <a:srgbClr val="7030A0"/>
-                            </a:solidFill>
-                            <a:latin typeface="Cambria Math" panose="02040503050406030204" pitchFamily="18" charset="0"/>
-                          </a:rPr>
-                          <m:t>𝒕</m:t>
-                        </m:r>
-                      </m:sub>
-                    </m:sSub>
-                  </m:oMath>
-                </a14:m>
-                <a:r>
-                  <a:rPr lang="en-SG" sz="2800" b="1" dirty="0">
-                    <a:solidFill>
-                      <a:srgbClr val="7030A0"/>
-                    </a:solidFill>
-                  </a:rPr>
-                  <a:t> to use for our RNN?</a:t>
-                </a:r>
-                <a:endParaRPr lang="en-GB" b="1" dirty="0">
-                  <a:solidFill>
-                    <a:srgbClr val="7030A0"/>
-                  </a:solidFill>
-                </a:endParaRPr>
-              </a:p>
-              <a:p>
-                <a:pPr marL="0" indent="0">
-                  <a:buNone/>
-                </a:pPr>
-                <a:endParaRPr lang="en-SG" dirty="0"/>
-              </a:p>
-              <a:p>
-                <a:pPr marL="0" indent="0">
-                  <a:buNone/>
-                </a:pPr>
-                <a:r>
-                  <a:rPr lang="en-SG" dirty="0"/>
-                  <a:t>Remember: We said earlier that </a:t>
-                </a:r>
-                <a:r>
-                  <a:rPr lang="en-SG" i="1" dirty="0"/>
-                  <a:t>“In </a:t>
-                </a:r>
-                <a:r>
-                  <a:rPr lang="en-GB" i="1" dirty="0"/>
-                  <a:t>general: Having more datapoints in the history (i.e. a greater history length), will usually lead to a model that performs better.”</a:t>
-                </a:r>
-              </a:p>
-              <a:p>
-                <a:pPr marL="0" indent="0">
-                  <a:buNone/>
-                </a:pPr>
-                <a:endParaRPr lang="en-GB" b="1" dirty="0"/>
-              </a:p>
-              <a:p>
-                <a:pPr marL="0" indent="0">
-                  <a:buNone/>
-                </a:pPr>
-                <a:r>
-                  <a:rPr lang="en-GB" b="1" dirty="0"/>
-                  <a:t>Same intuition: It would make sense that having a </a:t>
-                </a:r>
-                <a:r>
-                  <a:rPr lang="en-GB" b="1" dirty="0">
-                    <a:solidFill>
-                      <a:srgbClr val="7030A0"/>
-                    </a:solidFill>
-                  </a:rPr>
-                  <a:t>higher</a:t>
-                </a:r>
-                <a:r>
-                  <a:rPr lang="en-GB" b="1" dirty="0"/>
-                  <a:t> </a:t>
-                </a:r>
-                <a:r>
-                  <a:rPr lang="en-GB" sz="2800" b="1" dirty="0">
-                    <a:solidFill>
-                      <a:srgbClr val="7030A0"/>
-                    </a:solidFill>
-                  </a:rPr>
-                  <a:t>size </a:t>
-                </a:r>
-                <a14:m>
-                  <m:oMath xmlns:m="http://schemas.openxmlformats.org/officeDocument/2006/math">
-                    <m:r>
-                      <a:rPr lang="en-GB" b="1" i="1">
-                        <a:solidFill>
-                          <a:srgbClr val="7030A0"/>
-                        </a:solidFill>
-                        <a:latin typeface="Cambria Math" panose="02040503050406030204" pitchFamily="18" charset="0"/>
-                      </a:rPr>
-                      <m:t>𝒍</m:t>
-                    </m:r>
-                  </m:oMath>
-                </a14:m>
-                <a:r>
-                  <a:rPr lang="en-GB" sz="2800" b="1" dirty="0">
-                    <a:solidFill>
-                      <a:srgbClr val="7030A0"/>
-                    </a:solidFill>
-                  </a:rPr>
-                  <a:t> of the memory vector </a:t>
-                </a:r>
-                <a14:m>
-                  <m:oMath xmlns:m="http://schemas.openxmlformats.org/officeDocument/2006/math">
-                    <m:sSub>
-                      <m:sSubPr>
-                        <m:ctrlPr>
-                          <a:rPr lang="en-GB" sz="2800" b="1" i="1" smtClean="0">
-                            <a:solidFill>
-                              <a:srgbClr val="7030A0"/>
-                            </a:solidFill>
-                            <a:latin typeface="Cambria Math" panose="02040503050406030204" pitchFamily="18" charset="0"/>
-                          </a:rPr>
-                        </m:ctrlPr>
-                      </m:sSubPr>
-                      <m:e>
-                        <m:r>
-                          <a:rPr lang="en-GB" sz="2800" b="1" i="1" smtClean="0">
-                            <a:solidFill>
-                              <a:srgbClr val="7030A0"/>
-                            </a:solidFill>
-                            <a:latin typeface="Cambria Math" panose="02040503050406030204" pitchFamily="18" charset="0"/>
-                          </a:rPr>
-                          <m:t>𝒉</m:t>
-                        </m:r>
-                      </m:e>
-                      <m:sub>
-                        <m:r>
-                          <a:rPr lang="en-GB" sz="2800" b="1" i="1" smtClean="0">
-                            <a:solidFill>
-                              <a:srgbClr val="7030A0"/>
-                            </a:solidFill>
-                            <a:latin typeface="Cambria Math" panose="02040503050406030204" pitchFamily="18" charset="0"/>
-                          </a:rPr>
-                          <m:t>𝒕</m:t>
-                        </m:r>
-                      </m:sub>
-                    </m:sSub>
-                  </m:oMath>
-                </a14:m>
-                <a:r>
-                  <a:rPr lang="en-SG" dirty="0"/>
-                  <a:t> </a:t>
-                </a:r>
-                <a:r>
-                  <a:rPr lang="en-SG" b="1" dirty="0"/>
-                  <a:t>would allow the model to remember more things and therefore lead to better performance.</a:t>
-                </a:r>
-              </a:p>
-            </p:txBody>
-          </p:sp>
-        </mc:Choice>
-        <mc:Fallback xmlns="">
-          <p:sp>
-            <p:nvSpPr>
-              <p:cNvPr id="3" name="Content Placeholder 2">
-                <a:extLst>
-                  <a:ext uri="{FF2B5EF4-FFF2-40B4-BE49-F238E27FC236}">
-                    <a16:creationId xmlns:a16="http://schemas.microsoft.com/office/drawing/2014/main" id="{3F321E73-C55F-1D84-B04E-3A310D33B527}"/>
-                  </a:ext>
-                </a:extLst>
-              </p:cNvPr>
-              <p:cNvSpPr>
-                <a:spLocks noGrp="1" noRot="1" noChangeAspect="1" noMove="1" noResize="1" noEditPoints="1" noAdjustHandles="1" noChangeArrowheads="1" noChangeShapeType="1" noTextEdit="1"/>
-              </p:cNvSpPr>
-              <p:nvPr>
-                <p:ph idx="1"/>
-              </p:nvPr>
-            </p:nvSpPr>
-            <p:spPr>
-              <a:xfrm>
-                <a:off x="838200" y="1825624"/>
-                <a:ext cx="10515600" cy="5032375"/>
-              </a:xfrm>
-              <a:blipFill>
-                <a:blip r:embed="rId2"/>
-                <a:stretch>
-                  <a:fillRect l="-1217" t="-1937" r="-1739"/>
-                </a:stretch>
-              </a:blipFill>
-            </p:spPr>
-            <p:txBody>
-              <a:bodyPr/>
-              <a:lstStyle/>
-              <a:p>
-                <a:r>
-                  <a:rPr lang="en-SG">
-                    <a:noFill/>
-                  </a:rPr>
-                  <a:t> </a:t>
-                </a:r>
-              </a:p>
-            </p:txBody>
-          </p:sp>
-        </mc:Fallback>
-      </mc:AlternateContent>
-    </p:spTree>
-    <p:extLst>
-      <p:ext uri="{BB962C8B-B14F-4D97-AF65-F5344CB8AC3E}">
-        <p14:creationId xmlns:p14="http://schemas.microsoft.com/office/powerpoint/2010/main" val="1663617131"/>
-      </p:ext>
-    </p:extLst>
-  </p:cSld>
-  <p:clrMapOvr>
-    <a:masterClrMapping/>
-  </p:clrMapOvr>
-</p:sld>
-</file>
-
 <file path=ppt/slides/slide42.xml><?xml version="1.0" encoding="utf-8"?>
 <p:sld xmlns:a="http://schemas.openxmlformats.org/drawingml/2006/main" xmlns:r="http://schemas.openxmlformats.org/officeDocument/2006/relationships" xmlns:p="http://schemas.openxmlformats.org/presentationml/2006/main">
   <p:cSld>
@@ -27307,107 +27958,304 @@
           </a:p>
         </p:txBody>
       </p:sp>
-      <p:sp>
-        <p:nvSpPr>
-          <p:cNvPr id="3" name="Content Placeholder 2">
-            <a:extLst>
-              <a:ext uri="{FF2B5EF4-FFF2-40B4-BE49-F238E27FC236}">
-                <a16:creationId xmlns:a16="http://schemas.microsoft.com/office/drawing/2014/main" id="{3F321E73-C55F-1D84-B04E-3A310D33B527}"/>
-              </a:ext>
-            </a:extLst>
-          </p:cNvPr>
-          <p:cNvSpPr>
-            <a:spLocks noGrp="1"/>
-          </p:cNvSpPr>
-          <p:nvPr>
-            <p:ph idx="1"/>
-          </p:nvPr>
-        </p:nvSpPr>
-        <p:spPr>
-          <a:xfrm>
-            <a:off x="838200" y="1825624"/>
-            <a:ext cx="10515600" cy="5032375"/>
-          </a:xfrm>
-        </p:spPr>
-        <p:txBody>
-          <a:bodyPr>
-            <a:normAutofit/>
-          </a:bodyPr>
-          <a:lstStyle/>
-          <a:p>
-            <a:pPr marL="0" indent="0">
-              <a:buNone/>
-            </a:pPr>
-            <a:r>
-              <a:rPr lang="en-SG" sz="2800" dirty="0"/>
-              <a:t>In practice,</a:t>
-            </a:r>
-            <a:endParaRPr lang="en-GB" dirty="0"/>
-          </a:p>
-          <a:p>
-            <a:pPr marL="514350" indent="-514350">
-              <a:buFont typeface="+mj-lt"/>
-              <a:buAutoNum type="arabicPeriod"/>
-            </a:pPr>
-            <a:r>
-              <a:rPr lang="en-GB" b="1" dirty="0"/>
-              <a:t>Consider the time scale of the problem: </a:t>
-            </a:r>
-            <a:r>
-              <a:rPr lang="en-GB" dirty="0"/>
-              <a:t>The appropriate lookback length typically depends on the </a:t>
-            </a:r>
-            <a:r>
-              <a:rPr lang="en-GB" b="1" dirty="0"/>
-              <a:t>time scale of the problem </a:t>
-            </a:r>
-            <a:r>
-              <a:rPr lang="en-GB" dirty="0"/>
-              <a:t>you are trying to solve.</a:t>
-            </a:r>
-          </a:p>
-          <a:p>
-            <a:pPr marL="0" indent="0">
-              <a:buNone/>
-            </a:pPr>
-            <a:r>
-              <a:rPr lang="en-GB" dirty="0"/>
-              <a:t>For example, if you are trying to predict daily stock prices, you might use a lookback length of 30 days. If you are trying to predict hourly traffic patterns, you might use a lookback length of 24 hours.</a:t>
-            </a:r>
-          </a:p>
-          <a:p>
-            <a:pPr marL="0" indent="0">
-              <a:buNone/>
-            </a:pPr>
-            <a:r>
-              <a:rPr lang="en-GB" dirty="0"/>
-              <a:t>(Typically, look at seasonality and trend of your data!)</a:t>
-            </a:r>
-          </a:p>
-          <a:p>
-            <a:pPr marL="0" indent="0">
-              <a:buNone/>
-            </a:pPr>
-            <a:r>
-              <a:rPr lang="en-GB" b="1" dirty="0">
-                <a:sym typeface="Wingdings" panose="05000000000000000000" pitchFamily="2" charset="2"/>
-              </a:rPr>
-              <a:t> </a:t>
-            </a:r>
-            <a:r>
-              <a:rPr lang="en-GB" b="1" dirty="0"/>
-              <a:t>The more information you need in the memory, the larger the memory size of it should be.</a:t>
-            </a:r>
-          </a:p>
-          <a:p>
-            <a:endParaRPr lang="en-SG" dirty="0"/>
-          </a:p>
-        </p:txBody>
-      </p:sp>
+      <mc:AlternateContent xmlns:mc="http://schemas.openxmlformats.org/markup-compatibility/2006" xmlns:a14="http://schemas.microsoft.com/office/drawing/2010/main">
+        <mc:Choice Requires="a14">
+          <p:sp>
+            <p:nvSpPr>
+              <p:cNvPr id="3" name="Content Placeholder 2">
+                <a:extLst>
+                  <a:ext uri="{FF2B5EF4-FFF2-40B4-BE49-F238E27FC236}">
+                    <a16:creationId xmlns:a16="http://schemas.microsoft.com/office/drawing/2014/main" id="{3F321E73-C55F-1D84-B04E-3A310D33B527}"/>
+                  </a:ext>
+                </a:extLst>
+              </p:cNvPr>
+              <p:cNvSpPr>
+                <a:spLocks noGrp="1"/>
+              </p:cNvSpPr>
+              <p:nvPr>
+                <p:ph idx="1"/>
+              </p:nvPr>
+            </p:nvSpPr>
+            <p:spPr>
+              <a:xfrm>
+                <a:off x="838200" y="1825624"/>
+                <a:ext cx="10515600" cy="5032375"/>
+              </a:xfrm>
+            </p:spPr>
+            <p:txBody>
+              <a:bodyPr>
+                <a:normAutofit/>
+              </a:bodyPr>
+              <a:lstStyle/>
+              <a:p>
+                <a:pPr marL="0" indent="0">
+                  <a:buNone/>
+                </a:pPr>
+                <a:r>
+                  <a:rPr lang="en-GB" b="1" dirty="0">
+                    <a:solidFill>
+                      <a:srgbClr val="7030A0"/>
+                    </a:solidFill>
+                  </a:rPr>
+                  <a:t>Question: How would we decide the </a:t>
+                </a:r>
+                <a:r>
+                  <a:rPr lang="en-GB" sz="2800" b="1" dirty="0">
+                    <a:solidFill>
+                      <a:srgbClr val="7030A0"/>
+                    </a:solidFill>
+                  </a:rPr>
+                  <a:t>size </a:t>
+                </a:r>
+                <a14:m>
+                  <m:oMath xmlns:m="http://schemas.openxmlformats.org/officeDocument/2006/math">
+                    <m:r>
+                      <a:rPr lang="en-GB" b="1" i="1">
+                        <a:solidFill>
+                          <a:srgbClr val="7030A0"/>
+                        </a:solidFill>
+                        <a:latin typeface="Cambria Math" panose="02040503050406030204" pitchFamily="18" charset="0"/>
+                      </a:rPr>
+                      <m:t>𝒍</m:t>
+                    </m:r>
+                  </m:oMath>
+                </a14:m>
+                <a:r>
+                  <a:rPr lang="en-GB" sz="2800" b="1" dirty="0">
+                    <a:solidFill>
+                      <a:srgbClr val="7030A0"/>
+                    </a:solidFill>
+                  </a:rPr>
+                  <a:t> of the memory vector </a:t>
+                </a:r>
+                <a14:m>
+                  <m:oMath xmlns:m="http://schemas.openxmlformats.org/officeDocument/2006/math">
+                    <m:sSub>
+                      <m:sSubPr>
+                        <m:ctrlPr>
+                          <a:rPr lang="en-GB" sz="2800" b="1" i="1" smtClean="0">
+                            <a:solidFill>
+                              <a:srgbClr val="7030A0"/>
+                            </a:solidFill>
+                            <a:latin typeface="Cambria Math" panose="02040503050406030204" pitchFamily="18" charset="0"/>
+                          </a:rPr>
+                        </m:ctrlPr>
+                      </m:sSubPr>
+                      <m:e>
+                        <m:r>
+                          <a:rPr lang="en-GB" sz="2800" b="1" i="1" smtClean="0">
+                            <a:solidFill>
+                              <a:srgbClr val="7030A0"/>
+                            </a:solidFill>
+                            <a:latin typeface="Cambria Math" panose="02040503050406030204" pitchFamily="18" charset="0"/>
+                          </a:rPr>
+                          <m:t>𝒉</m:t>
+                        </m:r>
+                      </m:e>
+                      <m:sub>
+                        <m:r>
+                          <a:rPr lang="en-GB" sz="2800" b="1" i="1" smtClean="0">
+                            <a:solidFill>
+                              <a:srgbClr val="7030A0"/>
+                            </a:solidFill>
+                            <a:latin typeface="Cambria Math" panose="02040503050406030204" pitchFamily="18" charset="0"/>
+                          </a:rPr>
+                          <m:t>𝒕</m:t>
+                        </m:r>
+                      </m:sub>
+                    </m:sSub>
+                  </m:oMath>
+                </a14:m>
+                <a:r>
+                  <a:rPr lang="en-SG" sz="2800" b="1" dirty="0">
+                    <a:solidFill>
+                      <a:srgbClr val="7030A0"/>
+                    </a:solidFill>
+                  </a:rPr>
+                  <a:t> to use for our RNN?</a:t>
+                </a:r>
+                <a:endParaRPr lang="en-GB" b="1" dirty="0">
+                  <a:solidFill>
+                    <a:srgbClr val="7030A0"/>
+                  </a:solidFill>
+                </a:endParaRPr>
+              </a:p>
+              <a:p>
+                <a:pPr marL="0" indent="0">
+                  <a:buNone/>
+                </a:pPr>
+                <a:endParaRPr lang="en-SG" dirty="0"/>
+              </a:p>
+              <a:p>
+                <a:pPr marL="0" indent="0">
+                  <a:buNone/>
+                </a:pPr>
+                <a:r>
+                  <a:rPr lang="en-SG" dirty="0"/>
+                  <a:t>Remember: We said earlier that </a:t>
+                </a:r>
+                <a:r>
+                  <a:rPr lang="en-SG" i="1" dirty="0"/>
+                  <a:t>“In </a:t>
+                </a:r>
+                <a:r>
+                  <a:rPr lang="en-GB" i="1" dirty="0"/>
+                  <a:t>general: Having more datapoints in the history (i.e. a greater history length), will usually lead to a model that performs better.”</a:t>
+                </a:r>
+              </a:p>
+              <a:p>
+                <a:pPr marL="0" indent="0">
+                  <a:buNone/>
+                </a:pPr>
+                <a:endParaRPr lang="en-GB" b="1" dirty="0"/>
+              </a:p>
+              <a:p>
+                <a:pPr marL="0" indent="0">
+                  <a:buNone/>
+                </a:pPr>
+                <a:r>
+                  <a:rPr lang="en-GB" b="1" dirty="0"/>
+                  <a:t>Same intuition: It would make sense that having a </a:t>
+                </a:r>
+                <a:r>
+                  <a:rPr lang="en-GB" b="1" dirty="0">
+                    <a:solidFill>
+                      <a:srgbClr val="7030A0"/>
+                    </a:solidFill>
+                  </a:rPr>
+                  <a:t>higher</a:t>
+                </a:r>
+                <a:r>
+                  <a:rPr lang="en-GB" b="1" dirty="0"/>
+                  <a:t> </a:t>
+                </a:r>
+                <a:r>
+                  <a:rPr lang="en-GB" sz="2800" b="1" dirty="0">
+                    <a:solidFill>
+                      <a:srgbClr val="7030A0"/>
+                    </a:solidFill>
+                  </a:rPr>
+                  <a:t>size </a:t>
+                </a:r>
+                <a14:m>
+                  <m:oMath xmlns:m="http://schemas.openxmlformats.org/officeDocument/2006/math">
+                    <m:r>
+                      <a:rPr lang="en-GB" b="1" i="1">
+                        <a:solidFill>
+                          <a:srgbClr val="7030A0"/>
+                        </a:solidFill>
+                        <a:latin typeface="Cambria Math" panose="02040503050406030204" pitchFamily="18" charset="0"/>
+                      </a:rPr>
+                      <m:t>𝒍</m:t>
+                    </m:r>
+                  </m:oMath>
+                </a14:m>
+                <a:r>
+                  <a:rPr lang="en-GB" sz="2800" b="1" dirty="0">
+                    <a:solidFill>
+                      <a:srgbClr val="7030A0"/>
+                    </a:solidFill>
+                  </a:rPr>
+                  <a:t> of the memory vector </a:t>
+                </a:r>
+                <a14:m>
+                  <m:oMath xmlns:m="http://schemas.openxmlformats.org/officeDocument/2006/math">
+                    <m:sSub>
+                      <m:sSubPr>
+                        <m:ctrlPr>
+                          <a:rPr lang="en-GB" sz="2800" b="1" i="1" smtClean="0">
+                            <a:solidFill>
+                              <a:srgbClr val="7030A0"/>
+                            </a:solidFill>
+                            <a:latin typeface="Cambria Math" panose="02040503050406030204" pitchFamily="18" charset="0"/>
+                          </a:rPr>
+                        </m:ctrlPr>
+                      </m:sSubPr>
+                      <m:e>
+                        <m:r>
+                          <a:rPr lang="en-GB" sz="2800" b="1" i="1" smtClean="0">
+                            <a:solidFill>
+                              <a:srgbClr val="7030A0"/>
+                            </a:solidFill>
+                            <a:latin typeface="Cambria Math" panose="02040503050406030204" pitchFamily="18" charset="0"/>
+                          </a:rPr>
+                          <m:t>𝒉</m:t>
+                        </m:r>
+                      </m:e>
+                      <m:sub>
+                        <m:r>
+                          <a:rPr lang="en-GB" sz="2800" b="1" i="1" smtClean="0">
+                            <a:solidFill>
+                              <a:srgbClr val="7030A0"/>
+                            </a:solidFill>
+                            <a:latin typeface="Cambria Math" panose="02040503050406030204" pitchFamily="18" charset="0"/>
+                          </a:rPr>
+                          <m:t>𝒕</m:t>
+                        </m:r>
+                      </m:sub>
+                    </m:sSub>
+                  </m:oMath>
+                </a14:m>
+                <a:r>
+                  <a:rPr lang="en-SG" dirty="0"/>
+                  <a:t> </a:t>
+                </a:r>
+                <a:r>
+                  <a:rPr lang="en-SG" b="1" dirty="0"/>
+                  <a:t>would allow the model to remember more things and therefore lead to better performance.</a:t>
+                </a:r>
+              </a:p>
+            </p:txBody>
+          </p:sp>
+        </mc:Choice>
+        <mc:Fallback xmlns="">
+          <p:sp>
+            <p:nvSpPr>
+              <p:cNvPr id="3" name="Content Placeholder 2">
+                <a:extLst>
+                  <a:ext uri="{FF2B5EF4-FFF2-40B4-BE49-F238E27FC236}">
+                    <a16:creationId xmlns:a16="http://schemas.microsoft.com/office/drawing/2014/main" id="{3F321E73-C55F-1D84-B04E-3A310D33B527}"/>
+                  </a:ext>
+                </a:extLst>
+              </p:cNvPr>
+              <p:cNvSpPr>
+                <a:spLocks noGrp="1" noRot="1" noChangeAspect="1" noMove="1" noResize="1" noEditPoints="1" noAdjustHandles="1" noChangeArrowheads="1" noChangeShapeType="1" noTextEdit="1"/>
+              </p:cNvSpPr>
+              <p:nvPr>
+                <p:ph idx="1"/>
+              </p:nvPr>
+            </p:nvSpPr>
+            <p:spPr>
+              <a:xfrm>
+                <a:off x="838200" y="1825624"/>
+                <a:ext cx="10515600" cy="5032375"/>
+              </a:xfrm>
+              <a:blipFill>
+                <a:blip r:embed="rId2"/>
+                <a:stretch>
+                  <a:fillRect l="-1217" t="-1937" r="-1739"/>
+                </a:stretch>
+              </a:blipFill>
+            </p:spPr>
+            <p:txBody>
+              <a:bodyPr/>
+              <a:lstStyle/>
+              <a:p>
+                <a:r>
+                  <a:rPr lang="en-SG">
+                    <a:noFill/>
+                  </a:rPr>
+                  <a:t> </a:t>
+                </a:r>
+              </a:p>
+            </p:txBody>
+          </p:sp>
+        </mc:Fallback>
+      </mc:AlternateContent>
     </p:spTree>
     <p:extLst>
       <p:ext uri="{BB962C8B-B14F-4D97-AF65-F5344CB8AC3E}">
-        <p14:creationId xmlns:p14="http://schemas.microsoft.com/office/powerpoint/2010/main" val="1885554493"/>
+        <p14:creationId xmlns:p14="http://schemas.microsoft.com/office/powerpoint/2010/main" val="1663617131"/>
       </p:ext>
     </p:extLst>
   </p:cSld>
@@ -27495,6 +28343,162 @@
               <a:buNone/>
             </a:pPr>
             <a:r>
+              <a:rPr lang="en-SG" sz="2800" dirty="0"/>
+              <a:t>In practice,</a:t>
+            </a:r>
+            <a:endParaRPr lang="en-GB" dirty="0"/>
+          </a:p>
+          <a:p>
+            <a:pPr marL="514350" indent="-514350">
+              <a:buFont typeface="+mj-lt"/>
+              <a:buAutoNum type="arabicPeriod"/>
+            </a:pPr>
+            <a:r>
+              <a:rPr lang="en-GB" b="1" dirty="0"/>
+              <a:t>Consider the time scale of the problem: </a:t>
+            </a:r>
+            <a:r>
+              <a:rPr lang="en-GB" dirty="0"/>
+              <a:t>The appropriate lookback length typically depends on the </a:t>
+            </a:r>
+            <a:r>
+              <a:rPr lang="en-GB" b="1" dirty="0"/>
+              <a:t>time scale of the problem </a:t>
+            </a:r>
+            <a:r>
+              <a:rPr lang="en-GB" dirty="0"/>
+              <a:t>you are trying to solve.</a:t>
+            </a:r>
+          </a:p>
+          <a:p>
+            <a:pPr marL="0" indent="0">
+              <a:buNone/>
+            </a:pPr>
+            <a:r>
+              <a:rPr lang="en-GB" dirty="0"/>
+              <a:t>For example, if you are trying to predict daily stock prices, you might use a lookback length of 30 days. If you are trying to predict hourly traffic patterns, you might use a lookback length of 24 hours.</a:t>
+            </a:r>
+          </a:p>
+          <a:p>
+            <a:pPr marL="0" indent="0">
+              <a:buNone/>
+            </a:pPr>
+            <a:r>
+              <a:rPr lang="en-GB" dirty="0"/>
+              <a:t>(Typically, look at seasonality and trend of your data!)</a:t>
+            </a:r>
+          </a:p>
+          <a:p>
+            <a:pPr marL="0" indent="0">
+              <a:buNone/>
+            </a:pPr>
+            <a:r>
+              <a:rPr lang="en-GB" b="1" dirty="0">
+                <a:sym typeface="Wingdings" panose="05000000000000000000" pitchFamily="2" charset="2"/>
+              </a:rPr>
+              <a:t> </a:t>
+            </a:r>
+            <a:r>
+              <a:rPr lang="en-GB" b="1" dirty="0"/>
+              <a:t>The more information you need in the memory, the larger the memory size of it should be.</a:t>
+            </a:r>
+          </a:p>
+          <a:p>
+            <a:endParaRPr lang="en-SG" dirty="0"/>
+          </a:p>
+        </p:txBody>
+      </p:sp>
+    </p:spTree>
+    <p:extLst>
+      <p:ext uri="{BB962C8B-B14F-4D97-AF65-F5344CB8AC3E}">
+        <p14:creationId xmlns:p14="http://schemas.microsoft.com/office/powerpoint/2010/main" val="1885554493"/>
+      </p:ext>
+    </p:extLst>
+  </p:cSld>
+  <p:clrMapOvr>
+    <a:masterClrMapping/>
+  </p:clrMapOvr>
+</p:sld>
+</file>
+
+<file path=ppt/slides/slide44.xml><?xml version="1.0" encoding="utf-8"?>
+<p:sld xmlns:a="http://schemas.openxmlformats.org/drawingml/2006/main" xmlns:r="http://schemas.openxmlformats.org/officeDocument/2006/relationships" xmlns:p="http://schemas.openxmlformats.org/presentationml/2006/main">
+  <p:cSld>
+    <p:spTree>
+      <p:nvGrpSpPr>
+        <p:cNvPr id="1" name=""/>
+        <p:cNvGrpSpPr/>
+        <p:nvPr/>
+      </p:nvGrpSpPr>
+      <p:grpSpPr>
+        <a:xfrm>
+          <a:off x="0" y="0"/>
+          <a:ext cx="0" cy="0"/>
+          <a:chOff x="0" y="0"/>
+          <a:chExt cx="0" cy="0"/>
+        </a:xfrm>
+      </p:grpSpPr>
+      <p:sp>
+        <p:nvSpPr>
+          <p:cNvPr id="2" name="Title 1">
+            <a:extLst>
+              <a:ext uri="{FF2B5EF4-FFF2-40B4-BE49-F238E27FC236}">
+                <a16:creationId xmlns:a16="http://schemas.microsoft.com/office/drawing/2014/main" id="{B7F2B696-BAB3-3B95-364A-DA9C343AFF9C}"/>
+              </a:ext>
+            </a:extLst>
+          </p:cNvPr>
+          <p:cNvSpPr>
+            <a:spLocks noGrp="1"/>
+          </p:cNvSpPr>
+          <p:nvPr>
+            <p:ph type="title"/>
+          </p:nvPr>
+        </p:nvSpPr>
+        <p:spPr/>
+        <p:txBody>
+          <a:bodyPr/>
+          <a:lstStyle/>
+          <a:p>
+            <a:r>
+              <a:rPr lang="en-GB" dirty="0"/>
+              <a:t>What is a good memory length then?</a:t>
+            </a:r>
+            <a:endParaRPr lang="en-SG" dirty="0"/>
+          </a:p>
+        </p:txBody>
+      </p:sp>
+      <p:sp>
+        <p:nvSpPr>
+          <p:cNvPr id="3" name="Content Placeholder 2">
+            <a:extLst>
+              <a:ext uri="{FF2B5EF4-FFF2-40B4-BE49-F238E27FC236}">
+                <a16:creationId xmlns:a16="http://schemas.microsoft.com/office/drawing/2014/main" id="{3F321E73-C55F-1D84-B04E-3A310D33B527}"/>
+              </a:ext>
+            </a:extLst>
+          </p:cNvPr>
+          <p:cNvSpPr>
+            <a:spLocks noGrp="1"/>
+          </p:cNvSpPr>
+          <p:nvPr>
+            <p:ph idx="1"/>
+          </p:nvPr>
+        </p:nvSpPr>
+        <p:spPr>
+          <a:xfrm>
+            <a:off x="838200" y="1825624"/>
+            <a:ext cx="10515600" cy="5032375"/>
+          </a:xfrm>
+        </p:spPr>
+        <p:txBody>
+          <a:bodyPr>
+            <a:normAutofit/>
+          </a:bodyPr>
+          <a:lstStyle/>
+          <a:p>
+            <a:pPr marL="0" indent="0">
+              <a:buNone/>
+            </a:pPr>
+            <a:r>
               <a:rPr lang="en-SG" dirty="0"/>
               <a:t>In practice,</a:t>
             </a:r>
@@ -27570,7 +28574,7 @@
 </p:sld>
 </file>
 
-<file path=ppt/slides/slide44.xml><?xml version="1.0" encoding="utf-8"?>
+<file path=ppt/slides/slide45.xml><?xml version="1.0" encoding="utf-8"?>
 <p:sld xmlns:a="http://schemas.openxmlformats.org/drawingml/2006/main" xmlns:r="http://schemas.openxmlformats.org/officeDocument/2006/relationships" xmlns:p="http://schemas.openxmlformats.org/presentationml/2006/main">
   <p:cSld>
     <p:spTree>
@@ -27658,7 +28662,7 @@
 </p:sld>
 </file>
 
-<file path=ppt/slides/slide45.xml><?xml version="1.0" encoding="utf-8"?>
+<file path=ppt/slides/slide46.xml><?xml version="1.0" encoding="utf-8"?>
 <p:sld xmlns:a="http://schemas.openxmlformats.org/drawingml/2006/main" xmlns:r="http://schemas.openxmlformats.org/officeDocument/2006/relationships" xmlns:p="http://schemas.openxmlformats.org/presentationml/2006/main">
   <p:cSld>
     <p:spTree>
@@ -28169,7 +29173,7 @@
 </p:sld>
 </file>
 
-<file path=ppt/slides/slide46.xml><?xml version="1.0" encoding="utf-8"?>
+<file path=ppt/slides/slide47.xml><?xml version="1.0" encoding="utf-8"?>
 <p:sld xmlns:a="http://schemas.openxmlformats.org/drawingml/2006/main" xmlns:r="http://schemas.openxmlformats.org/officeDocument/2006/relationships" xmlns:p="http://schemas.openxmlformats.org/presentationml/2006/main">
   <p:cSld>
     <p:spTree>
@@ -29848,7 +30852,7 @@
 </p:sld>
 </file>
 
-<file path=ppt/slides/slide47.xml><?xml version="1.0" encoding="utf-8"?>
+<file path=ppt/slides/slide48.xml><?xml version="1.0" encoding="utf-8"?>
 <p:sld xmlns:a="http://schemas.openxmlformats.org/drawingml/2006/main" xmlns:r="http://schemas.openxmlformats.org/officeDocument/2006/relationships" xmlns:p="http://schemas.openxmlformats.org/presentationml/2006/main">
   <p:cSld>
     <p:spTree>
@@ -30234,7 +31238,7 @@
 </p:sld>
 </file>
 
-<file path=ppt/slides/slide48.xml><?xml version="1.0" encoding="utf-8"?>
+<file path=ppt/slides/slide49.xml><?xml version="1.0" encoding="utf-8"?>
 <p:sld xmlns:a="http://schemas.openxmlformats.org/drawingml/2006/main" xmlns:r="http://schemas.openxmlformats.org/officeDocument/2006/relationships" xmlns:p="http://schemas.openxmlformats.org/presentationml/2006/main">
   <p:cSld>
     <p:spTree>
@@ -30462,356 +31466,6 @@
     <p:extLst>
       <p:ext uri="{BB962C8B-B14F-4D97-AF65-F5344CB8AC3E}">
         <p14:creationId xmlns:p14="http://schemas.microsoft.com/office/powerpoint/2010/main" val="2646292586"/>
-      </p:ext>
-    </p:extLst>
-  </p:cSld>
-  <p:clrMapOvr>
-    <a:masterClrMapping/>
-  </p:clrMapOvr>
-</p:sld>
-</file>
-
-<file path=ppt/slides/slide49.xml><?xml version="1.0" encoding="utf-8"?>
-<p:sld xmlns:a="http://schemas.openxmlformats.org/drawingml/2006/main" xmlns:r="http://schemas.openxmlformats.org/officeDocument/2006/relationships" xmlns:p="http://schemas.openxmlformats.org/presentationml/2006/main">
-  <p:cSld>
-    <p:spTree>
-      <p:nvGrpSpPr>
-        <p:cNvPr id="1" name=""/>
-        <p:cNvGrpSpPr/>
-        <p:nvPr/>
-      </p:nvGrpSpPr>
-      <p:grpSpPr>
-        <a:xfrm>
-          <a:off x="0" y="0"/>
-          <a:ext cx="0" cy="0"/>
-          <a:chOff x="0" y="0"/>
-          <a:chExt cx="0" cy="0"/>
-        </a:xfrm>
-      </p:grpSpPr>
-      <p:sp>
-        <p:nvSpPr>
-          <p:cNvPr id="2" name="Title 1">
-            <a:extLst>
-              <a:ext uri="{FF2B5EF4-FFF2-40B4-BE49-F238E27FC236}">
-                <a16:creationId xmlns:a16="http://schemas.microsoft.com/office/drawing/2014/main" id="{837744AD-8C96-9D7F-5FF3-DFA6E36E9AD6}"/>
-              </a:ext>
-            </a:extLst>
-          </p:cNvPr>
-          <p:cNvSpPr>
-            <a:spLocks noGrp="1"/>
-          </p:cNvSpPr>
-          <p:nvPr>
-            <p:ph type="title"/>
-          </p:nvPr>
-        </p:nvSpPr>
-        <p:spPr/>
-        <p:txBody>
-          <a:bodyPr/>
-          <a:lstStyle/>
-          <a:p>
-            <a:r>
-              <a:rPr lang="en-GB" dirty="0"/>
-              <a:t>The vanishing gradient problem (part 3)</a:t>
-            </a:r>
-            <a:endParaRPr lang="en-SG" dirty="0"/>
-          </a:p>
-        </p:txBody>
-      </p:sp>
-      <mc:AlternateContent xmlns:mc="http://schemas.openxmlformats.org/markup-compatibility/2006" xmlns:a14="http://schemas.microsoft.com/office/drawing/2010/main">
-        <mc:Choice Requires="a14">
-          <p:sp>
-            <p:nvSpPr>
-              <p:cNvPr id="3" name="Content Placeholder 2">
-                <a:extLst>
-                  <a:ext uri="{FF2B5EF4-FFF2-40B4-BE49-F238E27FC236}">
-                    <a16:creationId xmlns:a16="http://schemas.microsoft.com/office/drawing/2014/main" id="{C27E85C4-C37D-BCBC-37B4-67BAAE68237E}"/>
-                  </a:ext>
-                </a:extLst>
-              </p:cNvPr>
-              <p:cNvSpPr>
-                <a:spLocks noGrp="1"/>
-              </p:cNvSpPr>
-              <p:nvPr>
-                <p:ph sz="half" idx="1"/>
-              </p:nvPr>
-            </p:nvSpPr>
-            <p:spPr>
-              <a:xfrm>
-                <a:off x="838200" y="1825624"/>
-                <a:ext cx="5181600" cy="5032375"/>
-              </a:xfrm>
-            </p:spPr>
-            <p:txBody>
-              <a:bodyPr>
-                <a:noAutofit/>
-              </a:bodyPr>
-              <a:lstStyle/>
-              <a:p>
-                <a:pPr marL="0" indent="0">
-                  <a:buNone/>
-                </a:pPr>
-                <a:r>
-                  <a:rPr lang="en-GB" sz="2400" dirty="0"/>
-                  <a:t>The </a:t>
-                </a:r>
-                <a:r>
-                  <a:rPr lang="en-GB" sz="2400" b="1" dirty="0"/>
-                  <a:t>vanishing</a:t>
-                </a:r>
-                <a:r>
-                  <a:rPr lang="en-GB" sz="2400" dirty="0"/>
-                  <a:t> </a:t>
-                </a:r>
-                <a:r>
-                  <a:rPr lang="en-GB" sz="2400" b="1" dirty="0"/>
-                  <a:t>gradient</a:t>
-                </a:r>
-                <a:r>
-                  <a:rPr lang="en-GB" sz="2400" dirty="0"/>
-                  <a:t> </a:t>
-                </a:r>
-                <a:r>
-                  <a:rPr lang="en-GB" sz="2400" b="1" dirty="0"/>
-                  <a:t>problem</a:t>
-                </a:r>
-                <a:r>
-                  <a:rPr lang="en-GB" sz="2400" dirty="0"/>
-                  <a:t> can often occur in RNNs during training. </a:t>
-                </a:r>
-              </a:p>
-              <a:p>
-                <a:r>
-                  <a:rPr lang="en-GB" sz="2400" dirty="0"/>
-                  <a:t>In RNNs, each hidden state </a:t>
-                </a:r>
-                <a14:m>
-                  <m:oMath xmlns:m="http://schemas.openxmlformats.org/officeDocument/2006/math">
-                    <m:sSub>
-                      <m:sSubPr>
-                        <m:ctrlPr>
-                          <a:rPr lang="en-GB" sz="2400" i="1" dirty="0" smtClean="0">
-                            <a:latin typeface="Cambria Math" panose="02040503050406030204" pitchFamily="18" charset="0"/>
-                          </a:rPr>
-                        </m:ctrlPr>
-                      </m:sSubPr>
-                      <m:e>
-                        <m:r>
-                          <a:rPr lang="en-GB" sz="2400" i="1" dirty="0" smtClean="0">
-                            <a:latin typeface="Cambria Math" panose="02040503050406030204" pitchFamily="18" charset="0"/>
-                          </a:rPr>
-                          <m:t>h</m:t>
-                        </m:r>
-                      </m:e>
-                      <m:sub>
-                        <m:r>
-                          <a:rPr lang="en-GB" sz="2400" i="1" dirty="0" smtClean="0">
-                            <a:latin typeface="Cambria Math" panose="02040503050406030204" pitchFamily="18" charset="0"/>
-                          </a:rPr>
-                          <m:t>𝑡</m:t>
-                        </m:r>
-                        <m:r>
-                          <a:rPr lang="en-GB" sz="2400" b="0" i="1" dirty="0" smtClean="0">
-                            <a:latin typeface="Cambria Math" panose="02040503050406030204" pitchFamily="18" charset="0"/>
-                          </a:rPr>
-                          <m:t>+1</m:t>
-                        </m:r>
-                      </m:sub>
-                    </m:sSub>
-                  </m:oMath>
-                </a14:m>
-                <a:r>
-                  <a:rPr lang="en-GB" sz="2400" dirty="0"/>
-                  <a:t> is updated via a function of the previous hidden state </a:t>
-                </a:r>
-                <a14:m>
-                  <m:oMath xmlns:m="http://schemas.openxmlformats.org/officeDocument/2006/math">
-                    <m:sSub>
-                      <m:sSubPr>
-                        <m:ctrlPr>
-                          <a:rPr lang="en-GB" sz="2400" b="0" i="1" smtClean="0">
-                            <a:latin typeface="Cambria Math" panose="02040503050406030204" pitchFamily="18" charset="0"/>
-                          </a:rPr>
-                        </m:ctrlPr>
-                      </m:sSubPr>
-                      <m:e>
-                        <m:r>
-                          <a:rPr lang="en-GB" sz="2400" b="0" i="1" smtClean="0">
-                            <a:latin typeface="Cambria Math" panose="02040503050406030204" pitchFamily="18" charset="0"/>
-                          </a:rPr>
-                          <m:t>h</m:t>
-                        </m:r>
-                      </m:e>
-                      <m:sub>
-                        <m:r>
-                          <a:rPr lang="en-GB" sz="2400" b="0" i="1" smtClean="0">
-                            <a:latin typeface="Cambria Math" panose="02040503050406030204" pitchFamily="18" charset="0"/>
-                          </a:rPr>
-                          <m:t>𝑡</m:t>
-                        </m:r>
-                      </m:sub>
-                    </m:sSub>
-                  </m:oMath>
-                </a14:m>
-                <a:r>
-                  <a:rPr lang="en-GB" sz="2400" dirty="0"/>
-                  <a:t> and the input </a:t>
-                </a:r>
-                <a14:m>
-                  <m:oMath xmlns:m="http://schemas.openxmlformats.org/officeDocument/2006/math">
-                    <m:sSub>
-                      <m:sSubPr>
-                        <m:ctrlPr>
-                          <a:rPr lang="en-GB" sz="2400" b="0" i="1" smtClean="0">
-                            <a:latin typeface="Cambria Math" panose="02040503050406030204" pitchFamily="18" charset="0"/>
-                          </a:rPr>
-                        </m:ctrlPr>
-                      </m:sSubPr>
-                      <m:e>
-                        <m:r>
-                          <a:rPr lang="en-GB" sz="2400" b="0" i="1" smtClean="0">
-                            <a:latin typeface="Cambria Math" panose="02040503050406030204" pitchFamily="18" charset="0"/>
-                          </a:rPr>
-                          <m:t>𝑥</m:t>
-                        </m:r>
-                      </m:e>
-                      <m:sub>
-                        <m:r>
-                          <a:rPr lang="en-GB" sz="2400" b="0" i="1" smtClean="0">
-                            <a:latin typeface="Cambria Math" panose="02040503050406030204" pitchFamily="18" charset="0"/>
-                          </a:rPr>
-                          <m:t>𝑡</m:t>
-                        </m:r>
-                      </m:sub>
-                    </m:sSub>
-                  </m:oMath>
-                </a14:m>
-                <a:r>
-                  <a:rPr lang="en-GB" sz="2400" dirty="0"/>
-                  <a:t>.</a:t>
-                </a:r>
-              </a:p>
-              <a:p>
-                <a:r>
-                  <a:rPr lang="en-GB" sz="2400" dirty="0"/>
-                  <a:t>During training, we used backpropagation over time, learning how to update the memory vectors over time for that problem/dataset.</a:t>
-                </a:r>
-              </a:p>
-              <a:p>
-                <a:r>
-                  <a:rPr lang="en-GB" sz="2400" dirty="0"/>
-                  <a:t>However, </a:t>
-                </a:r>
-                <a:r>
-                  <a:rPr lang="en-GB" sz="2400" b="1" dirty="0"/>
-                  <a:t>this backpropagation can result in very small gradients for the earlier time steps</a:t>
-                </a:r>
-                <a:r>
-                  <a:rPr lang="en-GB" sz="2400" dirty="0"/>
-                  <a:t>, where the weights are then updated very slowly.</a:t>
-                </a:r>
-                <a:endParaRPr lang="en-SG" sz="2400" dirty="0"/>
-              </a:p>
-            </p:txBody>
-          </p:sp>
-        </mc:Choice>
-        <mc:Fallback xmlns="">
-          <p:sp>
-            <p:nvSpPr>
-              <p:cNvPr id="3" name="Content Placeholder 2">
-                <a:extLst>
-                  <a:ext uri="{FF2B5EF4-FFF2-40B4-BE49-F238E27FC236}">
-                    <a16:creationId xmlns:a16="http://schemas.microsoft.com/office/drawing/2014/main" id="{C27E85C4-C37D-BCBC-37B4-67BAAE68237E}"/>
-                  </a:ext>
-                </a:extLst>
-              </p:cNvPr>
-              <p:cNvSpPr>
-                <a:spLocks noGrp="1" noRot="1" noChangeAspect="1" noMove="1" noResize="1" noEditPoints="1" noAdjustHandles="1" noChangeArrowheads="1" noChangeShapeType="1" noTextEdit="1"/>
-              </p:cNvSpPr>
-              <p:nvPr>
-                <p:ph sz="half" idx="1"/>
-              </p:nvPr>
-            </p:nvSpPr>
-            <p:spPr>
-              <a:xfrm>
-                <a:off x="838200" y="1825624"/>
-                <a:ext cx="5181600" cy="5032375"/>
-              </a:xfrm>
-              <a:blipFill>
-                <a:blip r:embed="rId2"/>
-                <a:stretch>
-                  <a:fillRect l="-1882" t="-1695" r="-2000"/>
-                </a:stretch>
-              </a:blipFill>
-            </p:spPr>
-            <p:txBody>
-              <a:bodyPr/>
-              <a:lstStyle/>
-              <a:p>
-                <a:r>
-                  <a:rPr lang="en-SG">
-                    <a:noFill/>
-                  </a:rPr>
-                  <a:t> </a:t>
-                </a:r>
-              </a:p>
-            </p:txBody>
-          </p:sp>
-        </mc:Fallback>
-      </mc:AlternateContent>
-      <p:sp>
-        <p:nvSpPr>
-          <p:cNvPr id="4" name="Content Placeholder 3">
-            <a:extLst>
-              <a:ext uri="{FF2B5EF4-FFF2-40B4-BE49-F238E27FC236}">
-                <a16:creationId xmlns:a16="http://schemas.microsoft.com/office/drawing/2014/main" id="{442E30AE-BB50-8C37-93E8-C2BA482A10BD}"/>
-              </a:ext>
-            </a:extLst>
-          </p:cNvPr>
-          <p:cNvSpPr>
-            <a:spLocks noGrp="1"/>
-          </p:cNvSpPr>
-          <p:nvPr>
-            <p:ph sz="half" idx="2"/>
-          </p:nvPr>
-        </p:nvSpPr>
-        <p:spPr>
-          <a:xfrm>
-            <a:off x="6172200" y="1825625"/>
-            <a:ext cx="5181600" cy="5032374"/>
-          </a:xfrm>
-        </p:spPr>
-        <p:txBody>
-          <a:bodyPr>
-            <a:normAutofit/>
-          </a:bodyPr>
-          <a:lstStyle/>
-          <a:p>
-            <a:r>
-              <a:rPr lang="en-GB" sz="2400" dirty="0"/>
-              <a:t>This can be particularly problematic for RNNs, since they are designed to handle time series data that can exhibit long-term dependencies.</a:t>
-            </a:r>
-          </a:p>
-          <a:p>
-            <a:r>
-              <a:rPr lang="en-GB" sz="2400" dirty="0"/>
-              <a:t>The vanishing gradient problem can be particularly severe in RNNs that use activation functions that saturate, such as the hyperbolic tangent (tanh) or sigmoid functions.</a:t>
-            </a:r>
-          </a:p>
-          <a:p>
-            <a:r>
-              <a:rPr lang="en-GB" sz="2400" dirty="0"/>
-              <a:t>Indeed, when the activation function saturates, the gradients become very small, making it difficult to propagate information through the network.</a:t>
-            </a:r>
-          </a:p>
-          <a:p>
-            <a:endParaRPr lang="en-SG" sz="2400" dirty="0"/>
-          </a:p>
-        </p:txBody>
-      </p:sp>
-    </p:spTree>
-    <p:extLst>
-      <p:ext uri="{BB962C8B-B14F-4D97-AF65-F5344CB8AC3E}">
-        <p14:creationId xmlns:p14="http://schemas.microsoft.com/office/powerpoint/2010/main" val="3425780644"/>
       </p:ext>
     </p:extLst>
   </p:cSld>
@@ -31306,6 +31960,1184 @@
 </file>
 
 <file path=ppt/slides/slide50.xml><?xml version="1.0" encoding="utf-8"?>
+<p:sld xmlns:a="http://schemas.openxmlformats.org/drawingml/2006/main" xmlns:r="http://schemas.openxmlformats.org/officeDocument/2006/relationships" xmlns:p="http://schemas.openxmlformats.org/presentationml/2006/main">
+  <p:cSld>
+    <p:spTree>
+      <p:nvGrpSpPr>
+        <p:cNvPr id="1" name=""/>
+        <p:cNvGrpSpPr/>
+        <p:nvPr/>
+      </p:nvGrpSpPr>
+      <p:grpSpPr>
+        <a:xfrm>
+          <a:off x="0" y="0"/>
+          <a:ext cx="0" cy="0"/>
+          <a:chOff x="0" y="0"/>
+          <a:chExt cx="0" cy="0"/>
+        </a:xfrm>
+      </p:grpSpPr>
+      <p:sp>
+        <p:nvSpPr>
+          <p:cNvPr id="2" name="Title 1">
+            <a:extLst>
+              <a:ext uri="{FF2B5EF4-FFF2-40B4-BE49-F238E27FC236}">
+                <a16:creationId xmlns:a16="http://schemas.microsoft.com/office/drawing/2014/main" id="{837744AD-8C96-9D7F-5FF3-DFA6E36E9AD6}"/>
+              </a:ext>
+            </a:extLst>
+          </p:cNvPr>
+          <p:cNvSpPr>
+            <a:spLocks noGrp="1"/>
+          </p:cNvSpPr>
+          <p:nvPr>
+            <p:ph type="title"/>
+          </p:nvPr>
+        </p:nvSpPr>
+        <p:spPr/>
+        <p:txBody>
+          <a:bodyPr/>
+          <a:lstStyle/>
+          <a:p>
+            <a:r>
+              <a:rPr lang="en-GB" dirty="0"/>
+              <a:t>The vanishing gradient problem (part 3)</a:t>
+            </a:r>
+            <a:endParaRPr lang="en-SG" dirty="0"/>
+          </a:p>
+        </p:txBody>
+      </p:sp>
+      <mc:AlternateContent xmlns:mc="http://schemas.openxmlformats.org/markup-compatibility/2006">
+        <mc:Choice xmlns:a14="http://schemas.microsoft.com/office/drawing/2010/main" Requires="a14">
+          <p:sp>
+            <p:nvSpPr>
+              <p:cNvPr id="3" name="Content Placeholder 2">
+                <a:extLst>
+                  <a:ext uri="{FF2B5EF4-FFF2-40B4-BE49-F238E27FC236}">
+                    <a16:creationId xmlns:a16="http://schemas.microsoft.com/office/drawing/2014/main" id="{C27E85C4-C37D-BCBC-37B4-67BAAE68237E}"/>
+                  </a:ext>
+                </a:extLst>
+              </p:cNvPr>
+              <p:cNvSpPr>
+                <a:spLocks noGrp="1"/>
+              </p:cNvSpPr>
+              <p:nvPr>
+                <p:ph idx="1"/>
+              </p:nvPr>
+            </p:nvSpPr>
+            <p:spPr/>
+            <p:txBody>
+              <a:bodyPr>
+                <a:noAutofit/>
+              </a:bodyPr>
+              <a:lstStyle/>
+              <a:p>
+                <a:pPr marL="0" indent="0">
+                  <a:buNone/>
+                </a:pPr>
+                <a:r>
+                  <a:rPr lang="en-GB" dirty="0"/>
+                  <a:t>The </a:t>
+                </a:r>
+                <a:r>
+                  <a:rPr lang="en-GB" b="1" dirty="0"/>
+                  <a:t>vanishing</a:t>
+                </a:r>
+                <a:r>
+                  <a:rPr lang="en-GB" dirty="0"/>
+                  <a:t> </a:t>
+                </a:r>
+                <a:r>
+                  <a:rPr lang="en-GB" b="1" dirty="0"/>
+                  <a:t>gradient</a:t>
+                </a:r>
+                <a:r>
+                  <a:rPr lang="en-GB" dirty="0"/>
+                  <a:t> </a:t>
+                </a:r>
+                <a:r>
+                  <a:rPr lang="en-GB" b="1" dirty="0"/>
+                  <a:t>problem</a:t>
+                </a:r>
+                <a:r>
+                  <a:rPr lang="en-GB" dirty="0"/>
+                  <a:t> can often occur in RNNs during training. </a:t>
+                </a:r>
+              </a:p>
+              <a:p>
+                <a:r>
+                  <a:rPr lang="en-GB" dirty="0"/>
+                  <a:t>In RNNs, each hidden state </a:t>
+                </a:r>
+                <a14:m>
+                  <m:oMath xmlns:m="http://schemas.openxmlformats.org/officeDocument/2006/math">
+                    <m:sSub>
+                      <m:sSubPr>
+                        <m:ctrlPr>
+                          <a:rPr lang="en-GB" i="1" dirty="0" smtClean="0">
+                            <a:latin typeface="Cambria Math" panose="02040503050406030204" pitchFamily="18" charset="0"/>
+                          </a:rPr>
+                        </m:ctrlPr>
+                      </m:sSubPr>
+                      <m:e>
+                        <m:r>
+                          <a:rPr lang="en-GB" i="1" dirty="0" smtClean="0">
+                            <a:latin typeface="Cambria Math" panose="02040503050406030204" pitchFamily="18" charset="0"/>
+                          </a:rPr>
+                          <m:t>h</m:t>
+                        </m:r>
+                      </m:e>
+                      <m:sub>
+                        <m:r>
+                          <a:rPr lang="en-GB" i="1" dirty="0" smtClean="0">
+                            <a:latin typeface="Cambria Math" panose="02040503050406030204" pitchFamily="18" charset="0"/>
+                          </a:rPr>
+                          <m:t>𝑡</m:t>
+                        </m:r>
+                        <m:r>
+                          <a:rPr lang="en-GB" b="0" i="1" dirty="0" smtClean="0">
+                            <a:latin typeface="Cambria Math" panose="02040503050406030204" pitchFamily="18" charset="0"/>
+                          </a:rPr>
+                          <m:t>+1</m:t>
+                        </m:r>
+                      </m:sub>
+                    </m:sSub>
+                  </m:oMath>
+                </a14:m>
+                <a:r>
+                  <a:rPr lang="en-GB" dirty="0"/>
+                  <a:t> is updated via a function of the previous hidden state </a:t>
+                </a:r>
+                <a14:m>
+                  <m:oMath xmlns:m="http://schemas.openxmlformats.org/officeDocument/2006/math">
+                    <m:sSub>
+                      <m:sSubPr>
+                        <m:ctrlPr>
+                          <a:rPr lang="en-GB" b="0" i="1" smtClean="0">
+                            <a:latin typeface="Cambria Math" panose="02040503050406030204" pitchFamily="18" charset="0"/>
+                          </a:rPr>
+                        </m:ctrlPr>
+                      </m:sSubPr>
+                      <m:e>
+                        <m:r>
+                          <a:rPr lang="en-GB" b="0" i="1" smtClean="0">
+                            <a:latin typeface="Cambria Math" panose="02040503050406030204" pitchFamily="18" charset="0"/>
+                          </a:rPr>
+                          <m:t>h</m:t>
+                        </m:r>
+                      </m:e>
+                      <m:sub>
+                        <m:r>
+                          <a:rPr lang="en-GB" b="0" i="1" smtClean="0">
+                            <a:latin typeface="Cambria Math" panose="02040503050406030204" pitchFamily="18" charset="0"/>
+                          </a:rPr>
+                          <m:t>𝑡</m:t>
+                        </m:r>
+                      </m:sub>
+                    </m:sSub>
+                  </m:oMath>
+                </a14:m>
+                <a:r>
+                  <a:rPr lang="en-GB" dirty="0"/>
+                  <a:t> and the input </a:t>
+                </a:r>
+                <a14:m>
+                  <m:oMath xmlns:m="http://schemas.openxmlformats.org/officeDocument/2006/math">
+                    <m:sSub>
+                      <m:sSubPr>
+                        <m:ctrlPr>
+                          <a:rPr lang="en-GB" b="0" i="1" smtClean="0">
+                            <a:latin typeface="Cambria Math" panose="02040503050406030204" pitchFamily="18" charset="0"/>
+                          </a:rPr>
+                        </m:ctrlPr>
+                      </m:sSubPr>
+                      <m:e>
+                        <m:r>
+                          <a:rPr lang="en-GB" b="0" i="1" smtClean="0">
+                            <a:latin typeface="Cambria Math" panose="02040503050406030204" pitchFamily="18" charset="0"/>
+                          </a:rPr>
+                          <m:t>𝑥</m:t>
+                        </m:r>
+                      </m:e>
+                      <m:sub>
+                        <m:r>
+                          <a:rPr lang="en-GB" b="0" i="1" smtClean="0">
+                            <a:latin typeface="Cambria Math" panose="02040503050406030204" pitchFamily="18" charset="0"/>
+                          </a:rPr>
+                          <m:t>𝑡</m:t>
+                        </m:r>
+                      </m:sub>
+                    </m:sSub>
+                  </m:oMath>
+                </a14:m>
+                <a:r>
+                  <a:rPr lang="en-GB" dirty="0"/>
+                  <a:t>.</a:t>
+                </a:r>
+              </a:p>
+              <a:p>
+                <a:r>
+                  <a:rPr lang="en-GB" dirty="0"/>
+                  <a:t>The memory vector will attempt to integrate “new” information, but ultimately will have to discard “old” information to make space for the “new” information.</a:t>
+                </a:r>
+              </a:p>
+              <a:p>
+                <a:r>
+                  <a:rPr lang="en-GB" dirty="0"/>
+                  <a:t>Eventually “old” information will be lost over time, which could have proven useful in some predictions…</a:t>
+                </a:r>
+                <a:endParaRPr lang="en-SG" dirty="0"/>
+              </a:p>
+            </p:txBody>
+          </p:sp>
+        </mc:Choice>
+        <mc:Fallback>
+          <p:sp>
+            <p:nvSpPr>
+              <p:cNvPr id="3" name="Content Placeholder 2">
+                <a:extLst>
+                  <a:ext uri="{FF2B5EF4-FFF2-40B4-BE49-F238E27FC236}">
+                    <a16:creationId xmlns:a16="http://schemas.microsoft.com/office/drawing/2014/main" id="{C27E85C4-C37D-BCBC-37B4-67BAAE68237E}"/>
+                  </a:ext>
+                </a:extLst>
+              </p:cNvPr>
+              <p:cNvSpPr>
+                <a:spLocks noGrp="1" noRot="1" noChangeAspect="1" noMove="1" noResize="1" noEditPoints="1" noAdjustHandles="1" noChangeArrowheads="1" noChangeShapeType="1" noTextEdit="1"/>
+              </p:cNvSpPr>
+              <p:nvPr>
+                <p:ph idx="1"/>
+              </p:nvPr>
+            </p:nvSpPr>
+            <p:spPr>
+              <a:blipFill>
+                <a:blip r:embed="rId2"/>
+                <a:stretch>
+                  <a:fillRect l="-1217" t="-2241"/>
+                </a:stretch>
+              </a:blipFill>
+            </p:spPr>
+            <p:txBody>
+              <a:bodyPr/>
+              <a:lstStyle/>
+              <a:p>
+                <a:r>
+                  <a:rPr lang="en-SG">
+                    <a:noFill/>
+                  </a:rPr>
+                  <a:t> </a:t>
+                </a:r>
+              </a:p>
+            </p:txBody>
+          </p:sp>
+        </mc:Fallback>
+      </mc:AlternateContent>
+    </p:spTree>
+    <p:extLst>
+      <p:ext uri="{BB962C8B-B14F-4D97-AF65-F5344CB8AC3E}">
+        <p14:creationId xmlns:p14="http://schemas.microsoft.com/office/powerpoint/2010/main" val="3425780644"/>
+      </p:ext>
+    </p:extLst>
+  </p:cSld>
+  <p:clrMapOvr>
+    <a:masterClrMapping/>
+  </p:clrMapOvr>
+</p:sld>
+</file>
+
+<file path=ppt/slides/slide51.xml><?xml version="1.0" encoding="utf-8"?>
+<p:sld xmlns:a="http://schemas.openxmlformats.org/drawingml/2006/main" xmlns:r="http://schemas.openxmlformats.org/officeDocument/2006/relationships" xmlns:p="http://schemas.openxmlformats.org/presentationml/2006/main">
+  <p:cSld>
+    <p:spTree>
+      <p:nvGrpSpPr>
+        <p:cNvPr id="1" name=""/>
+        <p:cNvGrpSpPr/>
+        <p:nvPr/>
+      </p:nvGrpSpPr>
+      <p:grpSpPr>
+        <a:xfrm>
+          <a:off x="0" y="0"/>
+          <a:ext cx="0" cy="0"/>
+          <a:chOff x="0" y="0"/>
+          <a:chExt cx="0" cy="0"/>
+        </a:xfrm>
+      </p:grpSpPr>
+      <p:sp>
+        <p:nvSpPr>
+          <p:cNvPr id="2" name="Title 1">
+            <a:extLst>
+              <a:ext uri="{FF2B5EF4-FFF2-40B4-BE49-F238E27FC236}">
+                <a16:creationId xmlns:a16="http://schemas.microsoft.com/office/drawing/2014/main" id="{837744AD-8C96-9D7F-5FF3-DFA6E36E9AD6}"/>
+              </a:ext>
+            </a:extLst>
+          </p:cNvPr>
+          <p:cNvSpPr>
+            <a:spLocks noGrp="1"/>
+          </p:cNvSpPr>
+          <p:nvPr>
+            <p:ph type="title"/>
+          </p:nvPr>
+        </p:nvSpPr>
+        <p:spPr/>
+        <p:txBody>
+          <a:bodyPr/>
+          <a:lstStyle/>
+          <a:p>
+            <a:r>
+              <a:rPr lang="en-GB" dirty="0"/>
+              <a:t>The vanishing gradient problem (part 3)</a:t>
+            </a:r>
+            <a:endParaRPr lang="en-SG" dirty="0"/>
+          </a:p>
+        </p:txBody>
+      </p:sp>
+      <mc:AlternateContent xmlns:mc="http://schemas.openxmlformats.org/markup-compatibility/2006">
+        <mc:Choice xmlns:a14="http://schemas.microsoft.com/office/drawing/2010/main" Requires="a14">
+          <p:sp>
+            <p:nvSpPr>
+              <p:cNvPr id="3" name="Content Placeholder 2">
+                <a:extLst>
+                  <a:ext uri="{FF2B5EF4-FFF2-40B4-BE49-F238E27FC236}">
+                    <a16:creationId xmlns:a16="http://schemas.microsoft.com/office/drawing/2014/main" id="{C27E85C4-C37D-BCBC-37B4-67BAAE68237E}"/>
+                  </a:ext>
+                </a:extLst>
+              </p:cNvPr>
+              <p:cNvSpPr>
+                <a:spLocks noGrp="1"/>
+              </p:cNvSpPr>
+              <p:nvPr>
+                <p:ph idx="1"/>
+              </p:nvPr>
+            </p:nvSpPr>
+            <p:spPr/>
+            <p:txBody>
+              <a:bodyPr>
+                <a:noAutofit/>
+              </a:bodyPr>
+              <a:lstStyle/>
+              <a:p>
+                <a:pPr marL="0" indent="0">
+                  <a:buNone/>
+                </a:pPr>
+                <a:r>
+                  <a:rPr lang="en-GB" dirty="0">
+                    <a:solidFill>
+                      <a:schemeClr val="bg1">
+                        <a:lumMod val="50000"/>
+                      </a:schemeClr>
+                    </a:solidFill>
+                  </a:rPr>
+                  <a:t>The </a:t>
+                </a:r>
+                <a:r>
+                  <a:rPr lang="en-GB" b="1" dirty="0">
+                    <a:solidFill>
+                      <a:schemeClr val="bg1">
+                        <a:lumMod val="50000"/>
+                      </a:schemeClr>
+                    </a:solidFill>
+                  </a:rPr>
+                  <a:t>vanishing</a:t>
+                </a:r>
+                <a:r>
+                  <a:rPr lang="en-GB" dirty="0">
+                    <a:solidFill>
+                      <a:schemeClr val="bg1">
+                        <a:lumMod val="50000"/>
+                      </a:schemeClr>
+                    </a:solidFill>
+                  </a:rPr>
+                  <a:t> </a:t>
+                </a:r>
+                <a:r>
+                  <a:rPr lang="en-GB" b="1" dirty="0">
+                    <a:solidFill>
+                      <a:schemeClr val="bg1">
+                        <a:lumMod val="50000"/>
+                      </a:schemeClr>
+                    </a:solidFill>
+                  </a:rPr>
+                  <a:t>gradient</a:t>
+                </a:r>
+                <a:r>
+                  <a:rPr lang="en-GB" dirty="0">
+                    <a:solidFill>
+                      <a:schemeClr val="bg1">
+                        <a:lumMod val="50000"/>
+                      </a:schemeClr>
+                    </a:solidFill>
+                  </a:rPr>
+                  <a:t> </a:t>
+                </a:r>
+                <a:r>
+                  <a:rPr lang="en-GB" b="1" dirty="0">
+                    <a:solidFill>
+                      <a:schemeClr val="bg1">
+                        <a:lumMod val="50000"/>
+                      </a:schemeClr>
+                    </a:solidFill>
+                  </a:rPr>
+                  <a:t>problem</a:t>
+                </a:r>
+                <a:r>
+                  <a:rPr lang="en-GB" dirty="0">
+                    <a:solidFill>
+                      <a:schemeClr val="bg1">
+                        <a:lumMod val="50000"/>
+                      </a:schemeClr>
+                    </a:solidFill>
+                  </a:rPr>
+                  <a:t> can often occur in RNNs during training. </a:t>
+                </a:r>
+              </a:p>
+              <a:p>
+                <a:r>
+                  <a:rPr lang="en-GB" dirty="0">
+                    <a:solidFill>
+                      <a:schemeClr val="bg1">
+                        <a:lumMod val="50000"/>
+                      </a:schemeClr>
+                    </a:solidFill>
+                  </a:rPr>
+                  <a:t>In RNNs, each hidden state </a:t>
+                </a:r>
+                <a14:m>
+                  <m:oMath xmlns:m="http://schemas.openxmlformats.org/officeDocument/2006/math">
+                    <m:sSub>
+                      <m:sSubPr>
+                        <m:ctrlPr>
+                          <a:rPr lang="en-GB" i="1" dirty="0" smtClean="0">
+                            <a:solidFill>
+                              <a:schemeClr val="bg1">
+                                <a:lumMod val="50000"/>
+                              </a:schemeClr>
+                            </a:solidFill>
+                            <a:latin typeface="Cambria Math" panose="02040503050406030204" pitchFamily="18" charset="0"/>
+                          </a:rPr>
+                        </m:ctrlPr>
+                      </m:sSubPr>
+                      <m:e>
+                        <m:r>
+                          <a:rPr lang="en-GB" i="1" dirty="0" smtClean="0">
+                            <a:solidFill>
+                              <a:schemeClr val="bg1">
+                                <a:lumMod val="50000"/>
+                              </a:schemeClr>
+                            </a:solidFill>
+                            <a:latin typeface="Cambria Math" panose="02040503050406030204" pitchFamily="18" charset="0"/>
+                          </a:rPr>
+                          <m:t>h</m:t>
+                        </m:r>
+                      </m:e>
+                      <m:sub>
+                        <m:r>
+                          <a:rPr lang="en-GB" i="1" dirty="0" smtClean="0">
+                            <a:solidFill>
+                              <a:schemeClr val="bg1">
+                                <a:lumMod val="50000"/>
+                              </a:schemeClr>
+                            </a:solidFill>
+                            <a:latin typeface="Cambria Math" panose="02040503050406030204" pitchFamily="18" charset="0"/>
+                          </a:rPr>
+                          <m:t>𝑡</m:t>
+                        </m:r>
+                        <m:r>
+                          <a:rPr lang="en-GB" b="0" i="1" dirty="0" smtClean="0">
+                            <a:solidFill>
+                              <a:schemeClr val="bg1">
+                                <a:lumMod val="50000"/>
+                              </a:schemeClr>
+                            </a:solidFill>
+                            <a:latin typeface="Cambria Math" panose="02040503050406030204" pitchFamily="18" charset="0"/>
+                          </a:rPr>
+                          <m:t>+1</m:t>
+                        </m:r>
+                      </m:sub>
+                    </m:sSub>
+                  </m:oMath>
+                </a14:m>
+                <a:r>
+                  <a:rPr lang="en-GB" dirty="0">
+                    <a:solidFill>
+                      <a:schemeClr val="bg1">
+                        <a:lumMod val="50000"/>
+                      </a:schemeClr>
+                    </a:solidFill>
+                  </a:rPr>
+                  <a:t> is updated via a function of the previous hidden state </a:t>
+                </a:r>
+                <a14:m>
+                  <m:oMath xmlns:m="http://schemas.openxmlformats.org/officeDocument/2006/math">
+                    <m:sSub>
+                      <m:sSubPr>
+                        <m:ctrlPr>
+                          <a:rPr lang="en-GB" b="0" i="1" smtClean="0">
+                            <a:solidFill>
+                              <a:schemeClr val="bg1">
+                                <a:lumMod val="50000"/>
+                              </a:schemeClr>
+                            </a:solidFill>
+                            <a:latin typeface="Cambria Math" panose="02040503050406030204" pitchFamily="18" charset="0"/>
+                          </a:rPr>
+                        </m:ctrlPr>
+                      </m:sSubPr>
+                      <m:e>
+                        <m:r>
+                          <a:rPr lang="en-GB" b="0" i="1" smtClean="0">
+                            <a:solidFill>
+                              <a:schemeClr val="bg1">
+                                <a:lumMod val="50000"/>
+                              </a:schemeClr>
+                            </a:solidFill>
+                            <a:latin typeface="Cambria Math" panose="02040503050406030204" pitchFamily="18" charset="0"/>
+                          </a:rPr>
+                          <m:t>h</m:t>
+                        </m:r>
+                      </m:e>
+                      <m:sub>
+                        <m:r>
+                          <a:rPr lang="en-GB" b="0" i="1" smtClean="0">
+                            <a:solidFill>
+                              <a:schemeClr val="bg1">
+                                <a:lumMod val="50000"/>
+                              </a:schemeClr>
+                            </a:solidFill>
+                            <a:latin typeface="Cambria Math" panose="02040503050406030204" pitchFamily="18" charset="0"/>
+                          </a:rPr>
+                          <m:t>𝑡</m:t>
+                        </m:r>
+                      </m:sub>
+                    </m:sSub>
+                  </m:oMath>
+                </a14:m>
+                <a:r>
+                  <a:rPr lang="en-GB" dirty="0">
+                    <a:solidFill>
+                      <a:schemeClr val="bg1">
+                        <a:lumMod val="50000"/>
+                      </a:schemeClr>
+                    </a:solidFill>
+                  </a:rPr>
+                  <a:t> and the input </a:t>
+                </a:r>
+                <a14:m>
+                  <m:oMath xmlns:m="http://schemas.openxmlformats.org/officeDocument/2006/math">
+                    <m:sSub>
+                      <m:sSubPr>
+                        <m:ctrlPr>
+                          <a:rPr lang="en-GB" b="0" i="1" smtClean="0">
+                            <a:solidFill>
+                              <a:schemeClr val="bg1">
+                                <a:lumMod val="50000"/>
+                              </a:schemeClr>
+                            </a:solidFill>
+                            <a:latin typeface="Cambria Math" panose="02040503050406030204" pitchFamily="18" charset="0"/>
+                          </a:rPr>
+                        </m:ctrlPr>
+                      </m:sSubPr>
+                      <m:e>
+                        <m:r>
+                          <a:rPr lang="en-GB" b="0" i="1" smtClean="0">
+                            <a:solidFill>
+                              <a:schemeClr val="bg1">
+                                <a:lumMod val="50000"/>
+                              </a:schemeClr>
+                            </a:solidFill>
+                            <a:latin typeface="Cambria Math" panose="02040503050406030204" pitchFamily="18" charset="0"/>
+                          </a:rPr>
+                          <m:t>𝑥</m:t>
+                        </m:r>
+                      </m:e>
+                      <m:sub>
+                        <m:r>
+                          <a:rPr lang="en-GB" b="0" i="1" smtClean="0">
+                            <a:solidFill>
+                              <a:schemeClr val="bg1">
+                                <a:lumMod val="50000"/>
+                              </a:schemeClr>
+                            </a:solidFill>
+                            <a:latin typeface="Cambria Math" panose="02040503050406030204" pitchFamily="18" charset="0"/>
+                          </a:rPr>
+                          <m:t>𝑡</m:t>
+                        </m:r>
+                      </m:sub>
+                    </m:sSub>
+                  </m:oMath>
+                </a14:m>
+                <a:r>
+                  <a:rPr lang="en-GB" dirty="0">
+                    <a:solidFill>
+                      <a:schemeClr val="bg1">
+                        <a:lumMod val="50000"/>
+                      </a:schemeClr>
+                    </a:solidFill>
+                  </a:rPr>
+                  <a:t>.</a:t>
+                </a:r>
+              </a:p>
+              <a:p>
+                <a:r>
+                  <a:rPr lang="en-GB" dirty="0">
+                    <a:solidFill>
+                      <a:schemeClr val="bg1">
+                        <a:lumMod val="50000"/>
+                      </a:schemeClr>
+                    </a:solidFill>
+                  </a:rPr>
+                  <a:t>The memory vector will attempt to integrate “new” information, but ultimately will have to discard “old” information to make space for the “new” information.</a:t>
+                </a:r>
+              </a:p>
+              <a:p>
+                <a:r>
+                  <a:rPr lang="en-GB" dirty="0">
+                    <a:solidFill>
+                      <a:schemeClr val="bg1">
+                        <a:lumMod val="50000"/>
+                      </a:schemeClr>
+                    </a:solidFill>
+                  </a:rPr>
+                  <a:t>Eventually “old” information will be lost over time, which could have proven useful in some predictions…</a:t>
+                </a:r>
+                <a:endParaRPr lang="en-SG" dirty="0">
+                  <a:solidFill>
+                    <a:schemeClr val="bg1">
+                      <a:lumMod val="50000"/>
+                    </a:schemeClr>
+                  </a:solidFill>
+                </a:endParaRPr>
+              </a:p>
+            </p:txBody>
+          </p:sp>
+        </mc:Choice>
+        <mc:Fallback>
+          <p:sp>
+            <p:nvSpPr>
+              <p:cNvPr id="3" name="Content Placeholder 2">
+                <a:extLst>
+                  <a:ext uri="{FF2B5EF4-FFF2-40B4-BE49-F238E27FC236}">
+                    <a16:creationId xmlns:a16="http://schemas.microsoft.com/office/drawing/2014/main" id="{C27E85C4-C37D-BCBC-37B4-67BAAE68237E}"/>
+                  </a:ext>
+                </a:extLst>
+              </p:cNvPr>
+              <p:cNvSpPr>
+                <a:spLocks noGrp="1" noRot="1" noChangeAspect="1" noMove="1" noResize="1" noEditPoints="1" noAdjustHandles="1" noChangeArrowheads="1" noChangeShapeType="1" noTextEdit="1"/>
+              </p:cNvSpPr>
+              <p:nvPr>
+                <p:ph idx="1"/>
+              </p:nvPr>
+            </p:nvSpPr>
+            <p:spPr>
+              <a:blipFill>
+                <a:blip r:embed="rId2"/>
+                <a:stretch>
+                  <a:fillRect l="-1217" t="-2241"/>
+                </a:stretch>
+              </a:blipFill>
+            </p:spPr>
+            <p:txBody>
+              <a:bodyPr/>
+              <a:lstStyle/>
+              <a:p>
+                <a:r>
+                  <a:rPr lang="en-SG">
+                    <a:noFill/>
+                  </a:rPr>
+                  <a:t> </a:t>
+                </a:r>
+              </a:p>
+            </p:txBody>
+          </p:sp>
+        </mc:Fallback>
+      </mc:AlternateContent>
+      <p:pic>
+        <p:nvPicPr>
+          <p:cNvPr id="5" name="Picture 4" descr="A diagram of a circle with arrows and a circle with letters&#10;&#10;Description automatically generated">
+            <a:extLst>
+              <a:ext uri="{FF2B5EF4-FFF2-40B4-BE49-F238E27FC236}">
+                <a16:creationId xmlns:a16="http://schemas.microsoft.com/office/drawing/2014/main" id="{B1FDBE7C-2459-A75C-43E5-CCAF803D653B}"/>
+              </a:ext>
+            </a:extLst>
+          </p:cNvPr>
+          <p:cNvPicPr>
+            <a:picLocks noChangeAspect="1"/>
+          </p:cNvPicPr>
+          <p:nvPr/>
+        </p:nvPicPr>
+        <p:blipFill>
+          <a:blip r:embed="rId3">
+            <a:extLst>
+              <a:ext uri="{28A0092B-C50C-407E-A947-70E740481C1C}">
+                <a14:useLocalDpi xmlns:a14="http://schemas.microsoft.com/office/drawing/2010/main" val="0"/>
+              </a:ext>
+            </a:extLst>
+          </a:blip>
+          <a:stretch>
+            <a:fillRect/>
+          </a:stretch>
+        </p:blipFill>
+        <p:spPr>
+          <a:xfrm>
+            <a:off x="1319519" y="1018364"/>
+            <a:ext cx="9552961" cy="5158599"/>
+          </a:xfrm>
+          <a:prstGeom prst="rect">
+            <a:avLst/>
+          </a:prstGeom>
+          <a:ln w="38100" cap="sq">
+            <a:solidFill>
+              <a:srgbClr val="000000"/>
+            </a:solidFill>
+            <a:prstDash val="solid"/>
+            <a:miter lim="800000"/>
+          </a:ln>
+          <a:effectLst>
+            <a:outerShdw blurRad="50800" dist="38100" dir="2700000" algn="tl" rotWithShape="0">
+              <a:srgbClr val="000000">
+                <a:alpha val="43000"/>
+              </a:srgbClr>
+            </a:outerShdw>
+          </a:effectLst>
+        </p:spPr>
+      </p:pic>
+    </p:spTree>
+    <p:extLst>
+      <p:ext uri="{BB962C8B-B14F-4D97-AF65-F5344CB8AC3E}">
+        <p14:creationId xmlns:p14="http://schemas.microsoft.com/office/powerpoint/2010/main" val="4122990920"/>
+      </p:ext>
+    </p:extLst>
+  </p:cSld>
+  <p:clrMapOvr>
+    <a:masterClrMapping/>
+  </p:clrMapOvr>
+</p:sld>
+</file>
+
+<file path=ppt/slides/slide52.xml><?xml version="1.0" encoding="utf-8"?>
+<p:sld xmlns:a="http://schemas.openxmlformats.org/drawingml/2006/main" xmlns:r="http://schemas.openxmlformats.org/officeDocument/2006/relationships" xmlns:p="http://schemas.openxmlformats.org/presentationml/2006/main">
+  <p:cSld>
+    <p:spTree>
+      <p:nvGrpSpPr>
+        <p:cNvPr id="1" name=""/>
+        <p:cNvGrpSpPr/>
+        <p:nvPr/>
+      </p:nvGrpSpPr>
+      <p:grpSpPr>
+        <a:xfrm>
+          <a:off x="0" y="0"/>
+          <a:ext cx="0" cy="0"/>
+          <a:chOff x="0" y="0"/>
+          <a:chExt cx="0" cy="0"/>
+        </a:xfrm>
+      </p:grpSpPr>
+      <p:sp>
+        <p:nvSpPr>
+          <p:cNvPr id="2" name="Title 1">
+            <a:extLst>
+              <a:ext uri="{FF2B5EF4-FFF2-40B4-BE49-F238E27FC236}">
+                <a16:creationId xmlns:a16="http://schemas.microsoft.com/office/drawing/2014/main" id="{837744AD-8C96-9D7F-5FF3-DFA6E36E9AD6}"/>
+              </a:ext>
+            </a:extLst>
+          </p:cNvPr>
+          <p:cNvSpPr>
+            <a:spLocks noGrp="1"/>
+          </p:cNvSpPr>
+          <p:nvPr>
+            <p:ph type="title"/>
+          </p:nvPr>
+        </p:nvSpPr>
+        <p:spPr/>
+        <p:txBody>
+          <a:bodyPr/>
+          <a:lstStyle/>
+          <a:p>
+            <a:r>
+              <a:rPr lang="en-GB" dirty="0"/>
+              <a:t>The vanishing gradient problem (part 3)</a:t>
+            </a:r>
+            <a:endParaRPr lang="en-SG" dirty="0"/>
+          </a:p>
+        </p:txBody>
+      </p:sp>
+      <mc:AlternateContent xmlns:mc="http://schemas.openxmlformats.org/markup-compatibility/2006">
+        <mc:Choice xmlns:a14="http://schemas.microsoft.com/office/drawing/2010/main" Requires="a14">
+          <p:sp>
+            <p:nvSpPr>
+              <p:cNvPr id="3" name="Content Placeholder 2">
+                <a:extLst>
+                  <a:ext uri="{FF2B5EF4-FFF2-40B4-BE49-F238E27FC236}">
+                    <a16:creationId xmlns:a16="http://schemas.microsoft.com/office/drawing/2014/main" id="{C27E85C4-C37D-BCBC-37B4-67BAAE68237E}"/>
+                  </a:ext>
+                </a:extLst>
+              </p:cNvPr>
+              <p:cNvSpPr>
+                <a:spLocks noGrp="1"/>
+              </p:cNvSpPr>
+              <p:nvPr>
+                <p:ph idx="1"/>
+              </p:nvPr>
+            </p:nvSpPr>
+            <p:spPr/>
+            <p:txBody>
+              <a:bodyPr>
+                <a:noAutofit/>
+              </a:bodyPr>
+              <a:lstStyle/>
+              <a:p>
+                <a:pPr marL="0" indent="0">
+                  <a:buNone/>
+                </a:pPr>
+                <a:r>
+                  <a:rPr lang="en-GB" dirty="0"/>
+                  <a:t>The </a:t>
+                </a:r>
+                <a:r>
+                  <a:rPr lang="en-GB" b="1" dirty="0"/>
+                  <a:t>vanishing</a:t>
+                </a:r>
+                <a:r>
+                  <a:rPr lang="en-GB" dirty="0"/>
+                  <a:t> </a:t>
+                </a:r>
+                <a:r>
+                  <a:rPr lang="en-GB" b="1" dirty="0"/>
+                  <a:t>gradient</a:t>
+                </a:r>
+                <a:r>
+                  <a:rPr lang="en-GB" dirty="0"/>
+                  <a:t> </a:t>
+                </a:r>
+                <a:r>
+                  <a:rPr lang="en-GB" b="1" dirty="0"/>
+                  <a:t>problem</a:t>
+                </a:r>
+                <a:r>
+                  <a:rPr lang="en-GB" dirty="0"/>
+                  <a:t> can often occur in RNNs during training. </a:t>
+                </a:r>
+              </a:p>
+              <a:p>
+                <a:r>
+                  <a:rPr lang="en-GB" dirty="0"/>
+                  <a:t>In RNNs, each hidden state </a:t>
+                </a:r>
+                <a14:m>
+                  <m:oMath xmlns:m="http://schemas.openxmlformats.org/officeDocument/2006/math">
+                    <m:sSub>
+                      <m:sSubPr>
+                        <m:ctrlPr>
+                          <a:rPr lang="en-GB" i="1" dirty="0" smtClean="0">
+                            <a:latin typeface="Cambria Math" panose="02040503050406030204" pitchFamily="18" charset="0"/>
+                          </a:rPr>
+                        </m:ctrlPr>
+                      </m:sSubPr>
+                      <m:e>
+                        <m:r>
+                          <a:rPr lang="en-GB" i="1" dirty="0" smtClean="0">
+                            <a:latin typeface="Cambria Math" panose="02040503050406030204" pitchFamily="18" charset="0"/>
+                          </a:rPr>
+                          <m:t>h</m:t>
+                        </m:r>
+                      </m:e>
+                      <m:sub>
+                        <m:r>
+                          <a:rPr lang="en-GB" i="1" dirty="0" smtClean="0">
+                            <a:latin typeface="Cambria Math" panose="02040503050406030204" pitchFamily="18" charset="0"/>
+                          </a:rPr>
+                          <m:t>𝑡</m:t>
+                        </m:r>
+                        <m:r>
+                          <a:rPr lang="en-GB" b="0" i="1" dirty="0" smtClean="0">
+                            <a:latin typeface="Cambria Math" panose="02040503050406030204" pitchFamily="18" charset="0"/>
+                          </a:rPr>
+                          <m:t>+1</m:t>
+                        </m:r>
+                      </m:sub>
+                    </m:sSub>
+                  </m:oMath>
+                </a14:m>
+                <a:r>
+                  <a:rPr lang="en-GB" dirty="0"/>
+                  <a:t> is updated via a function of the previous hidden state </a:t>
+                </a:r>
+                <a14:m>
+                  <m:oMath xmlns:m="http://schemas.openxmlformats.org/officeDocument/2006/math">
+                    <m:sSub>
+                      <m:sSubPr>
+                        <m:ctrlPr>
+                          <a:rPr lang="en-GB" b="0" i="1" smtClean="0">
+                            <a:latin typeface="Cambria Math" panose="02040503050406030204" pitchFamily="18" charset="0"/>
+                          </a:rPr>
+                        </m:ctrlPr>
+                      </m:sSubPr>
+                      <m:e>
+                        <m:r>
+                          <a:rPr lang="en-GB" b="0" i="1" smtClean="0">
+                            <a:latin typeface="Cambria Math" panose="02040503050406030204" pitchFamily="18" charset="0"/>
+                          </a:rPr>
+                          <m:t>h</m:t>
+                        </m:r>
+                      </m:e>
+                      <m:sub>
+                        <m:r>
+                          <a:rPr lang="en-GB" b="0" i="1" smtClean="0">
+                            <a:latin typeface="Cambria Math" panose="02040503050406030204" pitchFamily="18" charset="0"/>
+                          </a:rPr>
+                          <m:t>𝑡</m:t>
+                        </m:r>
+                      </m:sub>
+                    </m:sSub>
+                  </m:oMath>
+                </a14:m>
+                <a:r>
+                  <a:rPr lang="en-GB" dirty="0"/>
+                  <a:t> and the input </a:t>
+                </a:r>
+                <a14:m>
+                  <m:oMath xmlns:m="http://schemas.openxmlformats.org/officeDocument/2006/math">
+                    <m:sSub>
+                      <m:sSubPr>
+                        <m:ctrlPr>
+                          <a:rPr lang="en-GB" b="0" i="1" smtClean="0">
+                            <a:latin typeface="Cambria Math" panose="02040503050406030204" pitchFamily="18" charset="0"/>
+                          </a:rPr>
+                        </m:ctrlPr>
+                      </m:sSubPr>
+                      <m:e>
+                        <m:r>
+                          <a:rPr lang="en-GB" b="0" i="1" smtClean="0">
+                            <a:latin typeface="Cambria Math" panose="02040503050406030204" pitchFamily="18" charset="0"/>
+                          </a:rPr>
+                          <m:t>𝑥</m:t>
+                        </m:r>
+                      </m:e>
+                      <m:sub>
+                        <m:r>
+                          <a:rPr lang="en-GB" b="0" i="1" smtClean="0">
+                            <a:latin typeface="Cambria Math" panose="02040503050406030204" pitchFamily="18" charset="0"/>
+                          </a:rPr>
+                          <m:t>𝑡</m:t>
+                        </m:r>
+                      </m:sub>
+                    </m:sSub>
+                  </m:oMath>
+                </a14:m>
+                <a:r>
+                  <a:rPr lang="en-GB" dirty="0"/>
+                  <a:t>.</a:t>
+                </a:r>
+              </a:p>
+              <a:p>
+                <a:r>
+                  <a:rPr lang="en-GB" dirty="0"/>
+                  <a:t>During training, we used backpropagation over time, learning how to update the memory vectors over time for that problem/dataset.</a:t>
+                </a:r>
+              </a:p>
+              <a:p>
+                <a:r>
+                  <a:rPr lang="en-GB" dirty="0"/>
+                  <a:t>However, </a:t>
+                </a:r>
+                <a:r>
+                  <a:rPr lang="en-GB" b="1" dirty="0"/>
+                  <a:t>this backpropagation can result in very small gradients for the earlier time steps</a:t>
+                </a:r>
+                <a:r>
+                  <a:rPr lang="en-GB" dirty="0"/>
+                  <a:t>, where the weights are then updated very slowly.</a:t>
+                </a:r>
+                <a:endParaRPr lang="en-SG" dirty="0"/>
+              </a:p>
+            </p:txBody>
+          </p:sp>
+        </mc:Choice>
+        <mc:Fallback>
+          <p:sp>
+            <p:nvSpPr>
+              <p:cNvPr id="3" name="Content Placeholder 2">
+                <a:extLst>
+                  <a:ext uri="{FF2B5EF4-FFF2-40B4-BE49-F238E27FC236}">
+                    <a16:creationId xmlns:a16="http://schemas.microsoft.com/office/drawing/2014/main" id="{C27E85C4-C37D-BCBC-37B4-67BAAE68237E}"/>
+                  </a:ext>
+                </a:extLst>
+              </p:cNvPr>
+              <p:cNvSpPr>
+                <a:spLocks noGrp="1" noRot="1" noChangeAspect="1" noMove="1" noResize="1" noEditPoints="1" noAdjustHandles="1" noChangeArrowheads="1" noChangeShapeType="1" noTextEdit="1"/>
+              </p:cNvSpPr>
+              <p:nvPr>
+                <p:ph idx="1"/>
+              </p:nvPr>
+            </p:nvSpPr>
+            <p:spPr>
+              <a:blipFill>
+                <a:blip r:embed="rId2"/>
+                <a:stretch>
+                  <a:fillRect l="-1217" t="-2241" r="-638"/>
+                </a:stretch>
+              </a:blipFill>
+            </p:spPr>
+            <p:txBody>
+              <a:bodyPr/>
+              <a:lstStyle/>
+              <a:p>
+                <a:r>
+                  <a:rPr lang="en-SG">
+                    <a:noFill/>
+                  </a:rPr>
+                  <a:t> </a:t>
+                </a:r>
+              </a:p>
+            </p:txBody>
+          </p:sp>
+        </mc:Fallback>
+      </mc:AlternateContent>
+    </p:spTree>
+    <p:extLst>
+      <p:ext uri="{BB962C8B-B14F-4D97-AF65-F5344CB8AC3E}">
+        <p14:creationId xmlns:p14="http://schemas.microsoft.com/office/powerpoint/2010/main" val="3980169169"/>
+      </p:ext>
+    </p:extLst>
+  </p:cSld>
+  <p:clrMapOvr>
+    <a:masterClrMapping/>
+  </p:clrMapOvr>
+</p:sld>
+</file>
+
+<file path=ppt/slides/slide53.xml><?xml version="1.0" encoding="utf-8"?>
+<p:sld xmlns:a="http://schemas.openxmlformats.org/drawingml/2006/main" xmlns:r="http://schemas.openxmlformats.org/officeDocument/2006/relationships" xmlns:p="http://schemas.openxmlformats.org/presentationml/2006/main">
+  <p:cSld>
+    <p:spTree>
+      <p:nvGrpSpPr>
+        <p:cNvPr id="1" name=""/>
+        <p:cNvGrpSpPr/>
+        <p:nvPr/>
+      </p:nvGrpSpPr>
+      <p:grpSpPr>
+        <a:xfrm>
+          <a:off x="0" y="0"/>
+          <a:ext cx="0" cy="0"/>
+          <a:chOff x="0" y="0"/>
+          <a:chExt cx="0" cy="0"/>
+        </a:xfrm>
+      </p:grpSpPr>
+      <p:sp>
+        <p:nvSpPr>
+          <p:cNvPr id="2" name="Title 1">
+            <a:extLst>
+              <a:ext uri="{FF2B5EF4-FFF2-40B4-BE49-F238E27FC236}">
+                <a16:creationId xmlns:a16="http://schemas.microsoft.com/office/drawing/2014/main" id="{837744AD-8C96-9D7F-5FF3-DFA6E36E9AD6}"/>
+              </a:ext>
+            </a:extLst>
+          </p:cNvPr>
+          <p:cNvSpPr>
+            <a:spLocks noGrp="1"/>
+          </p:cNvSpPr>
+          <p:nvPr>
+            <p:ph type="title"/>
+          </p:nvPr>
+        </p:nvSpPr>
+        <p:spPr/>
+        <p:txBody>
+          <a:bodyPr/>
+          <a:lstStyle/>
+          <a:p>
+            <a:r>
+              <a:rPr lang="en-GB" dirty="0"/>
+              <a:t>The vanishing gradient problem (part 3)</a:t>
+            </a:r>
+            <a:endParaRPr lang="en-SG" dirty="0"/>
+          </a:p>
+        </p:txBody>
+      </p:sp>
+      <p:sp>
+        <p:nvSpPr>
+          <p:cNvPr id="3" name="Content Placeholder 2">
+            <a:extLst>
+              <a:ext uri="{FF2B5EF4-FFF2-40B4-BE49-F238E27FC236}">
+                <a16:creationId xmlns:a16="http://schemas.microsoft.com/office/drawing/2014/main" id="{C27E85C4-C37D-BCBC-37B4-67BAAE68237E}"/>
+              </a:ext>
+            </a:extLst>
+          </p:cNvPr>
+          <p:cNvSpPr>
+            <a:spLocks noGrp="1"/>
+          </p:cNvSpPr>
+          <p:nvPr>
+            <p:ph idx="1"/>
+          </p:nvPr>
+        </p:nvSpPr>
+        <p:spPr/>
+        <p:txBody>
+          <a:bodyPr>
+            <a:noAutofit/>
+          </a:bodyPr>
+          <a:lstStyle/>
+          <a:p>
+            <a:pPr marL="0" indent="0">
+              <a:buNone/>
+            </a:pPr>
+            <a:r>
+              <a:rPr lang="en-GB" dirty="0"/>
+              <a:t>The </a:t>
+            </a:r>
+            <a:r>
+              <a:rPr lang="en-GB" b="1" dirty="0"/>
+              <a:t>vanishing</a:t>
+            </a:r>
+            <a:r>
+              <a:rPr lang="en-GB" dirty="0"/>
+              <a:t> </a:t>
+            </a:r>
+            <a:r>
+              <a:rPr lang="en-GB" b="1" dirty="0"/>
+              <a:t>gradient</a:t>
+            </a:r>
+            <a:r>
+              <a:rPr lang="en-GB" dirty="0"/>
+              <a:t> </a:t>
+            </a:r>
+            <a:r>
+              <a:rPr lang="en-GB" b="1" dirty="0"/>
+              <a:t>problem</a:t>
+            </a:r>
+            <a:r>
+              <a:rPr lang="en-GB" dirty="0"/>
+              <a:t> can often occur in RNNs during training. </a:t>
+            </a:r>
+          </a:p>
+          <a:p>
+            <a:r>
+              <a:rPr lang="en-GB" sz="2800" dirty="0"/>
+              <a:t>This can be particularly problematic for RNNs, since they are designed to handle time series data that can exhibit long-term dependencies.</a:t>
+            </a:r>
+          </a:p>
+          <a:p>
+            <a:r>
+              <a:rPr lang="en-GB" sz="2800" dirty="0"/>
+              <a:t>The vanishing gradient problem can be particularly severe in RNNs that use activation functions that saturate, such as the hyperbolic tangent (tanh) or sigmoid functions.</a:t>
+            </a:r>
+          </a:p>
+          <a:p>
+            <a:r>
+              <a:rPr lang="en-GB" sz="2800" dirty="0"/>
+              <a:t>Indeed, when the activation function saturates, the gradients become very small, making it difficult to propagate information through the network.</a:t>
+            </a:r>
+          </a:p>
+          <a:p>
+            <a:endParaRPr lang="en-SG" sz="2800" dirty="0"/>
+          </a:p>
+        </p:txBody>
+      </p:sp>
+    </p:spTree>
+    <p:extLst>
+      <p:ext uri="{BB962C8B-B14F-4D97-AF65-F5344CB8AC3E}">
+        <p14:creationId xmlns:p14="http://schemas.microsoft.com/office/powerpoint/2010/main" val="2828164903"/>
+      </p:ext>
+    </p:extLst>
+  </p:cSld>
+  <p:clrMapOvr>
+    <a:masterClrMapping/>
+  </p:clrMapOvr>
+</p:sld>
+</file>
+
+<file path=ppt/slides/slide54.xml><?xml version="1.0" encoding="utf-8"?>
 <p:sld xmlns:a="http://schemas.openxmlformats.org/drawingml/2006/main" xmlns:r="http://schemas.openxmlformats.org/officeDocument/2006/relationships" xmlns:p="http://schemas.openxmlformats.org/presentationml/2006/main">
   <p:cSld>
     <p:spTree>

--- a/W6/1. W6S1 final/W6S1.pptx
+++ b/W6/1. W6S1 final/W6S1.pptx
@@ -270,6 +270,14 @@
 </p:presentation>
 </file>
 
+<file path=ppt/revisionInfo.xml><?xml version="1.0" encoding="utf-8"?>
+<p1510:revInfo xmlns:a="http://schemas.openxmlformats.org/drawingml/2006/main" xmlns:r="http://schemas.openxmlformats.org/officeDocument/2006/relationships" xmlns:p1510="http://schemas.microsoft.com/office/powerpoint/2015/10/main">
+  <p1510:revLst>
+    <p1510:client id="{413746AE-83C4-4944-A8AA-71CCD5B216E9}" v="14" dt="2024-02-26T04:55:44.435"/>
+  </p1510:revLst>
+</p1510:revInfo>
+</file>
+
 <file path=ppt/changesInfos/changesInfo1.xml><?xml version="1.0" encoding="utf-8"?>
 <pc:chgInfo xmlns:a="http://schemas.openxmlformats.org/drawingml/2006/main" xmlns:r="http://schemas.openxmlformats.org/officeDocument/2006/relationships" xmlns:ac="http://schemas.microsoft.com/office/drawing/2013/main/command" xmlns:pc="http://schemas.microsoft.com/office/powerpoint/2013/main/command">
   <pc:docChgLst>
@@ -5562,11 +5570,90 @@
   </pc:docChgLst>
   <pc:docChgLst>
     <pc:chgData name="Matthieu De Mari" userId="dfb708c9-d8dc-439f-9a3b-c772bf4a311c" providerId="ADAL" clId="{413746AE-83C4-4944-A8AA-71CCD5B216E9}"/>
-    <pc:docChg chg="custSel delSld modSld modSection">
-      <pc:chgData name="Matthieu De Mari" userId="dfb708c9-d8dc-439f-9a3b-c772bf4a311c" providerId="ADAL" clId="{413746AE-83C4-4944-A8AA-71CCD5B216E9}" dt="2024-02-09T00:48:19.214" v="246" actId="20577"/>
+    <pc:docChg chg="undo custSel addSld delSld modSld modSection">
+      <pc:chgData name="Matthieu De Mari" userId="dfb708c9-d8dc-439f-9a3b-c772bf4a311c" providerId="ADAL" clId="{413746AE-83C4-4944-A8AA-71CCD5B216E9}" dt="2024-02-26T05:10:44.147" v="330" actId="47"/>
       <pc:docMkLst>
         <pc:docMk/>
       </pc:docMkLst>
+      <pc:sldChg chg="addSp delSp mod">
+        <pc:chgData name="Matthieu De Mari" userId="dfb708c9-d8dc-439f-9a3b-c772bf4a311c" providerId="ADAL" clId="{413746AE-83C4-4944-A8AA-71CCD5B216E9}" dt="2024-02-26T03:57:35.865" v="264" actId="9405"/>
+        <pc:sldMkLst>
+          <pc:docMk/>
+          <pc:sldMk cId="1040156172" sldId="377"/>
+        </pc:sldMkLst>
+        <pc:inkChg chg="add del">
+          <ac:chgData name="Matthieu De Mari" userId="dfb708c9-d8dc-439f-9a3b-c772bf4a311c" providerId="ADAL" clId="{413746AE-83C4-4944-A8AA-71CCD5B216E9}" dt="2024-02-26T03:52:08.582" v="256" actId="9405"/>
+          <ac:inkMkLst>
+            <pc:docMk/>
+            <pc:sldMk cId="1040156172" sldId="377"/>
+            <ac:inkMk id="5" creationId="{AC003B5C-D077-27CC-A91E-7DC5BE03FC21}"/>
+          </ac:inkMkLst>
+        </pc:inkChg>
+        <pc:inkChg chg="add del">
+          <ac:chgData name="Matthieu De Mari" userId="dfb708c9-d8dc-439f-9a3b-c772bf4a311c" providerId="ADAL" clId="{413746AE-83C4-4944-A8AA-71CCD5B216E9}" dt="2024-02-26T03:51:51.839" v="251" actId="9405"/>
+          <ac:inkMkLst>
+            <pc:docMk/>
+            <pc:sldMk cId="1040156172" sldId="377"/>
+            <ac:inkMk id="6" creationId="{A0D4A250-40B7-B063-6383-61B77B34D0DE}"/>
+          </ac:inkMkLst>
+        </pc:inkChg>
+        <pc:inkChg chg="add del">
+          <ac:chgData name="Matthieu De Mari" userId="dfb708c9-d8dc-439f-9a3b-c772bf4a311c" providerId="ADAL" clId="{413746AE-83C4-4944-A8AA-71CCD5B216E9}" dt="2024-02-26T03:51:51.662" v="250" actId="9405"/>
+          <ac:inkMkLst>
+            <pc:docMk/>
+            <pc:sldMk cId="1040156172" sldId="377"/>
+            <ac:inkMk id="7" creationId="{00230A73-9D00-4AFE-0B5A-266E95894648}"/>
+          </ac:inkMkLst>
+        </pc:inkChg>
+        <pc:inkChg chg="add del">
+          <ac:chgData name="Matthieu De Mari" userId="dfb708c9-d8dc-439f-9a3b-c772bf4a311c" providerId="ADAL" clId="{413746AE-83C4-4944-A8AA-71CCD5B216E9}" dt="2024-02-26T03:51:54.675" v="253" actId="9405"/>
+          <ac:inkMkLst>
+            <pc:docMk/>
+            <pc:sldMk cId="1040156172" sldId="377"/>
+            <ac:inkMk id="8" creationId="{AFBC55EA-5E4A-90BA-41E3-CC6216033DAB}"/>
+          </ac:inkMkLst>
+        </pc:inkChg>
+        <pc:inkChg chg="add del">
+          <ac:chgData name="Matthieu De Mari" userId="dfb708c9-d8dc-439f-9a3b-c772bf4a311c" providerId="ADAL" clId="{413746AE-83C4-4944-A8AA-71CCD5B216E9}" dt="2024-02-26T03:52:07.931" v="255" actId="9405"/>
+          <ac:inkMkLst>
+            <pc:docMk/>
+            <pc:sldMk cId="1040156172" sldId="377"/>
+            <ac:inkMk id="9" creationId="{792E3160-87B6-38E1-AF48-0A9A7DC025A5}"/>
+          </ac:inkMkLst>
+        </pc:inkChg>
+        <pc:inkChg chg="add del">
+          <ac:chgData name="Matthieu De Mari" userId="dfb708c9-d8dc-439f-9a3b-c772bf4a311c" providerId="ADAL" clId="{413746AE-83C4-4944-A8AA-71CCD5B216E9}" dt="2024-02-26T03:54:15.903" v="258" actId="9405"/>
+          <ac:inkMkLst>
+            <pc:docMk/>
+            <pc:sldMk cId="1040156172" sldId="377"/>
+            <ac:inkMk id="10" creationId="{BBB25F3C-CEC9-4460-E165-0E5769E54272}"/>
+          </ac:inkMkLst>
+        </pc:inkChg>
+        <pc:inkChg chg="add del">
+          <ac:chgData name="Matthieu De Mari" userId="dfb708c9-d8dc-439f-9a3b-c772bf4a311c" providerId="ADAL" clId="{413746AE-83C4-4944-A8AA-71CCD5B216E9}" dt="2024-02-26T03:54:41.668" v="260" actId="9405"/>
+          <ac:inkMkLst>
+            <pc:docMk/>
+            <pc:sldMk cId="1040156172" sldId="377"/>
+            <ac:inkMk id="11" creationId="{2AE5F956-B41D-B6B0-F347-AE937399BB2B}"/>
+          </ac:inkMkLst>
+        </pc:inkChg>
+        <pc:inkChg chg="add del">
+          <ac:chgData name="Matthieu De Mari" userId="dfb708c9-d8dc-439f-9a3b-c772bf4a311c" providerId="ADAL" clId="{413746AE-83C4-4944-A8AA-71CCD5B216E9}" dt="2024-02-26T03:57:23.487" v="262" actId="9405"/>
+          <ac:inkMkLst>
+            <pc:docMk/>
+            <pc:sldMk cId="1040156172" sldId="377"/>
+            <ac:inkMk id="12" creationId="{6776AD1E-35A9-1BC1-2658-78A58F28D23B}"/>
+          </ac:inkMkLst>
+        </pc:inkChg>
+        <pc:inkChg chg="add del">
+          <ac:chgData name="Matthieu De Mari" userId="dfb708c9-d8dc-439f-9a3b-c772bf4a311c" providerId="ADAL" clId="{413746AE-83C4-4944-A8AA-71CCD5B216E9}" dt="2024-02-26T03:57:35.865" v="264" actId="9405"/>
+          <ac:inkMkLst>
+            <pc:docMk/>
+            <pc:sldMk cId="1040156172" sldId="377"/>
+            <ac:inkMk id="13" creationId="{DA055576-E807-5F35-B75C-C8EC91BDE103}"/>
+          </ac:inkMkLst>
+        </pc:inkChg>
+      </pc:sldChg>
       <pc:sldChg chg="del">
         <pc:chgData name="Matthieu De Mari" userId="dfb708c9-d8dc-439f-9a3b-c772bf4a311c" providerId="ADAL" clId="{413746AE-83C4-4944-A8AA-71CCD5B216E9}" dt="2024-02-09T00:36:16.163" v="0" actId="47"/>
         <pc:sldMkLst>
@@ -5655,6 +5742,549 @@
             <ac:spMk id="3" creationId="{C27E85C4-C37D-BCBC-37B4-67BAAE68237E}"/>
           </ac:spMkLst>
         </pc:spChg>
+      </pc:sldChg>
+      <pc:sldChg chg="addSp delSp modSp new del mod">
+        <pc:chgData name="Matthieu De Mari" userId="dfb708c9-d8dc-439f-9a3b-c772bf4a311c" providerId="ADAL" clId="{413746AE-83C4-4944-A8AA-71CCD5B216E9}" dt="2024-02-26T05:10:44.147" v="330" actId="47"/>
+        <pc:sldMkLst>
+          <pc:docMk/>
+          <pc:sldMk cId="2185147656" sldId="671"/>
+        </pc:sldMkLst>
+        <pc:spChg chg="del">
+          <ac:chgData name="Matthieu De Mari" userId="dfb708c9-d8dc-439f-9a3b-c772bf4a311c" providerId="ADAL" clId="{413746AE-83C4-4944-A8AA-71CCD5B216E9}" dt="2024-02-26T04:47:59.859" v="266" actId="478"/>
+          <ac:spMkLst>
+            <pc:docMk/>
+            <pc:sldMk cId="2185147656" sldId="671"/>
+            <ac:spMk id="2" creationId="{54195741-B7FF-89CD-4852-D526C5A0562F}"/>
+          </ac:spMkLst>
+        </pc:spChg>
+        <pc:spChg chg="del">
+          <ac:chgData name="Matthieu De Mari" userId="dfb708c9-d8dc-439f-9a3b-c772bf4a311c" providerId="ADAL" clId="{413746AE-83C4-4944-A8AA-71CCD5B216E9}" dt="2024-02-26T04:48:00.894" v="267" actId="478"/>
+          <ac:spMkLst>
+            <pc:docMk/>
+            <pc:sldMk cId="2185147656" sldId="671"/>
+            <ac:spMk id="3" creationId="{8DA054E8-766C-710C-4593-81B90E24A486}"/>
+          </ac:spMkLst>
+        </pc:spChg>
+        <pc:grpChg chg="del mod">
+          <ac:chgData name="Matthieu De Mari" userId="dfb708c9-d8dc-439f-9a3b-c772bf4a311c" providerId="ADAL" clId="{413746AE-83C4-4944-A8AA-71CCD5B216E9}" dt="2024-02-26T04:55:36.030" v="325"/>
+          <ac:grpSpMkLst>
+            <pc:docMk/>
+            <pc:sldMk cId="2185147656" sldId="671"/>
+            <ac:grpSpMk id="9" creationId="{874E1949-CC83-D9A5-4B94-F2798F245338}"/>
+          </ac:grpSpMkLst>
+        </pc:grpChg>
+        <pc:grpChg chg="del mod">
+          <ac:chgData name="Matthieu De Mari" userId="dfb708c9-d8dc-439f-9a3b-c772bf4a311c" providerId="ADAL" clId="{413746AE-83C4-4944-A8AA-71CCD5B216E9}" dt="2024-02-26T04:55:36.030" v="325"/>
+          <ac:grpSpMkLst>
+            <pc:docMk/>
+            <pc:sldMk cId="2185147656" sldId="671"/>
+            <ac:grpSpMk id="15" creationId="{80714C98-B5BC-553D-7652-6F24298D50ED}"/>
+          </ac:grpSpMkLst>
+        </pc:grpChg>
+        <pc:grpChg chg="del mod">
+          <ac:chgData name="Matthieu De Mari" userId="dfb708c9-d8dc-439f-9a3b-c772bf4a311c" providerId="ADAL" clId="{413746AE-83C4-4944-A8AA-71CCD5B216E9}" dt="2024-02-26T04:55:36.030" v="325"/>
+          <ac:grpSpMkLst>
+            <pc:docMk/>
+            <pc:sldMk cId="2185147656" sldId="671"/>
+            <ac:grpSpMk id="20" creationId="{8E98DA23-31A0-E1BF-DD70-E267B6F41164}"/>
+          </ac:grpSpMkLst>
+        </pc:grpChg>
+        <pc:grpChg chg="del mod">
+          <ac:chgData name="Matthieu De Mari" userId="dfb708c9-d8dc-439f-9a3b-c772bf4a311c" providerId="ADAL" clId="{413746AE-83C4-4944-A8AA-71CCD5B216E9}" dt="2024-02-26T04:55:36.030" v="325"/>
+          <ac:grpSpMkLst>
+            <pc:docMk/>
+            <pc:sldMk cId="2185147656" sldId="671"/>
+            <ac:grpSpMk id="21" creationId="{2AAB4C60-AFA1-78C0-50ED-DCB8D840A8A0}"/>
+          </ac:grpSpMkLst>
+        </pc:grpChg>
+        <pc:grpChg chg="del mod">
+          <ac:chgData name="Matthieu De Mari" userId="dfb708c9-d8dc-439f-9a3b-c772bf4a311c" providerId="ADAL" clId="{413746AE-83C4-4944-A8AA-71CCD5B216E9}" dt="2024-02-26T04:55:13.402" v="296"/>
+          <ac:grpSpMkLst>
+            <pc:docMk/>
+            <pc:sldMk cId="2185147656" sldId="671"/>
+            <ac:grpSpMk id="26" creationId="{059563CD-E784-54E5-7A3B-91E5002B9853}"/>
+          </ac:grpSpMkLst>
+        </pc:grpChg>
+        <pc:grpChg chg="del mod">
+          <ac:chgData name="Matthieu De Mari" userId="dfb708c9-d8dc-439f-9a3b-c772bf4a311c" providerId="ADAL" clId="{413746AE-83C4-4944-A8AA-71CCD5B216E9}" dt="2024-02-26T04:55:36.030" v="325"/>
+          <ac:grpSpMkLst>
+            <pc:docMk/>
+            <pc:sldMk cId="2185147656" sldId="671"/>
+            <ac:grpSpMk id="32" creationId="{45F298F0-F594-E70F-4183-B929D02789C1}"/>
+          </ac:grpSpMkLst>
+        </pc:grpChg>
+        <pc:grpChg chg="del mod">
+          <ac:chgData name="Matthieu De Mari" userId="dfb708c9-d8dc-439f-9a3b-c772bf4a311c" providerId="ADAL" clId="{413746AE-83C4-4944-A8AA-71CCD5B216E9}" dt="2024-02-26T04:55:36.030" v="325"/>
+          <ac:grpSpMkLst>
+            <pc:docMk/>
+            <pc:sldMk cId="2185147656" sldId="671"/>
+            <ac:grpSpMk id="36" creationId="{ACEFBC8C-4AB3-2D75-1A27-36A524D05BEA}"/>
+          </ac:grpSpMkLst>
+        </pc:grpChg>
+        <pc:grpChg chg="del mod">
+          <ac:chgData name="Matthieu De Mari" userId="dfb708c9-d8dc-439f-9a3b-c772bf4a311c" providerId="ADAL" clId="{413746AE-83C4-4944-A8AA-71CCD5B216E9}" dt="2024-02-26T04:55:36.030" v="325"/>
+          <ac:grpSpMkLst>
+            <pc:docMk/>
+            <pc:sldMk cId="2185147656" sldId="671"/>
+            <ac:grpSpMk id="45" creationId="{246AE3CC-B728-43AB-F594-AFE681270BBB}"/>
+          </ac:grpSpMkLst>
+        </pc:grpChg>
+        <pc:grpChg chg="del mod">
+          <ac:chgData name="Matthieu De Mari" userId="dfb708c9-d8dc-439f-9a3b-c772bf4a311c" providerId="ADAL" clId="{413746AE-83C4-4944-A8AA-71CCD5B216E9}" dt="2024-02-26T04:55:36.030" v="325"/>
+          <ac:grpSpMkLst>
+            <pc:docMk/>
+            <pc:sldMk cId="2185147656" sldId="671"/>
+            <ac:grpSpMk id="46" creationId="{513F063E-A259-A2DB-8072-19BD7E599247}"/>
+          </ac:grpSpMkLst>
+        </pc:grpChg>
+        <pc:grpChg chg="del mod">
+          <ac:chgData name="Matthieu De Mari" userId="dfb708c9-d8dc-439f-9a3b-c772bf4a311c" providerId="ADAL" clId="{413746AE-83C4-4944-A8AA-71CCD5B216E9}" dt="2024-02-26T04:55:27.958" v="322"/>
+          <ac:grpSpMkLst>
+            <pc:docMk/>
+            <pc:sldMk cId="2185147656" sldId="671"/>
+            <ac:grpSpMk id="49" creationId="{9665875D-0C1A-6391-C5A7-052FE3B54713}"/>
+          </ac:grpSpMkLst>
+        </pc:grpChg>
+        <pc:grpChg chg="del mod">
+          <ac:chgData name="Matthieu De Mari" userId="dfb708c9-d8dc-439f-9a3b-c772bf4a311c" providerId="ADAL" clId="{413746AE-83C4-4944-A8AA-71CCD5B216E9}" dt="2024-02-26T04:55:36.030" v="325"/>
+          <ac:grpSpMkLst>
+            <pc:docMk/>
+            <pc:sldMk cId="2185147656" sldId="671"/>
+            <ac:grpSpMk id="59" creationId="{AD15766C-AC24-71F9-A62E-AF6726FA16A9}"/>
+          </ac:grpSpMkLst>
+        </pc:grpChg>
+        <pc:grpChg chg="del mod">
+          <ac:chgData name="Matthieu De Mari" userId="dfb708c9-d8dc-439f-9a3b-c772bf4a311c" providerId="ADAL" clId="{413746AE-83C4-4944-A8AA-71CCD5B216E9}" dt="2024-02-26T04:55:36.030" v="325"/>
+          <ac:grpSpMkLst>
+            <pc:docMk/>
+            <pc:sldMk cId="2185147656" sldId="671"/>
+            <ac:grpSpMk id="60" creationId="{9ACA3F04-8C82-AF4D-0506-3D8A9511F7B3}"/>
+          </ac:grpSpMkLst>
+        </pc:grpChg>
+        <pc:grpChg chg="del mod">
+          <ac:chgData name="Matthieu De Mari" userId="dfb708c9-d8dc-439f-9a3b-c772bf4a311c" providerId="ADAL" clId="{413746AE-83C4-4944-A8AA-71CCD5B216E9}" dt="2024-02-26T04:55:36.030" v="325"/>
+          <ac:grpSpMkLst>
+            <pc:docMk/>
+            <pc:sldMk cId="2185147656" sldId="671"/>
+            <ac:grpSpMk id="63" creationId="{6BE70022-4852-6210-44E0-5B900B3009A7}"/>
+          </ac:grpSpMkLst>
+        </pc:grpChg>
+        <pc:grpChg chg="del mod">
+          <ac:chgData name="Matthieu De Mari" userId="dfb708c9-d8dc-439f-9a3b-c772bf4a311c" providerId="ADAL" clId="{413746AE-83C4-4944-A8AA-71CCD5B216E9}" dt="2024-02-26T04:55:42.708" v="327"/>
+          <ac:grpSpMkLst>
+            <pc:docMk/>
+            <pc:sldMk cId="2185147656" sldId="671"/>
+            <ac:grpSpMk id="64" creationId="{F82E137F-EF3C-9EE5-D238-6A9D93398A6C}"/>
+          </ac:grpSpMkLst>
+        </pc:grpChg>
+        <pc:grpChg chg="del mod">
+          <ac:chgData name="Matthieu De Mari" userId="dfb708c9-d8dc-439f-9a3b-c772bf4a311c" providerId="ADAL" clId="{413746AE-83C4-4944-A8AA-71CCD5B216E9}" dt="2024-02-26T04:55:44.435" v="329"/>
+          <ac:grpSpMkLst>
+            <pc:docMk/>
+            <pc:sldMk cId="2185147656" sldId="671"/>
+            <ac:grpSpMk id="66" creationId="{45AC8820-6B85-EF7A-25FC-C056D97E9FC4}"/>
+          </ac:grpSpMkLst>
+        </pc:grpChg>
+        <pc:grpChg chg="mod">
+          <ac:chgData name="Matthieu De Mari" userId="dfb708c9-d8dc-439f-9a3b-c772bf4a311c" providerId="ADAL" clId="{413746AE-83C4-4944-A8AA-71CCD5B216E9}" dt="2024-02-26T04:55:44.435" v="329"/>
+          <ac:grpSpMkLst>
+            <pc:docMk/>
+            <pc:sldMk cId="2185147656" sldId="671"/>
+            <ac:grpSpMk id="68" creationId="{865B7B97-2351-B574-9C26-79812A0D566A}"/>
+          </ac:grpSpMkLst>
+        </pc:grpChg>
+        <pc:inkChg chg="add mod">
+          <ac:chgData name="Matthieu De Mari" userId="dfb708c9-d8dc-439f-9a3b-c772bf4a311c" providerId="ADAL" clId="{413746AE-83C4-4944-A8AA-71CCD5B216E9}" dt="2024-02-26T04:54:52.172" v="269"/>
+          <ac:inkMkLst>
+            <pc:docMk/>
+            <pc:sldMk cId="2185147656" sldId="671"/>
+            <ac:inkMk id="4" creationId="{5B339A30-4FF6-5713-A9EB-8C92D2E8340F}"/>
+          </ac:inkMkLst>
+        </pc:inkChg>
+        <pc:inkChg chg="add mod">
+          <ac:chgData name="Matthieu De Mari" userId="dfb708c9-d8dc-439f-9a3b-c772bf4a311c" providerId="ADAL" clId="{413746AE-83C4-4944-A8AA-71CCD5B216E9}" dt="2024-02-26T04:55:42.708" v="327"/>
+          <ac:inkMkLst>
+            <pc:docMk/>
+            <pc:sldMk cId="2185147656" sldId="671"/>
+            <ac:inkMk id="5" creationId="{E7CCEE89-FC80-02E8-80E5-076FBAB27927}"/>
+          </ac:inkMkLst>
+        </pc:inkChg>
+        <pc:inkChg chg="add mod">
+          <ac:chgData name="Matthieu De Mari" userId="dfb708c9-d8dc-439f-9a3b-c772bf4a311c" providerId="ADAL" clId="{413746AE-83C4-4944-A8AA-71CCD5B216E9}" dt="2024-02-26T04:55:42.708" v="327"/>
+          <ac:inkMkLst>
+            <pc:docMk/>
+            <pc:sldMk cId="2185147656" sldId="671"/>
+            <ac:inkMk id="6" creationId="{5C01272A-D5D9-CC6B-E236-CC433CB30DD8}"/>
+          </ac:inkMkLst>
+        </pc:inkChg>
+        <pc:inkChg chg="add mod">
+          <ac:chgData name="Matthieu De Mari" userId="dfb708c9-d8dc-439f-9a3b-c772bf4a311c" providerId="ADAL" clId="{413746AE-83C4-4944-A8AA-71CCD5B216E9}" dt="2024-02-26T04:55:42.708" v="327"/>
+          <ac:inkMkLst>
+            <pc:docMk/>
+            <pc:sldMk cId="2185147656" sldId="671"/>
+            <ac:inkMk id="7" creationId="{494D534A-18A4-21C2-A243-BF8AB26FCC1E}"/>
+          </ac:inkMkLst>
+        </pc:inkChg>
+        <pc:inkChg chg="add mod">
+          <ac:chgData name="Matthieu De Mari" userId="dfb708c9-d8dc-439f-9a3b-c772bf4a311c" providerId="ADAL" clId="{413746AE-83C4-4944-A8AA-71CCD5B216E9}" dt="2024-02-26T04:55:42.708" v="327"/>
+          <ac:inkMkLst>
+            <pc:docMk/>
+            <pc:sldMk cId="2185147656" sldId="671"/>
+            <ac:inkMk id="8" creationId="{67F43482-1F0A-DFC7-DAA5-4EDA9077DBA9}"/>
+          </ac:inkMkLst>
+        </pc:inkChg>
+        <pc:inkChg chg="add mod">
+          <ac:chgData name="Matthieu De Mari" userId="dfb708c9-d8dc-439f-9a3b-c772bf4a311c" providerId="ADAL" clId="{413746AE-83C4-4944-A8AA-71CCD5B216E9}" dt="2024-02-26T04:55:42.708" v="327"/>
+          <ac:inkMkLst>
+            <pc:docMk/>
+            <pc:sldMk cId="2185147656" sldId="671"/>
+            <ac:inkMk id="10" creationId="{55F79BB7-E47B-6A70-5125-D0643AAF682F}"/>
+          </ac:inkMkLst>
+        </pc:inkChg>
+        <pc:inkChg chg="add mod">
+          <ac:chgData name="Matthieu De Mari" userId="dfb708c9-d8dc-439f-9a3b-c772bf4a311c" providerId="ADAL" clId="{413746AE-83C4-4944-A8AA-71CCD5B216E9}" dt="2024-02-26T04:55:42.708" v="327"/>
+          <ac:inkMkLst>
+            <pc:docMk/>
+            <pc:sldMk cId="2185147656" sldId="671"/>
+            <ac:inkMk id="11" creationId="{87339340-0865-8D2A-9524-ACAC1D0885C6}"/>
+          </ac:inkMkLst>
+        </pc:inkChg>
+        <pc:inkChg chg="add mod">
+          <ac:chgData name="Matthieu De Mari" userId="dfb708c9-d8dc-439f-9a3b-c772bf4a311c" providerId="ADAL" clId="{413746AE-83C4-4944-A8AA-71CCD5B216E9}" dt="2024-02-26T04:55:42.708" v="327"/>
+          <ac:inkMkLst>
+            <pc:docMk/>
+            <pc:sldMk cId="2185147656" sldId="671"/>
+            <ac:inkMk id="12" creationId="{F49F6DA7-7F24-3D73-6F54-3855E02E9B4C}"/>
+          </ac:inkMkLst>
+        </pc:inkChg>
+        <pc:inkChg chg="add mod">
+          <ac:chgData name="Matthieu De Mari" userId="dfb708c9-d8dc-439f-9a3b-c772bf4a311c" providerId="ADAL" clId="{413746AE-83C4-4944-A8AA-71CCD5B216E9}" dt="2024-02-26T04:55:42.708" v="327"/>
+          <ac:inkMkLst>
+            <pc:docMk/>
+            <pc:sldMk cId="2185147656" sldId="671"/>
+            <ac:inkMk id="13" creationId="{EBBEC30F-68A5-1C4D-E8DC-D9AFD10375E4}"/>
+          </ac:inkMkLst>
+        </pc:inkChg>
+        <pc:inkChg chg="add mod">
+          <ac:chgData name="Matthieu De Mari" userId="dfb708c9-d8dc-439f-9a3b-c772bf4a311c" providerId="ADAL" clId="{413746AE-83C4-4944-A8AA-71CCD5B216E9}" dt="2024-02-26T04:55:42.708" v="327"/>
+          <ac:inkMkLst>
+            <pc:docMk/>
+            <pc:sldMk cId="2185147656" sldId="671"/>
+            <ac:inkMk id="14" creationId="{55F4BF20-059F-D46A-22C5-47EE4BBEC1EF}"/>
+          </ac:inkMkLst>
+        </pc:inkChg>
+        <pc:inkChg chg="add mod">
+          <ac:chgData name="Matthieu De Mari" userId="dfb708c9-d8dc-439f-9a3b-c772bf4a311c" providerId="ADAL" clId="{413746AE-83C4-4944-A8AA-71CCD5B216E9}" dt="2024-02-26T04:55:42.708" v="327"/>
+          <ac:inkMkLst>
+            <pc:docMk/>
+            <pc:sldMk cId="2185147656" sldId="671"/>
+            <ac:inkMk id="16" creationId="{1D691829-B898-8B56-D422-DCB177021D85}"/>
+          </ac:inkMkLst>
+        </pc:inkChg>
+        <pc:inkChg chg="add mod">
+          <ac:chgData name="Matthieu De Mari" userId="dfb708c9-d8dc-439f-9a3b-c772bf4a311c" providerId="ADAL" clId="{413746AE-83C4-4944-A8AA-71CCD5B216E9}" dt="2024-02-26T04:55:42.708" v="327"/>
+          <ac:inkMkLst>
+            <pc:docMk/>
+            <pc:sldMk cId="2185147656" sldId="671"/>
+            <ac:inkMk id="17" creationId="{B4EC4B6D-1634-F01F-CD62-2751E1FFCFC1}"/>
+          </ac:inkMkLst>
+        </pc:inkChg>
+        <pc:inkChg chg="add mod">
+          <ac:chgData name="Matthieu De Mari" userId="dfb708c9-d8dc-439f-9a3b-c772bf4a311c" providerId="ADAL" clId="{413746AE-83C4-4944-A8AA-71CCD5B216E9}" dt="2024-02-26T04:55:42.708" v="327"/>
+          <ac:inkMkLst>
+            <pc:docMk/>
+            <pc:sldMk cId="2185147656" sldId="671"/>
+            <ac:inkMk id="18" creationId="{DF9895BD-0CFF-B458-2545-C94EE8DA80C9}"/>
+          </ac:inkMkLst>
+        </pc:inkChg>
+        <pc:inkChg chg="add mod">
+          <ac:chgData name="Matthieu De Mari" userId="dfb708c9-d8dc-439f-9a3b-c772bf4a311c" providerId="ADAL" clId="{413746AE-83C4-4944-A8AA-71CCD5B216E9}" dt="2024-02-26T04:55:42.708" v="327"/>
+          <ac:inkMkLst>
+            <pc:docMk/>
+            <pc:sldMk cId="2185147656" sldId="671"/>
+            <ac:inkMk id="19" creationId="{AD91C042-7C25-DDD2-29CE-0A12EA748ED3}"/>
+          </ac:inkMkLst>
+        </pc:inkChg>
+        <pc:inkChg chg="add mod">
+          <ac:chgData name="Matthieu De Mari" userId="dfb708c9-d8dc-439f-9a3b-c772bf4a311c" providerId="ADAL" clId="{413746AE-83C4-4944-A8AA-71CCD5B216E9}" dt="2024-02-26T04:55:44.435" v="329"/>
+          <ac:inkMkLst>
+            <pc:docMk/>
+            <pc:sldMk cId="2185147656" sldId="671"/>
+            <ac:inkMk id="22" creationId="{07D58C60-384D-A492-4E43-8C005FDE46BF}"/>
+          </ac:inkMkLst>
+        </pc:inkChg>
+        <pc:inkChg chg="add mod">
+          <ac:chgData name="Matthieu De Mari" userId="dfb708c9-d8dc-439f-9a3b-c772bf4a311c" providerId="ADAL" clId="{413746AE-83C4-4944-A8AA-71CCD5B216E9}" dt="2024-02-26T04:55:44.435" v="329"/>
+          <ac:inkMkLst>
+            <pc:docMk/>
+            <pc:sldMk cId="2185147656" sldId="671"/>
+            <ac:inkMk id="23" creationId="{BB772CA7-474B-A5DA-696E-612E155B3665}"/>
+          </ac:inkMkLst>
+        </pc:inkChg>
+        <pc:inkChg chg="add mod">
+          <ac:chgData name="Matthieu De Mari" userId="dfb708c9-d8dc-439f-9a3b-c772bf4a311c" providerId="ADAL" clId="{413746AE-83C4-4944-A8AA-71CCD5B216E9}" dt="2024-02-26T04:55:44.435" v="329"/>
+          <ac:inkMkLst>
+            <pc:docMk/>
+            <pc:sldMk cId="2185147656" sldId="671"/>
+            <ac:inkMk id="24" creationId="{2F4D2479-93F3-8B23-9AAC-11EE5E982DDA}"/>
+          </ac:inkMkLst>
+        </pc:inkChg>
+        <pc:inkChg chg="add mod">
+          <ac:chgData name="Matthieu De Mari" userId="dfb708c9-d8dc-439f-9a3b-c772bf4a311c" providerId="ADAL" clId="{413746AE-83C4-4944-A8AA-71CCD5B216E9}" dt="2024-02-26T04:55:44.435" v="329"/>
+          <ac:inkMkLst>
+            <pc:docMk/>
+            <pc:sldMk cId="2185147656" sldId="671"/>
+            <ac:inkMk id="25" creationId="{FBB63E24-7282-6F8B-5FD8-674ADBF90222}"/>
+          </ac:inkMkLst>
+        </pc:inkChg>
+        <pc:inkChg chg="add mod">
+          <ac:chgData name="Matthieu De Mari" userId="dfb708c9-d8dc-439f-9a3b-c772bf4a311c" providerId="ADAL" clId="{413746AE-83C4-4944-A8AA-71CCD5B216E9}" dt="2024-02-26T04:55:44.435" v="329"/>
+          <ac:inkMkLst>
+            <pc:docMk/>
+            <pc:sldMk cId="2185147656" sldId="671"/>
+            <ac:inkMk id="27" creationId="{5E76DAC0-5F97-9E27-047C-FD95C4A6B8E3}"/>
+          </ac:inkMkLst>
+        </pc:inkChg>
+        <pc:inkChg chg="add mod">
+          <ac:chgData name="Matthieu De Mari" userId="dfb708c9-d8dc-439f-9a3b-c772bf4a311c" providerId="ADAL" clId="{413746AE-83C4-4944-A8AA-71CCD5B216E9}" dt="2024-02-26T04:55:44.435" v="329"/>
+          <ac:inkMkLst>
+            <pc:docMk/>
+            <pc:sldMk cId="2185147656" sldId="671"/>
+            <ac:inkMk id="28" creationId="{605645C6-6C9C-4487-D01D-66DE41CDFC2E}"/>
+          </ac:inkMkLst>
+        </pc:inkChg>
+        <pc:inkChg chg="add mod">
+          <ac:chgData name="Matthieu De Mari" userId="dfb708c9-d8dc-439f-9a3b-c772bf4a311c" providerId="ADAL" clId="{413746AE-83C4-4944-A8AA-71CCD5B216E9}" dt="2024-02-26T04:55:44.435" v="329"/>
+          <ac:inkMkLst>
+            <pc:docMk/>
+            <pc:sldMk cId="2185147656" sldId="671"/>
+            <ac:inkMk id="29" creationId="{E998D19E-941F-3427-B03C-FB0B9BC0AA35}"/>
+          </ac:inkMkLst>
+        </pc:inkChg>
+        <pc:inkChg chg="add mod">
+          <ac:chgData name="Matthieu De Mari" userId="dfb708c9-d8dc-439f-9a3b-c772bf4a311c" providerId="ADAL" clId="{413746AE-83C4-4944-A8AA-71CCD5B216E9}" dt="2024-02-26T04:55:44.435" v="329"/>
+          <ac:inkMkLst>
+            <pc:docMk/>
+            <pc:sldMk cId="2185147656" sldId="671"/>
+            <ac:inkMk id="30" creationId="{4C32738C-6DF5-389D-87ED-35D58B6D34C9}"/>
+          </ac:inkMkLst>
+        </pc:inkChg>
+        <pc:inkChg chg="add mod">
+          <ac:chgData name="Matthieu De Mari" userId="dfb708c9-d8dc-439f-9a3b-c772bf4a311c" providerId="ADAL" clId="{413746AE-83C4-4944-A8AA-71CCD5B216E9}" dt="2024-02-26T04:55:44.435" v="329"/>
+          <ac:inkMkLst>
+            <pc:docMk/>
+            <pc:sldMk cId="2185147656" sldId="671"/>
+            <ac:inkMk id="31" creationId="{955D5FFD-1637-2254-3B88-3422BF115C87}"/>
+          </ac:inkMkLst>
+        </pc:inkChg>
+        <pc:inkChg chg="add mod">
+          <ac:chgData name="Matthieu De Mari" userId="dfb708c9-d8dc-439f-9a3b-c772bf4a311c" providerId="ADAL" clId="{413746AE-83C4-4944-A8AA-71CCD5B216E9}" dt="2024-02-26T04:55:44.435" v="329"/>
+          <ac:inkMkLst>
+            <pc:docMk/>
+            <pc:sldMk cId="2185147656" sldId="671"/>
+            <ac:inkMk id="33" creationId="{8AB86296-27B4-9469-89AF-2CEC29FED1CB}"/>
+          </ac:inkMkLst>
+        </pc:inkChg>
+        <pc:inkChg chg="add mod">
+          <ac:chgData name="Matthieu De Mari" userId="dfb708c9-d8dc-439f-9a3b-c772bf4a311c" providerId="ADAL" clId="{413746AE-83C4-4944-A8AA-71CCD5B216E9}" dt="2024-02-26T04:55:44.435" v="329"/>
+          <ac:inkMkLst>
+            <pc:docMk/>
+            <pc:sldMk cId="2185147656" sldId="671"/>
+            <ac:inkMk id="34" creationId="{975605E7-4F97-D9DC-259D-EC9C04508F59}"/>
+          </ac:inkMkLst>
+        </pc:inkChg>
+        <pc:inkChg chg="add mod">
+          <ac:chgData name="Matthieu De Mari" userId="dfb708c9-d8dc-439f-9a3b-c772bf4a311c" providerId="ADAL" clId="{413746AE-83C4-4944-A8AA-71CCD5B216E9}" dt="2024-02-26T04:55:44.435" v="329"/>
+          <ac:inkMkLst>
+            <pc:docMk/>
+            <pc:sldMk cId="2185147656" sldId="671"/>
+            <ac:inkMk id="35" creationId="{5D5CC879-1A2B-FCC9-C4FA-18625E2DCB28}"/>
+          </ac:inkMkLst>
+        </pc:inkChg>
+        <pc:inkChg chg="add mod">
+          <ac:chgData name="Matthieu De Mari" userId="dfb708c9-d8dc-439f-9a3b-c772bf4a311c" providerId="ADAL" clId="{413746AE-83C4-4944-A8AA-71CCD5B216E9}" dt="2024-02-26T04:55:44.435" v="329"/>
+          <ac:inkMkLst>
+            <pc:docMk/>
+            <pc:sldMk cId="2185147656" sldId="671"/>
+            <ac:inkMk id="37" creationId="{4611DBE1-4E8F-4AEF-9879-558D0BE4976B}"/>
+          </ac:inkMkLst>
+        </pc:inkChg>
+        <pc:inkChg chg="add mod">
+          <ac:chgData name="Matthieu De Mari" userId="dfb708c9-d8dc-439f-9a3b-c772bf4a311c" providerId="ADAL" clId="{413746AE-83C4-4944-A8AA-71CCD5B216E9}" dt="2024-02-26T04:55:44.435" v="329"/>
+          <ac:inkMkLst>
+            <pc:docMk/>
+            <pc:sldMk cId="2185147656" sldId="671"/>
+            <ac:inkMk id="38" creationId="{DED30E7B-6526-9E5D-FD09-60799312C037}"/>
+          </ac:inkMkLst>
+        </pc:inkChg>
+        <pc:inkChg chg="add mod">
+          <ac:chgData name="Matthieu De Mari" userId="dfb708c9-d8dc-439f-9a3b-c772bf4a311c" providerId="ADAL" clId="{413746AE-83C4-4944-A8AA-71CCD5B216E9}" dt="2024-02-26T04:55:44.435" v="329"/>
+          <ac:inkMkLst>
+            <pc:docMk/>
+            <pc:sldMk cId="2185147656" sldId="671"/>
+            <ac:inkMk id="39" creationId="{A7F664B6-5719-EB89-DBE3-7DB0C7489467}"/>
+          </ac:inkMkLst>
+        </pc:inkChg>
+        <pc:inkChg chg="add mod">
+          <ac:chgData name="Matthieu De Mari" userId="dfb708c9-d8dc-439f-9a3b-c772bf4a311c" providerId="ADAL" clId="{413746AE-83C4-4944-A8AA-71CCD5B216E9}" dt="2024-02-26T04:55:44.435" v="329"/>
+          <ac:inkMkLst>
+            <pc:docMk/>
+            <pc:sldMk cId="2185147656" sldId="671"/>
+            <ac:inkMk id="40" creationId="{2407D1A6-1C47-A908-889E-9F94F484A5C0}"/>
+          </ac:inkMkLst>
+        </pc:inkChg>
+        <pc:inkChg chg="add mod">
+          <ac:chgData name="Matthieu De Mari" userId="dfb708c9-d8dc-439f-9a3b-c772bf4a311c" providerId="ADAL" clId="{413746AE-83C4-4944-A8AA-71CCD5B216E9}" dt="2024-02-26T04:55:44.435" v="329"/>
+          <ac:inkMkLst>
+            <pc:docMk/>
+            <pc:sldMk cId="2185147656" sldId="671"/>
+            <ac:inkMk id="41" creationId="{C0350451-B18A-0AAE-91EA-87EED96515F0}"/>
+          </ac:inkMkLst>
+        </pc:inkChg>
+        <pc:inkChg chg="add mod">
+          <ac:chgData name="Matthieu De Mari" userId="dfb708c9-d8dc-439f-9a3b-c772bf4a311c" providerId="ADAL" clId="{413746AE-83C4-4944-A8AA-71CCD5B216E9}" dt="2024-02-26T04:55:44.435" v="329"/>
+          <ac:inkMkLst>
+            <pc:docMk/>
+            <pc:sldMk cId="2185147656" sldId="671"/>
+            <ac:inkMk id="42" creationId="{9E1C3471-C8E0-AFFA-37B3-87C701244EF7}"/>
+          </ac:inkMkLst>
+        </pc:inkChg>
+        <pc:inkChg chg="add mod">
+          <ac:chgData name="Matthieu De Mari" userId="dfb708c9-d8dc-439f-9a3b-c772bf4a311c" providerId="ADAL" clId="{413746AE-83C4-4944-A8AA-71CCD5B216E9}" dt="2024-02-26T04:55:44.435" v="329"/>
+          <ac:inkMkLst>
+            <pc:docMk/>
+            <pc:sldMk cId="2185147656" sldId="671"/>
+            <ac:inkMk id="43" creationId="{82332EDA-03AF-8189-0A12-9F31934EAF93}"/>
+          </ac:inkMkLst>
+        </pc:inkChg>
+        <pc:inkChg chg="add mod">
+          <ac:chgData name="Matthieu De Mari" userId="dfb708c9-d8dc-439f-9a3b-c772bf4a311c" providerId="ADAL" clId="{413746AE-83C4-4944-A8AA-71CCD5B216E9}" dt="2024-02-26T04:55:44.435" v="329"/>
+          <ac:inkMkLst>
+            <pc:docMk/>
+            <pc:sldMk cId="2185147656" sldId="671"/>
+            <ac:inkMk id="44" creationId="{9C470ED8-5AC2-1849-507F-CC202B7E8ECD}"/>
+          </ac:inkMkLst>
+        </pc:inkChg>
+        <pc:inkChg chg="add mod">
+          <ac:chgData name="Matthieu De Mari" userId="dfb708c9-d8dc-439f-9a3b-c772bf4a311c" providerId="ADAL" clId="{413746AE-83C4-4944-A8AA-71CCD5B216E9}" dt="2024-02-26T04:55:44.435" v="329"/>
+          <ac:inkMkLst>
+            <pc:docMk/>
+            <pc:sldMk cId="2185147656" sldId="671"/>
+            <ac:inkMk id="47" creationId="{EBC01770-79F8-899B-A2D8-5DD49210D793}"/>
+          </ac:inkMkLst>
+        </pc:inkChg>
+        <pc:inkChg chg="add mod">
+          <ac:chgData name="Matthieu De Mari" userId="dfb708c9-d8dc-439f-9a3b-c772bf4a311c" providerId="ADAL" clId="{413746AE-83C4-4944-A8AA-71CCD5B216E9}" dt="2024-02-26T04:55:44.435" v="329"/>
+          <ac:inkMkLst>
+            <pc:docMk/>
+            <pc:sldMk cId="2185147656" sldId="671"/>
+            <ac:inkMk id="48" creationId="{B9F228B5-52B5-68C1-CE56-D6236442BA2C}"/>
+          </ac:inkMkLst>
+        </pc:inkChg>
+        <pc:inkChg chg="add mod">
+          <ac:chgData name="Matthieu De Mari" userId="dfb708c9-d8dc-439f-9a3b-c772bf4a311c" providerId="ADAL" clId="{413746AE-83C4-4944-A8AA-71CCD5B216E9}" dt="2024-02-26T04:55:44.435" v="329"/>
+          <ac:inkMkLst>
+            <pc:docMk/>
+            <pc:sldMk cId="2185147656" sldId="671"/>
+            <ac:inkMk id="50" creationId="{8C4BDB5F-9379-7814-ADA8-897A208AF39E}"/>
+          </ac:inkMkLst>
+        </pc:inkChg>
+        <pc:inkChg chg="add mod">
+          <ac:chgData name="Matthieu De Mari" userId="dfb708c9-d8dc-439f-9a3b-c772bf4a311c" providerId="ADAL" clId="{413746AE-83C4-4944-A8AA-71CCD5B216E9}" dt="2024-02-26T04:55:44.435" v="329"/>
+          <ac:inkMkLst>
+            <pc:docMk/>
+            <pc:sldMk cId="2185147656" sldId="671"/>
+            <ac:inkMk id="51" creationId="{A2353E32-DF1F-7BED-1FD3-BEF1BB69A806}"/>
+          </ac:inkMkLst>
+        </pc:inkChg>
+        <pc:inkChg chg="add mod">
+          <ac:chgData name="Matthieu De Mari" userId="dfb708c9-d8dc-439f-9a3b-c772bf4a311c" providerId="ADAL" clId="{413746AE-83C4-4944-A8AA-71CCD5B216E9}" dt="2024-02-26T04:55:44.435" v="329"/>
+          <ac:inkMkLst>
+            <pc:docMk/>
+            <pc:sldMk cId="2185147656" sldId="671"/>
+            <ac:inkMk id="52" creationId="{9F7CA51D-1E12-886C-6CE8-F31D83DAC48E}"/>
+          </ac:inkMkLst>
+        </pc:inkChg>
+        <pc:inkChg chg="add mod">
+          <ac:chgData name="Matthieu De Mari" userId="dfb708c9-d8dc-439f-9a3b-c772bf4a311c" providerId="ADAL" clId="{413746AE-83C4-4944-A8AA-71CCD5B216E9}" dt="2024-02-26T04:55:44.435" v="329"/>
+          <ac:inkMkLst>
+            <pc:docMk/>
+            <pc:sldMk cId="2185147656" sldId="671"/>
+            <ac:inkMk id="53" creationId="{F250A51F-68CC-30CE-4DBE-1562D3F2420C}"/>
+          </ac:inkMkLst>
+        </pc:inkChg>
+        <pc:inkChg chg="add mod">
+          <ac:chgData name="Matthieu De Mari" userId="dfb708c9-d8dc-439f-9a3b-c772bf4a311c" providerId="ADAL" clId="{413746AE-83C4-4944-A8AA-71CCD5B216E9}" dt="2024-02-26T04:55:44.435" v="329"/>
+          <ac:inkMkLst>
+            <pc:docMk/>
+            <pc:sldMk cId="2185147656" sldId="671"/>
+            <ac:inkMk id="54" creationId="{913BB73A-E129-D011-7750-0689E3777239}"/>
+          </ac:inkMkLst>
+        </pc:inkChg>
+        <pc:inkChg chg="add mod">
+          <ac:chgData name="Matthieu De Mari" userId="dfb708c9-d8dc-439f-9a3b-c772bf4a311c" providerId="ADAL" clId="{413746AE-83C4-4944-A8AA-71CCD5B216E9}" dt="2024-02-26T04:55:44.435" v="329"/>
+          <ac:inkMkLst>
+            <pc:docMk/>
+            <pc:sldMk cId="2185147656" sldId="671"/>
+            <ac:inkMk id="55" creationId="{2BF35F32-2000-A24E-15A1-1D83EFFEBE53}"/>
+          </ac:inkMkLst>
+        </pc:inkChg>
+        <pc:inkChg chg="add mod">
+          <ac:chgData name="Matthieu De Mari" userId="dfb708c9-d8dc-439f-9a3b-c772bf4a311c" providerId="ADAL" clId="{413746AE-83C4-4944-A8AA-71CCD5B216E9}" dt="2024-02-26T04:55:44.435" v="329"/>
+          <ac:inkMkLst>
+            <pc:docMk/>
+            <pc:sldMk cId="2185147656" sldId="671"/>
+            <ac:inkMk id="56" creationId="{EF8DD05C-6DD9-E6FB-61D1-FD6BFF9B6AC7}"/>
+          </ac:inkMkLst>
+        </pc:inkChg>
+        <pc:inkChg chg="add mod">
+          <ac:chgData name="Matthieu De Mari" userId="dfb708c9-d8dc-439f-9a3b-c772bf4a311c" providerId="ADAL" clId="{413746AE-83C4-4944-A8AA-71CCD5B216E9}" dt="2024-02-26T04:55:44.435" v="329"/>
+          <ac:inkMkLst>
+            <pc:docMk/>
+            <pc:sldMk cId="2185147656" sldId="671"/>
+            <ac:inkMk id="57" creationId="{D576C309-0083-B141-2FB8-67C910E6CC11}"/>
+          </ac:inkMkLst>
+        </pc:inkChg>
+        <pc:inkChg chg="add mod">
+          <ac:chgData name="Matthieu De Mari" userId="dfb708c9-d8dc-439f-9a3b-c772bf4a311c" providerId="ADAL" clId="{413746AE-83C4-4944-A8AA-71CCD5B216E9}" dt="2024-02-26T04:55:44.435" v="329"/>
+          <ac:inkMkLst>
+            <pc:docMk/>
+            <pc:sldMk cId="2185147656" sldId="671"/>
+            <ac:inkMk id="58" creationId="{5901264F-90B2-CBC4-4EE8-0B53320B96EE}"/>
+          </ac:inkMkLst>
+        </pc:inkChg>
+        <pc:inkChg chg="add mod">
+          <ac:chgData name="Matthieu De Mari" userId="dfb708c9-d8dc-439f-9a3b-c772bf4a311c" providerId="ADAL" clId="{413746AE-83C4-4944-A8AA-71CCD5B216E9}" dt="2024-02-26T04:55:42.708" v="327"/>
+          <ac:inkMkLst>
+            <pc:docMk/>
+            <pc:sldMk cId="2185147656" sldId="671"/>
+            <ac:inkMk id="61" creationId="{97464F29-C6B1-C053-6D7E-B22BB9151188}"/>
+          </ac:inkMkLst>
+        </pc:inkChg>
+        <pc:inkChg chg="add mod">
+          <ac:chgData name="Matthieu De Mari" userId="dfb708c9-d8dc-439f-9a3b-c772bf4a311c" providerId="ADAL" clId="{413746AE-83C4-4944-A8AA-71CCD5B216E9}" dt="2024-02-26T04:55:42.708" v="327"/>
+          <ac:inkMkLst>
+            <pc:docMk/>
+            <pc:sldMk cId="2185147656" sldId="671"/>
+            <ac:inkMk id="62" creationId="{8BE62C72-F6DE-5079-7296-8FE9D6F4449F}"/>
+          </ac:inkMkLst>
+        </pc:inkChg>
+        <pc:inkChg chg="add mod">
+          <ac:chgData name="Matthieu De Mari" userId="dfb708c9-d8dc-439f-9a3b-c772bf4a311c" providerId="ADAL" clId="{413746AE-83C4-4944-A8AA-71CCD5B216E9}" dt="2024-02-26T04:55:44.435" v="329"/>
+          <ac:inkMkLst>
+            <pc:docMk/>
+            <pc:sldMk cId="2185147656" sldId="671"/>
+            <ac:inkMk id="65" creationId="{1AC5973A-6963-AC3C-A06D-C6514A6862F3}"/>
+          </ac:inkMkLst>
+        </pc:inkChg>
+        <pc:inkChg chg="add mod">
+          <ac:chgData name="Matthieu De Mari" userId="dfb708c9-d8dc-439f-9a3b-c772bf4a311c" providerId="ADAL" clId="{413746AE-83C4-4944-A8AA-71CCD5B216E9}" dt="2024-02-26T04:55:44.435" v="329"/>
+          <ac:inkMkLst>
+            <pc:docMk/>
+            <pc:sldMk cId="2185147656" sldId="671"/>
+            <ac:inkMk id="67" creationId="{1FEC42E9-2107-2CD1-5E2D-3A74AEF0A417}"/>
+          </ac:inkMkLst>
+        </pc:inkChg>
       </pc:sldChg>
     </pc:docChg>
   </pc:docChgLst>
@@ -7387,7 +8017,7 @@
           <a:p>
             <a:fld id="{61478373-EB31-4867-8CF0-FA31364748A5}" type="datetimeFigureOut">
               <a:rPr lang="en-GB" smtClean="0"/>
-              <a:t>09/02/2024</a:t>
+              <a:t>26/02/2024</a:t>
             </a:fld>
             <a:endParaRPr lang="en-GB"/>
           </a:p>
@@ -7804,7 +8434,7 @@
           <a:p>
             <a:fld id="{E85DF616-B21E-4EF6-A6A5-95E2FB3EB1A1}" type="datetimeFigureOut">
               <a:rPr lang="en-GB" smtClean="0"/>
-              <a:t>09/02/2024</a:t>
+              <a:t>26/02/2024</a:t>
             </a:fld>
             <a:endParaRPr lang="en-GB"/>
           </a:p>
@@ -8004,7 +8634,7 @@
           <a:p>
             <a:fld id="{E85DF616-B21E-4EF6-A6A5-95E2FB3EB1A1}" type="datetimeFigureOut">
               <a:rPr lang="en-GB" smtClean="0"/>
-              <a:t>09/02/2024</a:t>
+              <a:t>26/02/2024</a:t>
             </a:fld>
             <a:endParaRPr lang="en-GB"/>
           </a:p>
@@ -8214,7 +8844,7 @@
           <a:p>
             <a:fld id="{E85DF616-B21E-4EF6-A6A5-95E2FB3EB1A1}" type="datetimeFigureOut">
               <a:rPr lang="en-GB" smtClean="0"/>
-              <a:t>09/02/2024</a:t>
+              <a:t>26/02/2024</a:t>
             </a:fld>
             <a:endParaRPr lang="en-GB"/>
           </a:p>
@@ -8414,7 +9044,7 @@
           <a:p>
             <a:fld id="{E85DF616-B21E-4EF6-A6A5-95E2FB3EB1A1}" type="datetimeFigureOut">
               <a:rPr lang="en-GB" smtClean="0"/>
-              <a:t>09/02/2024</a:t>
+              <a:t>26/02/2024</a:t>
             </a:fld>
             <a:endParaRPr lang="en-GB"/>
           </a:p>
@@ -8690,7 +9320,7 @@
           <a:p>
             <a:fld id="{E85DF616-B21E-4EF6-A6A5-95E2FB3EB1A1}" type="datetimeFigureOut">
               <a:rPr lang="en-GB" smtClean="0"/>
-              <a:t>09/02/2024</a:t>
+              <a:t>26/02/2024</a:t>
             </a:fld>
             <a:endParaRPr lang="en-GB"/>
           </a:p>
@@ -8958,7 +9588,7 @@
           <a:p>
             <a:fld id="{E85DF616-B21E-4EF6-A6A5-95E2FB3EB1A1}" type="datetimeFigureOut">
               <a:rPr lang="en-GB" smtClean="0"/>
-              <a:t>09/02/2024</a:t>
+              <a:t>26/02/2024</a:t>
             </a:fld>
             <a:endParaRPr lang="en-GB"/>
           </a:p>
@@ -9373,7 +10003,7 @@
           <a:p>
             <a:fld id="{E85DF616-B21E-4EF6-A6A5-95E2FB3EB1A1}" type="datetimeFigureOut">
               <a:rPr lang="en-GB" smtClean="0"/>
-              <a:t>09/02/2024</a:t>
+              <a:t>26/02/2024</a:t>
             </a:fld>
             <a:endParaRPr lang="en-GB"/>
           </a:p>
@@ -9515,7 +10145,7 @@
           <a:p>
             <a:fld id="{E85DF616-B21E-4EF6-A6A5-95E2FB3EB1A1}" type="datetimeFigureOut">
               <a:rPr lang="en-GB" smtClean="0"/>
-              <a:t>09/02/2024</a:t>
+              <a:t>26/02/2024</a:t>
             </a:fld>
             <a:endParaRPr lang="en-GB"/>
           </a:p>
@@ -9628,7 +10258,7 @@
           <a:p>
             <a:fld id="{E85DF616-B21E-4EF6-A6A5-95E2FB3EB1A1}" type="datetimeFigureOut">
               <a:rPr lang="en-GB" smtClean="0"/>
-              <a:t>09/02/2024</a:t>
+              <a:t>26/02/2024</a:t>
             </a:fld>
             <a:endParaRPr lang="en-GB"/>
           </a:p>
@@ -9941,7 +10571,7 @@
           <a:p>
             <a:fld id="{E85DF616-B21E-4EF6-A6A5-95E2FB3EB1A1}" type="datetimeFigureOut">
               <a:rPr lang="en-GB" smtClean="0"/>
-              <a:t>09/02/2024</a:t>
+              <a:t>26/02/2024</a:t>
             </a:fld>
             <a:endParaRPr lang="en-GB"/>
           </a:p>
@@ -10230,7 +10860,7 @@
           <a:p>
             <a:fld id="{E85DF616-B21E-4EF6-A6A5-95E2FB3EB1A1}" type="datetimeFigureOut">
               <a:rPr lang="en-GB" smtClean="0"/>
-              <a:t>09/02/2024</a:t>
+              <a:t>26/02/2024</a:t>
             </a:fld>
             <a:endParaRPr lang="en-GB"/>
           </a:p>
@@ -10473,7 +11103,7 @@
           <a:p>
             <a:fld id="{E85DF616-B21E-4EF6-A6A5-95E2FB3EB1A1}" type="datetimeFigureOut">
               <a:rPr lang="en-GB" smtClean="0"/>
-              <a:t>09/02/2024</a:t>
+              <a:t>26/02/2024</a:t>
             </a:fld>
             <a:endParaRPr lang="en-GB"/>
           </a:p>
@@ -31328,8 +31958,8 @@
           </a:p>
         </p:txBody>
       </p:sp>
-      <mc:AlternateContent xmlns:mc="http://schemas.openxmlformats.org/markup-compatibility/2006">
-        <mc:Choice xmlns:a14="http://schemas.microsoft.com/office/drawing/2010/main" Requires="a14">
+      <mc:AlternateContent xmlns:mc="http://schemas.openxmlformats.org/markup-compatibility/2006" xmlns:a14="http://schemas.microsoft.com/office/drawing/2010/main">
+        <mc:Choice Requires="a14">
           <p:sp>
             <p:nvSpPr>
               <p:cNvPr id="3" name="Content Placeholder 2">
@@ -31520,7 +32150,7 @@
             </p:txBody>
           </p:sp>
         </mc:Choice>
-        <mc:Fallback>
+        <mc:Fallback xmlns="">
           <p:sp>
             <p:nvSpPr>
               <p:cNvPr id="3" name="Content Placeholder 2">
@@ -32570,8 +33200,8 @@
           </a:p>
         </p:txBody>
       </p:sp>
-      <mc:AlternateContent xmlns:mc="http://schemas.openxmlformats.org/markup-compatibility/2006">
-        <mc:Choice xmlns:a14="http://schemas.microsoft.com/office/drawing/2010/main" Requires="a14">
+      <mc:AlternateContent xmlns:mc="http://schemas.openxmlformats.org/markup-compatibility/2006" xmlns:a14="http://schemas.microsoft.com/office/drawing/2010/main">
+        <mc:Choice Requires="a14">
           <p:sp>
             <p:nvSpPr>
               <p:cNvPr id="3" name="Content Placeholder 2">
@@ -32777,7 +33407,7 @@
             </p:txBody>
           </p:sp>
         </mc:Choice>
-        <mc:Fallback>
+        <mc:Fallback xmlns="">
           <p:sp>
             <p:nvSpPr>
               <p:cNvPr id="3" name="Content Placeholder 2">
